--- a/产品手册/Sx00/S系列源表操作手册v1.2.0.pptx
+++ b/产品手册/Sx00/S系列源表操作手册v1.2.0.pptx
@@ -5,18 +5,19 @@
     <p:sldMasterId id="2147483648" r:id="rId1"/>
   </p:sldMasterIdLst>
   <p:sldIdLst>
-    <p:sldId id="256" r:id="rId3"/>
-    <p:sldId id="259" r:id="rId4"/>
-    <p:sldId id="260" r:id="rId5"/>
-    <p:sldId id="261" r:id="rId6"/>
-    <p:sldId id="262" r:id="rId7"/>
-    <p:sldId id="264" r:id="rId8"/>
-    <p:sldId id="265" r:id="rId9"/>
-    <p:sldId id="271" r:id="rId10"/>
-    <p:sldId id="282" r:id="rId11"/>
-    <p:sldId id="284" r:id="rId12"/>
-    <p:sldId id="272" r:id="rId13"/>
-    <p:sldId id="292" r:id="rId14"/>
+    <p:sldId id="256" r:id="rId2"/>
+    <p:sldId id="259" r:id="rId3"/>
+    <p:sldId id="260" r:id="rId4"/>
+    <p:sldId id="261" r:id="rId5"/>
+    <p:sldId id="262" r:id="rId6"/>
+    <p:sldId id="264" r:id="rId7"/>
+    <p:sldId id="265" r:id="rId8"/>
+    <p:sldId id="271" r:id="rId9"/>
+    <p:sldId id="282" r:id="rId10"/>
+    <p:sldId id="284" r:id="rId11"/>
+    <p:sldId id="272" r:id="rId12"/>
+    <p:sldId id="292" r:id="rId13"/>
+    <p:sldId id="293" r:id="rId14"/>
     <p:sldId id="274" r:id="rId15"/>
     <p:sldId id="266" r:id="rId16"/>
     <p:sldId id="267" r:id="rId17"/>
@@ -424,13 +425,6 @@
               </a:rPr>
               <a:t>声明：本文件所有权和解释权归武汉普赛斯仪表有限公司所有，未经武汉普赛斯仪表有限公司书面许可，不得复制或向第三方公开。</a:t>
             </a:r>
-            <a:endParaRPr lang="zh-CN" altLang="en-US" sz="900">
-              <a:solidFill>
-                <a:srgbClr val="595959"/>
-              </a:solidFill>
-              <a:latin typeface="微软雅黑" panose="020B0503020204020204" charset="-122"/>
-              <a:ea typeface="微软雅黑" panose="020B0503020204020204" charset="-122"/>
-            </a:endParaRPr>
           </a:p>
         </p:txBody>
       </p:sp>
@@ -470,13 +464,6 @@
               </a:rPr>
               <a:t>操作手册</a:t>
             </a:r>
-            <a:endParaRPr lang="zh-CN" altLang="en-US" sz="2800">
-              <a:solidFill>
-                <a:srgbClr val="595959"/>
-              </a:solidFill>
-              <a:latin typeface="微软雅黑" panose="020B0503020204020204" charset="-122"/>
-              <a:ea typeface="微软雅黑" panose="020B0503020204020204" charset="-122"/>
-            </a:endParaRPr>
           </a:p>
         </p:txBody>
       </p:sp>
@@ -594,13 +581,6 @@
               </a:rPr>
               <a:t>武汉普赛斯仪表有限公司</a:t>
             </a:r>
-            <a:endParaRPr lang="zh-CN" altLang="en-US" sz="1600" b="1">
-              <a:solidFill>
-                <a:schemeClr val="bg1"/>
-              </a:solidFill>
-              <a:latin typeface="微软雅黑" panose="020B0503020204020204" charset="-122"/>
-              <a:ea typeface="微软雅黑" panose="020B0503020204020204" charset="-122"/>
-            </a:endParaRPr>
           </a:p>
           <a:p>
             <a:pPr lvl="0">
@@ -618,13 +598,6 @@
               </a:rPr>
               <a:t>地址：武汉东湖开发区308号光谷动力绿色环保产业园8栋102室 </a:t>
             </a:r>
-            <a:endParaRPr lang="zh-CN" altLang="en-US" sz="1000">
-              <a:solidFill>
-                <a:schemeClr val="bg1"/>
-              </a:solidFill>
-              <a:latin typeface="微软雅黑" panose="020B0503020204020204" charset="-122"/>
-              <a:ea typeface="微软雅黑" panose="020B0503020204020204" charset="-122"/>
-            </a:endParaRPr>
           </a:p>
           <a:p>
             <a:pPr lvl="0">
@@ -642,13 +615,6 @@
               </a:rPr>
               <a:t>网址：www.whpssins.com</a:t>
             </a:r>
-            <a:endParaRPr lang="zh-CN" altLang="en-US" sz="1000">
-              <a:solidFill>
-                <a:schemeClr val="bg1"/>
-              </a:solidFill>
-              <a:latin typeface="微软雅黑" panose="020B0503020204020204" charset="-122"/>
-              <a:ea typeface="微软雅黑" panose="020B0503020204020204" charset="-122"/>
-            </a:endParaRPr>
           </a:p>
           <a:p>
             <a:pPr lvl="0">
@@ -666,13 +632,6 @@
               </a:rPr>
               <a:t>邮箱：pss@whprecise.com</a:t>
             </a:r>
-            <a:endParaRPr lang="zh-CN" altLang="en-US" sz="1000">
-              <a:solidFill>
-                <a:schemeClr val="bg1"/>
-              </a:solidFill>
-              <a:latin typeface="微软雅黑" panose="020B0503020204020204" charset="-122"/>
-              <a:ea typeface="微软雅黑" panose="020B0503020204020204" charset="-122"/>
-            </a:endParaRPr>
           </a:p>
           <a:p>
             <a:pPr lvl="0">
@@ -690,13 +649,6 @@
               </a:rPr>
               <a:t>电话：027-87993690</a:t>
             </a:r>
-            <a:endParaRPr lang="zh-CN" altLang="en-US" sz="1000">
-              <a:solidFill>
-                <a:schemeClr val="bg1"/>
-              </a:solidFill>
-              <a:latin typeface="微软雅黑" panose="020B0503020204020204" charset="-122"/>
-              <a:ea typeface="微软雅黑" panose="020B0503020204020204" charset="-122"/>
-            </a:endParaRPr>
           </a:p>
         </p:txBody>
       </p:sp>
@@ -843,6 +795,7 @@
                 <a:ea typeface="宋体" panose="02010600030101010101" pitchFamily="2" charset="-122"/>
                 <a:cs typeface="+mn-cs"/>
               </a:rPr>
+              <a:t>‹#›</a:t>
             </a:fld>
             <a:endParaRPr lang="zh-CN" altLang="en-US" strike="noStrike" noProof="1">
               <a:latin typeface="Arial" panose="020B0604020202020204" pitchFamily="34" charset="0"/>
@@ -937,7 +890,6 @@
               <a:rPr lang="zh-CN" altLang="en-US" strike="noStrike" noProof="1" smtClean="0"/>
               <a:t>单击此处编辑母版文本样式</a:t>
             </a:r>
-            <a:endParaRPr lang="zh-CN" altLang="en-US" strike="noStrike" noProof="1" smtClean="0"/>
           </a:p>
           <a:p>
             <a:pPr lvl="1" fontAlgn="base"/>
@@ -945,7 +897,6 @@
               <a:rPr lang="zh-CN" altLang="en-US" strike="noStrike" noProof="1" smtClean="0"/>
               <a:t>第二级</a:t>
             </a:r>
-            <a:endParaRPr lang="zh-CN" altLang="en-US" strike="noStrike" noProof="1" smtClean="0"/>
           </a:p>
           <a:p>
             <a:pPr lvl="2" fontAlgn="base"/>
@@ -953,7 +904,6 @@
               <a:rPr lang="zh-CN" altLang="en-US" strike="noStrike" noProof="1" smtClean="0"/>
               <a:t>第三级</a:t>
             </a:r>
-            <a:endParaRPr lang="zh-CN" altLang="en-US" strike="noStrike" noProof="1" smtClean="0"/>
           </a:p>
           <a:p>
             <a:pPr lvl="3" fontAlgn="base"/>
@@ -961,7 +911,6 @@
               <a:rPr lang="zh-CN" altLang="en-US" strike="noStrike" noProof="1" smtClean="0"/>
               <a:t>第四级</a:t>
             </a:r>
-            <a:endParaRPr lang="zh-CN" altLang="en-US" strike="noStrike" noProof="1" smtClean="0"/>
           </a:p>
           <a:p>
             <a:pPr lvl="4" fontAlgn="base"/>
@@ -1061,6 +1010,7 @@
                 <a:ea typeface="宋体" panose="02010600030101010101" pitchFamily="2" charset="-122"/>
                 <a:cs typeface="+mn-cs"/>
               </a:rPr>
+              <a:t>‹#›</a:t>
             </a:fld>
             <a:endParaRPr lang="zh-CN" altLang="en-US" strike="noStrike" noProof="1">
               <a:latin typeface="Arial" panose="020B0604020202020204" pitchFamily="34" charset="0"/>
@@ -1155,7 +1105,6 @@
               <a:rPr lang="zh-CN" altLang="en-US" strike="noStrike" noProof="1" smtClean="0"/>
               <a:t>单击此处编辑母版文本样式</a:t>
             </a:r>
-            <a:endParaRPr lang="zh-CN" altLang="en-US" strike="noStrike" noProof="1" smtClean="0"/>
           </a:p>
           <a:p>
             <a:pPr lvl="1" fontAlgn="base"/>
@@ -1163,7 +1112,6 @@
               <a:rPr lang="zh-CN" altLang="en-US" strike="noStrike" noProof="1" smtClean="0"/>
               <a:t>第二级</a:t>
             </a:r>
-            <a:endParaRPr lang="zh-CN" altLang="en-US" strike="noStrike" noProof="1" smtClean="0"/>
           </a:p>
           <a:p>
             <a:pPr lvl="2" fontAlgn="base"/>
@@ -1171,7 +1119,6 @@
               <a:rPr lang="zh-CN" altLang="en-US" strike="noStrike" noProof="1" smtClean="0"/>
               <a:t>第三级</a:t>
             </a:r>
-            <a:endParaRPr lang="zh-CN" altLang="en-US" strike="noStrike" noProof="1" smtClean="0"/>
           </a:p>
           <a:p>
             <a:pPr lvl="3" fontAlgn="base"/>
@@ -1179,7 +1126,6 @@
               <a:rPr lang="zh-CN" altLang="en-US" strike="noStrike" noProof="1" smtClean="0"/>
               <a:t>第四级</a:t>
             </a:r>
-            <a:endParaRPr lang="zh-CN" altLang="en-US" strike="noStrike" noProof="1" smtClean="0"/>
           </a:p>
           <a:p>
             <a:pPr lvl="4" fontAlgn="base"/>
@@ -1279,6 +1225,7 @@
                 <a:ea typeface="宋体" panose="02010600030101010101" pitchFamily="2" charset="-122"/>
                 <a:cs typeface="+mn-cs"/>
               </a:rPr>
+              <a:t>‹#›</a:t>
             </a:fld>
             <a:endParaRPr lang="zh-CN" altLang="en-US" strike="noStrike" noProof="1">
               <a:latin typeface="Arial" panose="020B0604020202020204" pitchFamily="34" charset="0"/>
@@ -1449,13 +1396,6 @@
               </a:rPr>
               <a:t>目  录</a:t>
             </a:r>
-            <a:endParaRPr lang="zh-CN" altLang="en-US" sz="4400" b="1">
-              <a:solidFill>
-                <a:schemeClr val="bg1"/>
-              </a:solidFill>
-              <a:latin typeface="微软雅黑" panose="020B0503020204020204" charset="-122"/>
-              <a:ea typeface="微软雅黑" panose="020B0503020204020204" charset="-122"/>
-            </a:endParaRPr>
           </a:p>
         </p:txBody>
       </p:sp>
@@ -1592,7 +1532,6 @@
               <a:rPr lang="zh-CN" altLang="en-US" sz="1350" strike="noStrike" noProof="1" smtClean="0"/>
               <a:t>................................................  4</a:t>
             </a:r>
-            <a:endParaRPr lang="zh-CN" altLang="en-US" sz="1350" strike="noStrike" noProof="1" smtClean="0"/>
           </a:p>
           <a:p>
             <a:pPr lvl="0" fontAlgn="base"/>
@@ -1612,9 +1551,6 @@
               </a:rPr>
               <a:t>      1.2 标题标题标题  ..............................................  4</a:t>
             </a:r>
-            <a:endParaRPr lang="zh-CN" altLang="en-US" strike="noStrike" noProof="1" smtClean="0">
-              <a:sym typeface="+mn-ea"/>
-            </a:endParaRPr>
           </a:p>
           <a:p>
             <a:pPr lvl="0" fontAlgn="base"/>
@@ -1634,9 +1570,6 @@
               </a:rPr>
               <a:t>2. 标题标题标题  .....................................................  14</a:t>
             </a:r>
-            <a:endParaRPr lang="zh-CN" altLang="en-US" strike="noStrike" noProof="1" smtClean="0">
-              <a:sym typeface="+mn-ea"/>
-            </a:endParaRPr>
           </a:p>
           <a:p>
             <a:pPr lvl="0" fontAlgn="base"/>
@@ -1656,9 +1589,6 @@
               </a:rPr>
               <a:t>      2.2 标题标题标题  ...........................................  14</a:t>
             </a:r>
-            <a:endParaRPr lang="zh-CN" altLang="en-US" strike="noStrike" noProof="1" smtClean="0">
-              <a:sym typeface="+mn-ea"/>
-            </a:endParaRPr>
           </a:p>
           <a:p>
             <a:pPr lvl="0" fontAlgn="base"/>
@@ -1668,9 +1598,6 @@
               </a:rPr>
               <a:t>             2.2.1 标题标题标题  ...............................  24</a:t>
             </a:r>
-            <a:endParaRPr lang="zh-CN" altLang="en-US" strike="noStrike" noProof="1" smtClean="0">
-              <a:sym typeface="+mn-ea"/>
-            </a:endParaRPr>
           </a:p>
           <a:p>
             <a:pPr lvl="0" fontAlgn="base"/>
@@ -1680,9 +1607,6 @@
               </a:rPr>
               <a:t>             2.2.2 标题标题标题  ...............................  24</a:t>
             </a:r>
-            <a:endParaRPr lang="zh-CN" altLang="en-US" strike="noStrike" noProof="1" smtClean="0">
-              <a:sym typeface="+mn-ea"/>
-            </a:endParaRPr>
           </a:p>
           <a:p>
             <a:pPr lvl="0" fontAlgn="base"/>
@@ -1702,9 +1626,6 @@
               </a:rPr>
               <a:t>3. 标题标题标题  .....................................................  24</a:t>
             </a:r>
-            <a:endParaRPr lang="zh-CN" altLang="en-US" strike="noStrike" noProof="1" smtClean="0">
-              <a:sym typeface="+mn-ea"/>
-            </a:endParaRPr>
           </a:p>
           <a:p>
             <a:pPr lvl="0" fontAlgn="base"/>
@@ -1724,9 +1645,6 @@
               </a:rPr>
               <a:t>      3.2 标题标题标题  ...........................................  44</a:t>
             </a:r>
-            <a:endParaRPr lang="zh-CN" altLang="en-US" strike="noStrike" noProof="1" smtClean="0">
-              <a:sym typeface="+mn-ea"/>
-            </a:endParaRPr>
           </a:p>
           <a:p>
             <a:pPr lvl="0" fontAlgn="base"/>
@@ -1746,9 +1664,6 @@
               </a:rPr>
               <a:t>4. 标题标题标题  ......................................................  54</a:t>
             </a:r>
-            <a:endParaRPr lang="zh-CN" altLang="en-US" strike="noStrike" noProof="1" smtClean="0">
-              <a:sym typeface="+mn-ea"/>
-            </a:endParaRPr>
           </a:p>
           <a:p>
             <a:pPr lvl="0" fontAlgn="base"/>
@@ -1768,9 +1683,6 @@
               </a:rPr>
               <a:t>      4.2 标题标题标题  ............................................  54</a:t>
             </a:r>
-            <a:endParaRPr lang="zh-CN" altLang="en-US" strike="noStrike" noProof="1" smtClean="0">
-              <a:sym typeface="+mn-ea"/>
-            </a:endParaRPr>
           </a:p>
           <a:p>
             <a:pPr lvl="0" fontAlgn="base"/>
@@ -1822,6 +1734,7 @@
                 <a:ea typeface="宋体" panose="02010600030101010101" pitchFamily="2" charset="-122"/>
                 <a:cs typeface="+mn-cs"/>
               </a:rPr>
+              <a:t>‹#›</a:t>
             </a:fld>
             <a:endParaRPr lang="zh-CN" altLang="en-US" strike="noStrike" noProof="1">
               <a:latin typeface="Arial" panose="020B0604020202020204" pitchFamily="34" charset="0"/>
@@ -1916,7 +1829,6 @@
               <a:rPr lang="zh-CN" altLang="en-US" strike="noStrike" noProof="1" smtClean="0"/>
               <a:t>单击此处编辑母版文本样式</a:t>
             </a:r>
-            <a:endParaRPr lang="zh-CN" altLang="en-US" strike="noStrike" noProof="1" smtClean="0"/>
           </a:p>
           <a:p>
             <a:pPr lvl="1" fontAlgn="base"/>
@@ -1924,7 +1836,6 @@
               <a:rPr lang="zh-CN" altLang="en-US" strike="noStrike" noProof="1" smtClean="0"/>
               <a:t>第二级</a:t>
             </a:r>
-            <a:endParaRPr lang="zh-CN" altLang="en-US" strike="noStrike" noProof="1" smtClean="0"/>
           </a:p>
           <a:p>
             <a:pPr lvl="2" fontAlgn="base"/>
@@ -1932,7 +1843,6 @@
               <a:rPr lang="zh-CN" altLang="en-US" strike="noStrike" noProof="1" smtClean="0"/>
               <a:t>第三级</a:t>
             </a:r>
-            <a:endParaRPr lang="zh-CN" altLang="en-US" strike="noStrike" noProof="1" smtClean="0"/>
           </a:p>
           <a:p>
             <a:pPr lvl="3" fontAlgn="base"/>
@@ -1940,7 +1850,6 @@
               <a:rPr lang="zh-CN" altLang="en-US" strike="noStrike" noProof="1" smtClean="0"/>
               <a:t>第四级</a:t>
             </a:r>
-            <a:endParaRPr lang="zh-CN" altLang="en-US" strike="noStrike" noProof="1" smtClean="0"/>
           </a:p>
           <a:p>
             <a:pPr lvl="4" fontAlgn="base"/>
@@ -2040,6 +1949,7 @@
                 <a:ea typeface="宋体" panose="02010600030101010101" pitchFamily="2" charset="-122"/>
                 <a:cs typeface="+mn-cs"/>
               </a:rPr>
+              <a:t>‹#›</a:t>
             </a:fld>
             <a:endParaRPr lang="zh-CN" altLang="en-US" strike="noStrike" noProof="1">
               <a:latin typeface="Arial" panose="020B0604020202020204" pitchFamily="34" charset="0"/>
@@ -2134,7 +2044,6 @@
               <a:rPr lang="zh-CN" altLang="en-US" strike="noStrike" noProof="1" smtClean="0"/>
               <a:t>单击此处编辑母版文本样式</a:t>
             </a:r>
-            <a:endParaRPr lang="zh-CN" altLang="en-US" strike="noStrike" noProof="1" smtClean="0"/>
           </a:p>
           <a:p>
             <a:pPr lvl="1" fontAlgn="base"/>
@@ -2142,7 +2051,6 @@
               <a:rPr lang="zh-CN" altLang="en-US" strike="noStrike" noProof="1" smtClean="0"/>
               <a:t>第二级</a:t>
             </a:r>
-            <a:endParaRPr lang="zh-CN" altLang="en-US" strike="noStrike" noProof="1" smtClean="0"/>
           </a:p>
           <a:p>
             <a:pPr lvl="2" fontAlgn="base"/>
@@ -2150,7 +2058,6 @@
               <a:rPr lang="zh-CN" altLang="en-US" strike="noStrike" noProof="1" smtClean="0"/>
               <a:t>第三级</a:t>
             </a:r>
-            <a:endParaRPr lang="zh-CN" altLang="en-US" strike="noStrike" noProof="1" smtClean="0"/>
           </a:p>
           <a:p>
             <a:pPr lvl="3" fontAlgn="base"/>
@@ -2158,7 +2065,6 @@
               <a:rPr lang="zh-CN" altLang="en-US" strike="noStrike" noProof="1" smtClean="0"/>
               <a:t>第四级</a:t>
             </a:r>
-            <a:endParaRPr lang="zh-CN" altLang="en-US" strike="noStrike" noProof="1" smtClean="0"/>
           </a:p>
           <a:p>
             <a:pPr lvl="4" fontAlgn="base"/>
@@ -2195,7 +2101,6 @@
               <a:rPr lang="zh-CN" altLang="en-US" strike="noStrike" noProof="1" smtClean="0"/>
               <a:t>单击此处编辑母版文本样式</a:t>
             </a:r>
-            <a:endParaRPr lang="zh-CN" altLang="en-US" strike="noStrike" noProof="1" smtClean="0"/>
           </a:p>
           <a:p>
             <a:pPr lvl="1" fontAlgn="base"/>
@@ -2203,7 +2108,6 @@
               <a:rPr lang="zh-CN" altLang="en-US" strike="noStrike" noProof="1" smtClean="0"/>
               <a:t>第二级</a:t>
             </a:r>
-            <a:endParaRPr lang="zh-CN" altLang="en-US" strike="noStrike" noProof="1" smtClean="0"/>
           </a:p>
           <a:p>
             <a:pPr lvl="2" fontAlgn="base"/>
@@ -2211,7 +2115,6 @@
               <a:rPr lang="zh-CN" altLang="en-US" strike="noStrike" noProof="1" smtClean="0"/>
               <a:t>第三级</a:t>
             </a:r>
-            <a:endParaRPr lang="zh-CN" altLang="en-US" strike="noStrike" noProof="1" smtClean="0"/>
           </a:p>
           <a:p>
             <a:pPr lvl="3" fontAlgn="base"/>
@@ -2219,7 +2122,6 @@
               <a:rPr lang="zh-CN" altLang="en-US" strike="noStrike" noProof="1" smtClean="0"/>
               <a:t>第四级</a:t>
             </a:r>
-            <a:endParaRPr lang="zh-CN" altLang="en-US" strike="noStrike" noProof="1" smtClean="0"/>
           </a:p>
           <a:p>
             <a:pPr lvl="4" fontAlgn="base"/>
@@ -2319,6 +2221,7 @@
                 <a:ea typeface="宋体" panose="02010600030101010101" pitchFamily="2" charset="-122"/>
                 <a:cs typeface="+mn-cs"/>
               </a:rPr>
+              <a:t>‹#›</a:t>
             </a:fld>
             <a:endParaRPr lang="zh-CN" altLang="en-US" strike="noStrike" noProof="1">
               <a:latin typeface="Arial" panose="020B0604020202020204" pitchFamily="34" charset="0"/>
@@ -2479,7 +2382,6 @@
               <a:rPr lang="zh-CN" altLang="en-US" strike="noStrike" noProof="1" smtClean="0"/>
               <a:t>单击此处编辑母版文本样式</a:t>
             </a:r>
-            <a:endParaRPr lang="zh-CN" altLang="en-US" strike="noStrike" noProof="1" smtClean="0"/>
           </a:p>
           <a:p>
             <a:pPr lvl="1" fontAlgn="base"/>
@@ -2487,7 +2389,6 @@
               <a:rPr lang="zh-CN" altLang="en-US" strike="noStrike" noProof="1" smtClean="0"/>
               <a:t>第二级</a:t>
             </a:r>
-            <a:endParaRPr lang="zh-CN" altLang="en-US" strike="noStrike" noProof="1" smtClean="0"/>
           </a:p>
           <a:p>
             <a:pPr lvl="2" fontAlgn="base"/>
@@ -2495,7 +2396,6 @@
               <a:rPr lang="zh-CN" altLang="en-US" strike="noStrike" noProof="1" smtClean="0"/>
               <a:t>第三级</a:t>
             </a:r>
-            <a:endParaRPr lang="zh-CN" altLang="en-US" strike="noStrike" noProof="1" smtClean="0"/>
           </a:p>
           <a:p>
             <a:pPr lvl="3" fontAlgn="base"/>
@@ -2503,7 +2403,6 @@
               <a:rPr lang="zh-CN" altLang="en-US" strike="noStrike" noProof="1" smtClean="0"/>
               <a:t>第四级</a:t>
             </a:r>
-            <a:endParaRPr lang="zh-CN" altLang="en-US" strike="noStrike" noProof="1" smtClean="0"/>
           </a:p>
           <a:p>
             <a:pPr lvl="4" fontAlgn="base"/>
@@ -2606,7 +2505,6 @@
               <a:rPr lang="zh-CN" altLang="en-US" strike="noStrike" noProof="1" smtClean="0"/>
               <a:t>单击此处编辑母版文本样式</a:t>
             </a:r>
-            <a:endParaRPr lang="zh-CN" altLang="en-US" strike="noStrike" noProof="1" smtClean="0"/>
           </a:p>
           <a:p>
             <a:pPr lvl="1" fontAlgn="base"/>
@@ -2614,7 +2512,6 @@
               <a:rPr lang="zh-CN" altLang="en-US" strike="noStrike" noProof="1" smtClean="0"/>
               <a:t>第二级</a:t>
             </a:r>
-            <a:endParaRPr lang="zh-CN" altLang="en-US" strike="noStrike" noProof="1" smtClean="0"/>
           </a:p>
           <a:p>
             <a:pPr lvl="2" fontAlgn="base"/>
@@ -2622,7 +2519,6 @@
               <a:rPr lang="zh-CN" altLang="en-US" strike="noStrike" noProof="1" smtClean="0"/>
               <a:t>第三级</a:t>
             </a:r>
-            <a:endParaRPr lang="zh-CN" altLang="en-US" strike="noStrike" noProof="1" smtClean="0"/>
           </a:p>
           <a:p>
             <a:pPr lvl="3" fontAlgn="base"/>
@@ -2630,7 +2526,6 @@
               <a:rPr lang="zh-CN" altLang="en-US" strike="noStrike" noProof="1" smtClean="0"/>
               <a:t>第四级</a:t>
             </a:r>
-            <a:endParaRPr lang="zh-CN" altLang="en-US" strike="noStrike" noProof="1" smtClean="0"/>
           </a:p>
           <a:p>
             <a:pPr lvl="4" fontAlgn="base"/>
@@ -2730,6 +2625,7 @@
                 <a:ea typeface="宋体" panose="02010600030101010101" pitchFamily="2" charset="-122"/>
                 <a:cs typeface="+mn-cs"/>
               </a:rPr>
+              <a:t>‹#›</a:t>
             </a:fld>
             <a:endParaRPr lang="zh-CN" altLang="en-US" strike="noStrike" noProof="1">
               <a:latin typeface="Arial" panose="020B0604020202020204" pitchFamily="34" charset="0"/>
@@ -2784,6 +2680,7 @@
                 <a:ea typeface="宋体" panose="02010600030101010101" pitchFamily="2" charset="-122"/>
                 <a:cs typeface="+mn-cs"/>
               </a:rPr>
+              <a:t>‹#›</a:t>
             </a:fld>
             <a:endParaRPr lang="zh-CN" altLang="en-US" strike="noStrike" noProof="1">
               <a:latin typeface="Arial" panose="020B0604020202020204" pitchFamily="34" charset="0"/>
@@ -2912,6 +2809,7 @@
                 <a:ea typeface="宋体" panose="02010600030101010101" pitchFamily="2" charset="-122"/>
                 <a:cs typeface="+mn-cs"/>
               </a:rPr>
+              <a:t>‹#›</a:t>
             </a:fld>
             <a:endParaRPr lang="zh-CN" altLang="en-US" strike="noStrike" noProof="1">
               <a:latin typeface="Arial" panose="020B0604020202020204" pitchFamily="34" charset="0"/>
@@ -3038,7 +2936,6 @@
               <a:rPr lang="zh-CN" altLang="en-US" strike="noStrike" noProof="1" smtClean="0"/>
               <a:t>单击此处编辑母版文本样式</a:t>
             </a:r>
-            <a:endParaRPr lang="zh-CN" altLang="en-US" strike="noStrike" noProof="1" smtClean="0"/>
           </a:p>
           <a:p>
             <a:pPr lvl="1" fontAlgn="base"/>
@@ -3136,7 +3033,6 @@
               <a:rPr lang="zh-CN" altLang="en-US" strike="noStrike" noProof="1" smtClean="0"/>
               <a:t>单击此处编辑母版文本样式</a:t>
             </a:r>
-            <a:endParaRPr lang="zh-CN" altLang="en-US" strike="noStrike" noProof="1" smtClean="0"/>
           </a:p>
         </p:txBody>
       </p:sp>
@@ -3228,6 +3124,7 @@
                 <a:ea typeface="宋体" panose="02010600030101010101" pitchFamily="2" charset="-122"/>
                 <a:cs typeface="+mn-cs"/>
               </a:rPr>
+              <a:t>‹#›</a:t>
             </a:fld>
             <a:endParaRPr lang="zh-CN" altLang="en-US" strike="noStrike" noProof="1">
               <a:latin typeface="Arial" panose="020B0604020202020204" pitchFamily="34" charset="0"/>
@@ -3517,6 +3414,7 @@
                 <a:ea typeface="宋体" panose="02010600030101010101" pitchFamily="2" charset="-122"/>
                 <a:cs typeface="+mn-cs"/>
               </a:rPr>
+              <a:t>‹#›</a:t>
             </a:fld>
             <a:endParaRPr lang="zh-CN" altLang="en-US" strike="noStrike" noProof="1">
               <a:latin typeface="Arial" panose="020B0604020202020204" pitchFamily="34" charset="0"/>
@@ -3612,7 +3510,7 @@
           <p:nvPr userDrawn="1"/>
         </p:nvPicPr>
         <p:blipFill>
-          <a:blip r:embed="rId12"/>
+          <a:blip r:embed="rId13"/>
           <a:stretch>
             <a:fillRect/>
           </a:stretch>
@@ -3667,13 +3565,6 @@
               </a:rPr>
               <a:t>武汉普赛斯仪表有限公司</a:t>
             </a:r>
-            <a:endParaRPr lang="zh-CN" altLang="en-US" sz="900" b="1">
-              <a:solidFill>
-                <a:schemeClr val="bg1"/>
-              </a:solidFill>
-              <a:latin typeface="微软雅黑" panose="020B0503020204020204" charset="-122"/>
-              <a:ea typeface="微软雅黑" panose="020B0503020204020204" charset="-122"/>
-            </a:endParaRPr>
           </a:p>
         </p:txBody>
       </p:sp>
@@ -3713,13 +3604,6 @@
               </a:rPr>
               <a:t>www.whpssins.com</a:t>
             </a:r>
-            <a:endParaRPr lang="zh-CN" altLang="en-US" sz="900">
-              <a:solidFill>
-                <a:schemeClr val="bg1"/>
-              </a:solidFill>
-              <a:latin typeface="微软雅黑" panose="020B0503020204020204" charset="-122"/>
-              <a:ea typeface="微软雅黑" panose="020B0503020204020204" charset="-122"/>
-            </a:endParaRPr>
           </a:p>
         </p:txBody>
       </p:sp>
@@ -3811,6 +3695,7 @@
                 <a:ea typeface="宋体" panose="02010600030101010101" pitchFamily="2" charset="-122"/>
                 <a:cs typeface="+mn-cs"/>
               </a:rPr>
+              <a:t>‹#›</a:t>
             </a:fld>
             <a:endParaRPr lang="zh-CN" altLang="en-US" strike="noStrike" noProof="1">
               <a:latin typeface="Arial" panose="020B0604020202020204" pitchFamily="34" charset="0"/>
@@ -3862,7 +3747,7 @@
           <p:nvPr userDrawn="1"/>
         </p:nvPicPr>
         <p:blipFill>
-          <a:blip r:embed="rId13" cstate="print"/>
+          <a:blip r:embed="rId14" cstate="print"/>
           <a:stretch>
             <a:fillRect/>
           </a:stretch>
@@ -3927,13 +3812,6 @@
               </a:rPr>
               <a:t>操作手册</a:t>
             </a:r>
-            <a:endParaRPr lang="zh-CN" altLang="zh-CN" sz="1200">
-              <a:solidFill>
-                <a:srgbClr val="595959"/>
-              </a:solidFill>
-              <a:latin typeface="微软雅黑" panose="020B0503020204020204" charset="-122"/>
-              <a:ea typeface="微软雅黑" panose="020B0503020204020204" charset="-122"/>
-            </a:endParaRPr>
           </a:p>
         </p:txBody>
       </p:sp>
@@ -4397,13 +4275,6 @@
               </a:rPr>
               <a:t>S系列源表</a:t>
             </a:r>
-            <a:endParaRPr lang="zh-CN" altLang="en-US" sz="4400" b="1">
-              <a:solidFill>
-                <a:srgbClr val="1B3B7C"/>
-              </a:solidFill>
-              <a:latin typeface="微软雅黑" panose="020B0503020204020204" charset="-122"/>
-              <a:ea typeface="微软雅黑" panose="020B0503020204020204" charset="-122"/>
-            </a:endParaRPr>
           </a:p>
         </p:txBody>
       </p:sp>
@@ -4424,7 +4295,14 @@
         <p:cNvGrpSpPr/>
         <p:nvPr/>
       </p:nvGrpSpPr>
-      <p:grpSpPr/>
+      <p:grpSpPr>
+        <a:xfrm>
+          <a:off x="0" y="0"/>
+          <a:ext cx="0" cy="0"/>
+          <a:chOff x="0" y="0"/>
+          <a:chExt cx="0" cy="0"/>
+        </a:xfrm>
+      </p:grpSpPr>
       <p:sp>
         <p:nvSpPr>
           <p:cNvPr id="20484" name="文本框 2"/>
@@ -4448,6 +4326,7 @@
           <a:bodyPr wrap="square" tIns="179705" anchor="t">
             <a:spAutoFit/>
           </a:bodyPr>
+          <a:lstStyle/>
           <a:p>
             <a:pPr>
               <a:buSzTx/>
@@ -4490,25 +4369,8 @@
                 <a:latin typeface="微软雅黑" panose="020B0503020204020204" charset="-122"/>
                 <a:ea typeface="微软雅黑" panose="020B0503020204020204" charset="-122"/>
               </a:rPr>
-              <a:t> 触发</a:t>
-            </a:r>
-            <a:r>
-              <a:rPr lang="zh-CN" altLang="en-US" sz="1400" b="1">
-                <a:solidFill>
-                  <a:srgbClr val="1B3B7C"/>
-                </a:solidFill>
-                <a:latin typeface="微软雅黑" panose="020B0503020204020204" charset="-122"/>
-                <a:ea typeface="微软雅黑" panose="020B0503020204020204" charset="-122"/>
-              </a:rPr>
-              <a:t>设置</a:t>
-            </a:r>
-            <a:endParaRPr lang="zh-CN" altLang="en-US" sz="1400" b="1">
-              <a:solidFill>
-                <a:srgbClr val="1B3B7C"/>
-              </a:solidFill>
-              <a:latin typeface="微软雅黑" panose="020B0503020204020204" charset="-122"/>
-              <a:ea typeface="微软雅黑" panose="020B0503020204020204" charset="-122"/>
-            </a:endParaRPr>
+              <a:t> 触发设置</a:t>
+            </a:r>
           </a:p>
         </p:txBody>
       </p:sp>
@@ -4535,6 +4397,7 @@
           <a:bodyPr wrap="square" lIns="179705" tIns="144145" rIns="179705" bIns="144145" anchor="t">
             <a:spAutoFit/>
           </a:bodyPr>
+          <a:lstStyle/>
           <a:p>
             <a:pPr>
               <a:lnSpc>
@@ -4585,11 +4448,6 @@
               </a:rPr>
               <a:t>所示</a:t>
             </a:r>
-            <a:endParaRPr lang="zh-CN" altLang="en-US" sz="1200">
-              <a:latin typeface="微软雅黑" panose="020B0503020204020204" charset="-122"/>
-              <a:ea typeface="微软雅黑" panose="020B0503020204020204" charset="-122"/>
-              <a:sym typeface="宋体" panose="02010600030101010101" pitchFamily="2" charset="-122"/>
-            </a:endParaRPr>
           </a:p>
         </p:txBody>
       </p:sp>
@@ -4616,6 +4474,7 @@
           <a:bodyPr wrap="square" anchor="t">
             <a:spAutoFit/>
           </a:bodyPr>
+          <a:lstStyle/>
           <a:p>
             <a:pPr algn="ctr"/>
             <a:r>
@@ -4637,19 +4496,8 @@
                 <a:latin typeface="微软雅黑" panose="020B0503020204020204" charset="-122"/>
                 <a:ea typeface="微软雅黑" panose="020B0503020204020204" charset="-122"/>
               </a:rPr>
-              <a:t>触发</a:t>
-            </a:r>
-            <a:r>
-              <a:rPr lang="zh-CN" altLang="en-US" sz="1200">
-                <a:latin typeface="微软雅黑" panose="020B0503020204020204" charset="-122"/>
-                <a:ea typeface="微软雅黑" panose="020B0503020204020204" charset="-122"/>
-              </a:rPr>
-              <a:t>设置界面</a:t>
-            </a:r>
-            <a:endParaRPr lang="zh-CN" altLang="en-US" sz="1200">
-              <a:latin typeface="微软雅黑" panose="020B0503020204020204" charset="-122"/>
-              <a:ea typeface="微软雅黑" panose="020B0503020204020204" charset="-122"/>
-            </a:endParaRPr>
+              <a:t>触发设置界面</a:t>
+            </a:r>
           </a:p>
         </p:txBody>
       </p:sp>
@@ -4676,6 +4524,7 @@
           <a:bodyPr wrap="square" tIns="179705" anchor="t">
             <a:spAutoFit/>
           </a:bodyPr>
+          <a:lstStyle/>
           <a:p>
             <a:pPr>
               <a:buSzTx/>
@@ -4718,25 +4567,8 @@
                 <a:latin typeface="微软雅黑" panose="020B0503020204020204" charset="-122"/>
                 <a:ea typeface="微软雅黑" panose="020B0503020204020204" charset="-122"/>
               </a:rPr>
-              <a:t> 时间</a:t>
-            </a:r>
-            <a:r>
-              <a:rPr lang="zh-CN" altLang="en-US" sz="1400" b="1">
-                <a:solidFill>
-                  <a:srgbClr val="1B3B7C"/>
-                </a:solidFill>
-                <a:latin typeface="微软雅黑" panose="020B0503020204020204" charset="-122"/>
-                <a:ea typeface="微软雅黑" panose="020B0503020204020204" charset="-122"/>
-              </a:rPr>
-              <a:t>设置</a:t>
-            </a:r>
-            <a:endParaRPr lang="zh-CN" altLang="en-US" sz="1400" b="1">
-              <a:solidFill>
-                <a:srgbClr val="1B3B7C"/>
-              </a:solidFill>
-              <a:latin typeface="微软雅黑" panose="020B0503020204020204" charset="-122"/>
-              <a:ea typeface="微软雅黑" panose="020B0503020204020204" charset="-122"/>
-            </a:endParaRPr>
+              <a:t> 时间设置</a:t>
+            </a:r>
           </a:p>
         </p:txBody>
       </p:sp>
@@ -4763,6 +4595,7 @@
           <a:bodyPr wrap="square" lIns="179705" tIns="144145" rIns="179705" bIns="144145" anchor="t">
             <a:spAutoFit/>
           </a:bodyPr>
+          <a:lstStyle/>
           <a:p>
             <a:pPr>
               <a:lnSpc>
@@ -4813,11 +4646,6 @@
               </a:rPr>
               <a:t>所示</a:t>
             </a:r>
-            <a:endParaRPr lang="zh-CN" altLang="en-US" sz="1200">
-              <a:latin typeface="微软雅黑" panose="020B0503020204020204" charset="-122"/>
-              <a:ea typeface="微软雅黑" panose="020B0503020204020204" charset="-122"/>
-              <a:sym typeface="宋体" panose="02010600030101010101" pitchFamily="2" charset="-122"/>
-            </a:endParaRPr>
           </a:p>
         </p:txBody>
       </p:sp>
@@ -4844,6 +4672,7 @@
           <a:bodyPr wrap="square" anchor="t">
             <a:spAutoFit/>
           </a:bodyPr>
+          <a:lstStyle/>
           <a:p>
             <a:pPr algn="ctr"/>
             <a:r>
@@ -4865,49 +4694,14 @@
                 <a:latin typeface="微软雅黑" panose="020B0503020204020204" charset="-122"/>
                 <a:ea typeface="微软雅黑" panose="020B0503020204020204" charset="-122"/>
               </a:rPr>
-              <a:t>时间</a:t>
-            </a:r>
-            <a:r>
-              <a:rPr lang="zh-CN" altLang="en-US" sz="1200">
-                <a:latin typeface="微软雅黑" panose="020B0503020204020204" charset="-122"/>
-                <a:ea typeface="微软雅黑" panose="020B0503020204020204" charset="-122"/>
-              </a:rPr>
-              <a:t>设置界面</a:t>
-            </a:r>
-            <a:endParaRPr lang="zh-CN" altLang="en-US" sz="1200">
-              <a:latin typeface="微软雅黑" panose="020B0503020204020204" charset="-122"/>
-              <a:ea typeface="微软雅黑" panose="020B0503020204020204" charset="-122"/>
-            </a:endParaRPr>
+              <a:t>时间设置界面</a:t>
+            </a:r>
           </a:p>
         </p:txBody>
       </p:sp>
       <p:pic>
         <p:nvPicPr>
           <p:cNvPr id="2" name="图片 1"/>
-          <p:cNvPicPr>
-            <a:picLocks noChangeAspect="1"/>
-          </p:cNvPicPr>
-          <p:nvPr/>
-        </p:nvPicPr>
-        <p:blipFill>
-          <a:blip r:embed="rId1"/>
-          <a:stretch>
-            <a:fillRect/>
-          </a:stretch>
-        </p:blipFill>
-        <p:spPr>
-          <a:xfrm>
-            <a:off x="1723390" y="1810385"/>
-            <a:ext cx="3415665" cy="2651125"/>
-          </a:xfrm>
-          <a:prstGeom prst="rect">
-            <a:avLst/>
-          </a:prstGeom>
-        </p:spPr>
-      </p:pic>
-      <p:pic>
-        <p:nvPicPr>
-          <p:cNvPr id="4" name="图片 3"/>
           <p:cNvPicPr>
             <a:picLocks noChangeAspect="1"/>
           </p:cNvPicPr>
@@ -4921,6 +4715,30 @@
         </p:blipFill>
         <p:spPr>
           <a:xfrm>
+            <a:off x="1723390" y="1810385"/>
+            <a:ext cx="3415665" cy="2651125"/>
+          </a:xfrm>
+          <a:prstGeom prst="rect">
+            <a:avLst/>
+          </a:prstGeom>
+        </p:spPr>
+      </p:pic>
+      <p:pic>
+        <p:nvPicPr>
+          <p:cNvPr id="4" name="图片 3"/>
+          <p:cNvPicPr>
+            <a:picLocks noChangeAspect="1"/>
+          </p:cNvPicPr>
+          <p:nvPr/>
+        </p:nvPicPr>
+        <p:blipFill>
+          <a:blip r:embed="rId3"/>
+          <a:stretch>
+            <a:fillRect/>
+          </a:stretch>
+        </p:blipFill>
+        <p:spPr>
+          <a:xfrm>
             <a:off x="1723390" y="5833110"/>
             <a:ext cx="3415030" cy="2646045"/>
           </a:xfrm>
@@ -4934,6 +4752,13 @@
   <p:clrMapOvr>
     <a:masterClrMapping/>
   </p:clrMapOvr>
+  <p:timing>
+    <p:tnLst>
+      <p:par>
+        <p:cTn id="1" dur="indefinite" restart="never" nodeType="tmRoot"/>
+      </p:par>
+    </p:tnLst>
+  </p:timing>
 </p:sld>
 </file>
 
@@ -5001,6 +4826,7 @@
                 <a:ea typeface="宋体" panose="02010600030101010101" pitchFamily="2" charset="-122"/>
                 <a:cs typeface="+mn-cs"/>
               </a:rPr>
+              <a:t>11</a:t>
             </a:fld>
             <a:endParaRPr kumimoji="0" lang="zh-CN" altLang="en-US" sz="1050" b="0" i="0" u="none" strike="noStrike" kern="1200" cap="none" spc="0" normalizeH="0" baseline="0" noProof="1">
               <a:solidFill>
@@ -5022,7 +4848,7 @@
         <p:spPr>
           <a:xfrm>
             <a:off x="846138" y="1282700"/>
-            <a:ext cx="5689600" cy="1326515"/>
+            <a:ext cx="5689600" cy="1629933"/>
           </a:xfrm>
           <a:prstGeom prst="rect">
             <a:avLst/>
@@ -5048,23 +4874,31 @@
               <a:buSzTx/>
             </a:pPr>
             <a:r>
-              <a:rPr lang="en-US" altLang="zh-CN" sz="1200">
-                <a:latin typeface="微软雅黑" panose="020B0503020204020204" charset="-122"/>
-                <a:ea typeface="微软雅黑" panose="020B0503020204020204" charset="-122"/>
-                <a:sym typeface="宋体" panose="02010600030101010101" pitchFamily="2" charset="-122"/>
-              </a:rPr>
-              <a:t>1. </a:t>
-            </a:r>
-            <a:r>
-              <a:rPr lang="zh-CN" altLang="en-US" sz="1200">
-                <a:latin typeface="微软雅黑" panose="020B0503020204020204" charset="-122"/>
-                <a:ea typeface="微软雅黑" panose="020B0503020204020204" charset="-122"/>
-                <a:sym typeface="宋体" panose="02010600030101010101" pitchFamily="2" charset="-122"/>
-              </a:rPr>
-              <a:t>先准备好一个</a:t>
-            </a:r>
-            <a:r>
-              <a:rPr lang="en-US" altLang="zh-CN" sz="1200">
+              <a:rPr lang="zh-CN" altLang="en-US" sz="1200" dirty="0" smtClean="0">
+                <a:latin typeface="微软雅黑" panose="020B0503020204020204" charset="-122"/>
+                <a:ea typeface="微软雅黑" panose="020B0503020204020204" charset="-122"/>
+                <a:sym typeface="宋体" panose="02010600030101010101" pitchFamily="2" charset="-122"/>
+              </a:rPr>
+              <a:t>（</a:t>
+            </a:r>
+            <a:r>
+              <a:rPr lang="en-US" altLang="zh-CN" sz="1200" dirty="0" smtClean="0">
+                <a:latin typeface="微软雅黑" panose="020B0503020204020204" charset="-122"/>
+                <a:ea typeface="微软雅黑" panose="020B0503020204020204" charset="-122"/>
+                <a:sym typeface="宋体" panose="02010600030101010101" pitchFamily="2" charset="-122"/>
+              </a:rPr>
+              <a:t>1</a:t>
+            </a:r>
+            <a:r>
+              <a:rPr lang="zh-CN" altLang="en-US" sz="1200" dirty="0" smtClean="0">
+                <a:latin typeface="微软雅黑" panose="020B0503020204020204" charset="-122"/>
+                <a:ea typeface="微软雅黑" panose="020B0503020204020204" charset="-122"/>
+                <a:sym typeface="宋体" panose="02010600030101010101" pitchFamily="2" charset="-122"/>
+              </a:rPr>
+              <a:t>）方式一：本地升级（本地</a:t>
+            </a:r>
+            <a:r>
+              <a:rPr lang="en-US" altLang="zh-CN" sz="1200" dirty="0" smtClean="0">
                 <a:latin typeface="微软雅黑" panose="020B0503020204020204" charset="-122"/>
                 <a:ea typeface="微软雅黑" panose="020B0503020204020204" charset="-122"/>
                 <a:sym typeface="宋体" panose="02010600030101010101" pitchFamily="2" charset="-122"/>
@@ -5072,14 +4906,14 @@
               <a:t>U</a:t>
             </a:r>
             <a:r>
-              <a:rPr lang="zh-CN" altLang="en-US" sz="1200">
-                <a:latin typeface="微软雅黑" panose="020B0503020204020204" charset="-122"/>
-                <a:ea typeface="微软雅黑" panose="020B0503020204020204" charset="-122"/>
-                <a:sym typeface="宋体" panose="02010600030101010101" pitchFamily="2" charset="-122"/>
-              </a:rPr>
-              <a:t>盘</a:t>
-            </a:r>
-            <a:endParaRPr lang="zh-CN" altLang="en-US" sz="1200">
+              <a:rPr lang="zh-CN" altLang="en-US" sz="1200" dirty="0" smtClean="0">
+                <a:latin typeface="微软雅黑" panose="020B0503020204020204" charset="-122"/>
+                <a:ea typeface="微软雅黑" panose="020B0503020204020204" charset="-122"/>
+                <a:sym typeface="宋体" panose="02010600030101010101" pitchFamily="2" charset="-122"/>
+              </a:rPr>
+              <a:t>盘升级）</a:t>
+            </a:r>
+            <a:endParaRPr lang="en-US" altLang="zh-CN" sz="1200" dirty="0" smtClean="0">
               <a:latin typeface="微软雅黑" panose="020B0503020204020204" charset="-122"/>
               <a:ea typeface="微软雅黑" panose="020B0503020204020204" charset="-122"/>
               <a:sym typeface="宋体" panose="02010600030101010101" pitchFamily="2" charset="-122"/>
@@ -5096,26 +4930,45 @@
               <a:buSzTx/>
             </a:pPr>
             <a:r>
-              <a:rPr lang="en-US" altLang="zh-CN" sz="1200">
-                <a:latin typeface="微软雅黑" panose="020B0503020204020204" charset="-122"/>
-                <a:ea typeface="微软雅黑" panose="020B0503020204020204" charset="-122"/>
-                <a:sym typeface="宋体" panose="02010600030101010101" pitchFamily="2" charset="-122"/>
-              </a:rPr>
-              <a:t>2. </a:t>
-            </a:r>
-            <a:r>
-              <a:rPr lang="zh-CN" altLang="en-US" sz="1200">
-                <a:latin typeface="微软雅黑" panose="020B0503020204020204" charset="-122"/>
-                <a:ea typeface="微软雅黑" panose="020B0503020204020204" charset="-122"/>
-                <a:sym typeface="宋体" panose="02010600030101010101" pitchFamily="2" charset="-122"/>
-              </a:rPr>
-              <a:t>向厂家索要最新升级包</a:t>
-            </a:r>
-            <a:endParaRPr lang="zh-CN" altLang="en-US" sz="1200">
-              <a:latin typeface="微软雅黑" panose="020B0503020204020204" charset="-122"/>
-              <a:ea typeface="微软雅黑" panose="020B0503020204020204" charset="-122"/>
-              <a:sym typeface="宋体" panose="02010600030101010101" pitchFamily="2" charset="-122"/>
-            </a:endParaRPr>
+              <a:rPr lang="en-US" altLang="zh-CN" sz="1200" dirty="0" smtClean="0">
+                <a:latin typeface="微软雅黑" panose="020B0503020204020204" charset="-122"/>
+                <a:ea typeface="微软雅黑" panose="020B0503020204020204" charset="-122"/>
+                <a:sym typeface="宋体" panose="02010600030101010101" pitchFamily="2" charset="-122"/>
+              </a:rPr>
+              <a:t>1</a:t>
+            </a:r>
+            <a:r>
+              <a:rPr lang="en-US" altLang="zh-CN" sz="1200" dirty="0">
+                <a:latin typeface="微软雅黑" panose="020B0503020204020204" charset="-122"/>
+                <a:ea typeface="微软雅黑" panose="020B0503020204020204" charset="-122"/>
+                <a:sym typeface="宋体" panose="02010600030101010101" pitchFamily="2" charset="-122"/>
+              </a:rPr>
+              <a:t>. </a:t>
+            </a:r>
+            <a:r>
+              <a:rPr lang="zh-CN" altLang="en-US" sz="1200" dirty="0">
+                <a:latin typeface="微软雅黑" panose="020B0503020204020204" charset="-122"/>
+                <a:ea typeface="微软雅黑" panose="020B0503020204020204" charset="-122"/>
+                <a:sym typeface="宋体" panose="02010600030101010101" pitchFamily="2" charset="-122"/>
+              </a:rPr>
+              <a:t>先准备好一个</a:t>
+            </a:r>
+            <a:r>
+              <a:rPr lang="en-US" altLang="zh-CN" sz="1200" dirty="0">
+                <a:latin typeface="微软雅黑" panose="020B0503020204020204" charset="-122"/>
+                <a:ea typeface="微软雅黑" panose="020B0503020204020204" charset="-122"/>
+                <a:sym typeface="宋体" panose="02010600030101010101" pitchFamily="2" charset="-122"/>
+              </a:rPr>
+              <a:t>U</a:t>
+            </a:r>
+            <a:r>
+              <a:rPr lang="zh-CN" altLang="en-US" sz="1200" dirty="0">
+                <a:latin typeface="微软雅黑" panose="020B0503020204020204" charset="-122"/>
+                <a:ea typeface="微软雅黑" panose="020B0503020204020204" charset="-122"/>
+                <a:sym typeface="宋体" panose="02010600030101010101" pitchFamily="2" charset="-122"/>
+              </a:rPr>
+              <a:t>盘</a:t>
+            </a:r>
           </a:p>
           <a:p>
             <a:pPr>
@@ -5128,7 +4981,34 @@
               <a:buSzTx/>
             </a:pPr>
             <a:r>
-              <a:rPr lang="en-US" altLang="zh-CN" sz="1200">
+              <a:rPr lang="en-US" altLang="zh-CN" sz="1200" dirty="0">
+                <a:latin typeface="微软雅黑" panose="020B0503020204020204" charset="-122"/>
+                <a:ea typeface="微软雅黑" panose="020B0503020204020204" charset="-122"/>
+                <a:sym typeface="宋体" panose="02010600030101010101" pitchFamily="2" charset="-122"/>
+              </a:rPr>
+              <a:t>2. </a:t>
+            </a:r>
+            <a:r>
+              <a:rPr lang="zh-CN" altLang="en-US" sz="1200" dirty="0">
+                <a:latin typeface="微软雅黑" panose="020B0503020204020204" charset="-122"/>
+                <a:ea typeface="微软雅黑" panose="020B0503020204020204" charset="-122"/>
+                <a:sym typeface="宋体" panose="02010600030101010101" pitchFamily="2" charset="-122"/>
+              </a:rPr>
+              <a:t>向厂家索要最新升级包</a:t>
+            </a:r>
+          </a:p>
+          <a:p>
+            <a:pPr>
+              <a:lnSpc>
+                <a:spcPct val="120000"/>
+              </a:lnSpc>
+              <a:spcAft>
+                <a:spcPts val="600"/>
+              </a:spcAft>
+              <a:buSzTx/>
+            </a:pPr>
+            <a:r>
+              <a:rPr lang="en-US" altLang="zh-CN" sz="1200" dirty="0">
                 <a:latin typeface="微软雅黑" panose="020B0503020204020204" charset="-122"/>
                 <a:ea typeface="微软雅黑" panose="020B0503020204020204" charset="-122"/>
                 <a:sym typeface="宋体" panose="02010600030101010101" pitchFamily="2" charset="-122"/>
@@ -5136,7 +5016,7 @@
               <a:t>3. </a:t>
             </a:r>
             <a:r>
-              <a:rPr lang="zh-CN" altLang="en-US" sz="1200">
+              <a:rPr lang="zh-CN" altLang="en-US" sz="1200" dirty="0">
                 <a:latin typeface="微软雅黑" panose="020B0503020204020204" charset="-122"/>
                 <a:ea typeface="微软雅黑" panose="020B0503020204020204" charset="-122"/>
                 <a:sym typeface="宋体" panose="02010600030101010101" pitchFamily="2" charset="-122"/>
@@ -5144,7 +5024,7 @@
               <a:t>随后将厂家发送的升级文件压缩包解压，解压得到一个名为</a:t>
             </a:r>
             <a:r>
-              <a:rPr lang="en-US" altLang="zh-CN" sz="1200">
+              <a:rPr lang="en-US" altLang="zh-CN" sz="1200" dirty="0" err="1">
                 <a:latin typeface="微软雅黑" panose="020B0503020204020204" charset="-122"/>
                 <a:ea typeface="微软雅黑" panose="020B0503020204020204" charset="-122"/>
                 <a:sym typeface="宋体" panose="02010600030101010101" pitchFamily="2" charset="-122"/>
@@ -5152,23 +5032,15 @@
               <a:t>PssImages</a:t>
             </a:r>
             <a:r>
-              <a:rPr lang="zh-CN" altLang="en-US" sz="1200">
-                <a:latin typeface="微软雅黑" panose="020B0503020204020204" charset="-122"/>
-                <a:ea typeface="微软雅黑" panose="020B0503020204020204" charset="-122"/>
-                <a:sym typeface="宋体" panose="02010600030101010101" pitchFamily="2" charset="-122"/>
-              </a:rPr>
-              <a:t>的文件夹，文件夹内包含升级文件，</a:t>
-            </a:r>
-            <a:r>
-              <a:rPr lang="zh-CN" altLang="en-US" sz="1200">
-                <a:latin typeface="微软雅黑" panose="020B0503020204020204" charset="-122"/>
-                <a:ea typeface="微软雅黑" panose="020B0503020204020204" charset="-122"/>
-                <a:sym typeface="宋体" panose="02010600030101010101" pitchFamily="2" charset="-122"/>
-              </a:rPr>
-              <a:t>如图</a:t>
-            </a:r>
-            <a:r>
-              <a:rPr lang="en-US" altLang="zh-CN" sz="1200">
+              <a:rPr lang="zh-CN" altLang="en-US" sz="1200" dirty="0">
+                <a:latin typeface="微软雅黑" panose="020B0503020204020204" charset="-122"/>
+                <a:ea typeface="微软雅黑" panose="020B0503020204020204" charset="-122"/>
+                <a:sym typeface="宋体" panose="02010600030101010101" pitchFamily="2" charset="-122"/>
+              </a:rPr>
+              <a:t>的文件夹，文件夹内包含升级文件，如图</a:t>
+            </a:r>
+            <a:r>
+              <a:rPr lang="en-US" altLang="zh-CN" sz="1200" dirty="0">
                 <a:latin typeface="微软雅黑" panose="020B0503020204020204" charset="-122"/>
                 <a:ea typeface="微软雅黑" panose="020B0503020204020204" charset="-122"/>
                 <a:sym typeface="宋体" panose="02010600030101010101" pitchFamily="2" charset="-122"/>
@@ -5176,7 +5048,7 @@
               <a:t>3.7</a:t>
             </a:r>
             <a:r>
-              <a:rPr lang="zh-CN" altLang="en-US" sz="1200">
+              <a:rPr lang="zh-CN" altLang="en-US" sz="1200" dirty="0">
                 <a:latin typeface="微软雅黑" panose="020B0503020204020204" charset="-122"/>
                 <a:ea typeface="微软雅黑" panose="020B0503020204020204" charset="-122"/>
                 <a:sym typeface="宋体" panose="02010600030101010101" pitchFamily="2" charset="-122"/>
@@ -5184,7 +5056,7 @@
               <a:t>（</a:t>
             </a:r>
             <a:r>
-              <a:rPr lang="en-US" altLang="zh-CN" sz="1200">
+              <a:rPr lang="en-US" altLang="zh-CN" sz="1200" dirty="0">
                 <a:latin typeface="微软雅黑" panose="020B0503020204020204" charset="-122"/>
                 <a:ea typeface="微软雅黑" panose="020B0503020204020204" charset="-122"/>
                 <a:sym typeface="宋体" panose="02010600030101010101" pitchFamily="2" charset="-122"/>
@@ -5192,26 +5064,13 @@
               <a:t>1</a:t>
             </a:r>
             <a:r>
-              <a:rPr lang="zh-CN" altLang="en-US" sz="1200">
-                <a:latin typeface="微软雅黑" panose="020B0503020204020204" charset="-122"/>
-                <a:ea typeface="微软雅黑" panose="020B0503020204020204" charset="-122"/>
-                <a:sym typeface="宋体" panose="02010600030101010101" pitchFamily="2" charset="-122"/>
-              </a:rPr>
-              <a:t>）</a:t>
-            </a:r>
-            <a:r>
-              <a:rPr lang="zh-CN" altLang="en-US" sz="1200">
-                <a:latin typeface="微软雅黑" panose="020B0503020204020204" charset="-122"/>
-                <a:ea typeface="微软雅黑" panose="020B0503020204020204" charset="-122"/>
-                <a:sym typeface="宋体" panose="02010600030101010101" pitchFamily="2" charset="-122"/>
-              </a:rPr>
-              <a:t>所示：</a:t>
-            </a:r>
-            <a:endParaRPr lang="zh-CN" altLang="en-US" sz="1200">
-              <a:latin typeface="微软雅黑" panose="020B0503020204020204" charset="-122"/>
-              <a:ea typeface="微软雅黑" panose="020B0503020204020204" charset="-122"/>
-              <a:sym typeface="宋体" panose="02010600030101010101" pitchFamily="2" charset="-122"/>
-            </a:endParaRPr>
+              <a:rPr lang="zh-CN" altLang="en-US" sz="1200" dirty="0">
+                <a:latin typeface="微软雅黑" panose="020B0503020204020204" charset="-122"/>
+                <a:ea typeface="微软雅黑" panose="020B0503020204020204" charset="-122"/>
+                <a:sym typeface="宋体" panose="02010600030101010101" pitchFamily="2" charset="-122"/>
+              </a:rPr>
+              <a:t>）所示：</a:t>
+            </a:r>
           </a:p>
         </p:txBody>
       </p:sp>
@@ -5283,13 +5142,6 @@
               </a:rPr>
               <a:t> 版本升级</a:t>
             </a:r>
-            <a:endParaRPr lang="zh-CN" altLang="en-US" sz="1400" b="1">
-              <a:solidFill>
-                <a:srgbClr val="1B3B7C"/>
-              </a:solidFill>
-              <a:latin typeface="微软雅黑" panose="020B0503020204020204" charset="-122"/>
-              <a:ea typeface="微软雅黑" panose="020B0503020204020204" charset="-122"/>
-            </a:endParaRPr>
           </a:p>
         </p:txBody>
       </p:sp>
@@ -5306,14 +5158,14 @@
           </p:nvPr>
         </p:nvPicPr>
         <p:blipFill>
-          <a:blip r:embed="rId2"/>
+          <a:blip r:embed="rId3"/>
           <a:stretch>
             <a:fillRect/>
           </a:stretch>
         </p:blipFill>
         <p:spPr>
           <a:xfrm>
-            <a:off x="1576705" y="2864485"/>
+            <a:off x="1576705" y="3024048"/>
             <a:ext cx="4229100" cy="2791460"/>
           </a:xfrm>
           <a:prstGeom prst="rect">
@@ -5339,7 +5191,7 @@
         </p:nvSpPr>
         <p:spPr>
           <a:xfrm>
-            <a:off x="2640965" y="5951220"/>
+            <a:off x="2640965" y="6115982"/>
             <a:ext cx="2100263" cy="275590"/>
           </a:xfrm>
           <a:prstGeom prst="rect">
@@ -5354,40 +5206,30 @@
           <a:bodyPr wrap="square" anchor="t">
             <a:spAutoFit/>
           </a:bodyPr>
+          <a:lstStyle/>
           <a:p>
             <a:pPr algn="ctr"/>
             <a:r>
-              <a:rPr lang="zh-CN" altLang="zh-CN" sz="1200">
+              <a:rPr lang="zh-CN" altLang="zh-CN" sz="1200" dirty="0">
                 <a:latin typeface="微软雅黑" panose="020B0503020204020204" charset="-122"/>
                 <a:ea typeface="微软雅黑" panose="020B0503020204020204" charset="-122"/>
               </a:rPr>
               <a:t>图</a:t>
             </a:r>
             <a:r>
-              <a:rPr lang="en-US" altLang="zh-CN" sz="1200">
+              <a:rPr lang="en-US" altLang="zh-CN" sz="1200" dirty="0">
                 <a:latin typeface="微软雅黑" panose="020B0503020204020204" charset="-122"/>
                 <a:ea typeface="微软雅黑" panose="020B0503020204020204" charset="-122"/>
               </a:rPr>
               <a:t>3.7(1)  </a:t>
             </a:r>
             <a:r>
-              <a:rPr lang="zh-CN" altLang="en-US" sz="1200">
-                <a:latin typeface="微软雅黑" panose="020B0503020204020204" charset="-122"/>
-                <a:ea typeface="微软雅黑" panose="020B0503020204020204" charset="-122"/>
-              </a:rPr>
-              <a:t>升级文件夹</a:t>
-            </a:r>
-            <a:r>
-              <a:rPr lang="zh-CN" altLang="en-US" sz="1200">
-                <a:latin typeface="微软雅黑" panose="020B0503020204020204" charset="-122"/>
-                <a:ea typeface="微软雅黑" panose="020B0503020204020204" charset="-122"/>
-              </a:rPr>
-              <a:t>内容</a:t>
-            </a:r>
-            <a:endParaRPr lang="zh-CN" altLang="en-US" sz="1200">
-              <a:latin typeface="微软雅黑" panose="020B0503020204020204" charset="-122"/>
-              <a:ea typeface="微软雅黑" panose="020B0503020204020204" charset="-122"/>
-            </a:endParaRPr>
+              <a:rPr lang="zh-CN" altLang="en-US" sz="1200" dirty="0">
+                <a:latin typeface="微软雅黑" panose="020B0503020204020204" charset="-122"/>
+                <a:ea typeface="微软雅黑" panose="020B0503020204020204" charset="-122"/>
+              </a:rPr>
+              <a:t>升级文件夹内容</a:t>
+            </a:r>
           </a:p>
         </p:txBody>
       </p:sp>
@@ -5396,6 +5238,13 @@
   <p:clrMapOvr>
     <a:masterClrMapping/>
   </p:clrMapOvr>
+  <p:timing>
+    <p:tnLst>
+      <p:par>
+        <p:cTn id="1" dur="indefinite" restart="never" nodeType="tmRoot"/>
+      </p:par>
+    </p:tnLst>
+  </p:timing>
 </p:sld>
 </file>
 
@@ -5408,63 +5257,14 @@
         <p:cNvGrpSpPr/>
         <p:nvPr/>
       </p:nvGrpSpPr>
-      <p:grpSpPr/>
-      <p:pic>
-        <p:nvPicPr>
-          <p:cNvPr id="6" name="图片 5"/>
-          <p:cNvPicPr>
-            <a:picLocks noChangeAspect="1"/>
-          </p:cNvPicPr>
-          <p:nvPr>
-            <p:custDataLst>
-              <p:tags r:id="rId1"/>
-            </p:custDataLst>
-          </p:nvPr>
-        </p:nvPicPr>
-        <p:blipFill>
-          <a:blip r:embed="rId2"/>
-          <a:stretch>
-            <a:fillRect/>
-          </a:stretch>
-        </p:blipFill>
-        <p:spPr>
-          <a:xfrm>
-            <a:off x="1718310" y="2560320"/>
-            <a:ext cx="3420745" cy="2035175"/>
-          </a:xfrm>
-          <a:prstGeom prst="rect">
-            <a:avLst/>
-          </a:prstGeom>
-        </p:spPr>
-      </p:pic>
-      <p:pic>
-        <p:nvPicPr>
-          <p:cNvPr id="7" name="图片 6"/>
-          <p:cNvPicPr>
-            <a:picLocks noChangeAspect="1"/>
-          </p:cNvPicPr>
-          <p:nvPr>
-            <p:custDataLst>
-              <p:tags r:id="rId3"/>
-            </p:custDataLst>
-          </p:nvPr>
-        </p:nvPicPr>
-        <p:blipFill>
-          <a:blip r:embed="rId4"/>
-          <a:stretch>
-            <a:fillRect/>
-          </a:stretch>
-        </p:blipFill>
-        <p:spPr>
-          <a:xfrm>
-            <a:off x="1718945" y="6407150"/>
-            <a:ext cx="3420110" cy="2035810"/>
-          </a:xfrm>
-          <a:prstGeom prst="rect">
-            <a:avLst/>
-          </a:prstGeom>
-        </p:spPr>
-      </p:pic>
+      <p:grpSpPr>
+        <a:xfrm>
+          <a:off x="0" y="0"/>
+          <a:ext cx="0" cy="0"/>
+          <a:chOff x="0" y="0"/>
+          <a:chExt cx="0" cy="0"/>
+        </a:xfrm>
+      </p:grpSpPr>
       <p:sp>
         <p:nvSpPr>
           <p:cNvPr id="3" name="文本框 99"/>
@@ -5488,6 +5288,7 @@
           <a:bodyPr wrap="square" lIns="179705" tIns="144145" rIns="179705" bIns="144145" anchor="t">
             <a:spAutoFit/>
           </a:bodyPr>
+          <a:lstStyle/>
           <a:p>
             <a:pPr>
               <a:lnSpc>
@@ -5499,7 +5300,7 @@
               <a:buSzTx/>
             </a:pPr>
             <a:r>
-              <a:rPr lang="en-US" altLang="zh-CN" sz="1200">
+              <a:rPr lang="en-US" altLang="zh-CN" sz="1200" dirty="0">
                 <a:latin typeface="微软雅黑" panose="020B0503020204020204" charset="-122"/>
                 <a:ea typeface="微软雅黑" panose="020B0503020204020204" charset="-122"/>
                 <a:sym typeface="宋体" panose="02010600030101010101" pitchFamily="2" charset="-122"/>
@@ -5507,15 +5308,23 @@
               <a:t>7. </a:t>
             </a:r>
             <a:r>
-              <a:rPr lang="zh-CN" altLang="en-US" sz="1200">
-                <a:latin typeface="微软雅黑" panose="020B0503020204020204" charset="-122"/>
-                <a:ea typeface="微软雅黑" panose="020B0503020204020204" charset="-122"/>
-                <a:sym typeface="宋体" panose="02010600030101010101" pitchFamily="2" charset="-122"/>
-              </a:rPr>
-              <a:t>点击一键升级，确保除</a:t>
-            </a:r>
-            <a:r>
-              <a:rPr lang="en-US" altLang="zh-CN" sz="1200">
+              <a:rPr lang="zh-CN" altLang="en-US" sz="1200" dirty="0" smtClean="0">
+                <a:latin typeface="微软雅黑" panose="020B0503020204020204" charset="-122"/>
+                <a:ea typeface="微软雅黑" panose="020B0503020204020204" charset="-122"/>
+                <a:sym typeface="宋体" panose="02010600030101010101" pitchFamily="2" charset="-122"/>
+              </a:rPr>
+              <a:t>点击本地升级</a:t>
+            </a:r>
+            <a:r>
+              <a:rPr lang="zh-CN" altLang="en-US" sz="1200" dirty="0">
+                <a:latin typeface="微软雅黑" panose="020B0503020204020204" charset="-122"/>
+                <a:ea typeface="微软雅黑" panose="020B0503020204020204" charset="-122"/>
+                <a:sym typeface="宋体" panose="02010600030101010101" pitchFamily="2" charset="-122"/>
+              </a:rPr>
+              <a:t>，确保除</a:t>
+            </a:r>
+            <a:r>
+              <a:rPr lang="en-US" altLang="zh-CN" sz="1200" dirty="0">
                 <a:latin typeface="微软雅黑" panose="020B0503020204020204" charset="-122"/>
                 <a:ea typeface="微软雅黑" panose="020B0503020204020204" charset="-122"/>
                 <a:sym typeface="宋体" panose="02010600030101010101" pitchFamily="2" charset="-122"/>
@@ -5523,7 +5332,7 @@
               <a:t>U</a:t>
             </a:r>
             <a:r>
-              <a:rPr lang="zh-CN" altLang="en-US" sz="1200">
+              <a:rPr lang="zh-CN" altLang="en-US" sz="1200" dirty="0">
                 <a:latin typeface="微软雅黑" panose="020B0503020204020204" charset="-122"/>
                 <a:ea typeface="微软雅黑" panose="020B0503020204020204" charset="-122"/>
                 <a:sym typeface="宋体" panose="02010600030101010101" pitchFamily="2" charset="-122"/>
@@ -5531,7 +5340,7 @@
               <a:t>盘外其他设备断开后点击确认，接下来开始升级，等待大约两分钟后升级完成，如图</a:t>
             </a:r>
             <a:r>
-              <a:rPr lang="en-US" altLang="zh-CN" sz="1200">
+              <a:rPr lang="en-US" altLang="zh-CN" sz="1200" dirty="0">
                 <a:latin typeface="微软雅黑" panose="020B0503020204020204" charset="-122"/>
                 <a:ea typeface="微软雅黑" panose="020B0503020204020204" charset="-122"/>
                 <a:sym typeface="宋体" panose="02010600030101010101" pitchFamily="2" charset="-122"/>
@@ -5539,7 +5348,7 @@
               <a:t>3</a:t>
             </a:r>
             <a:r>
-              <a:rPr lang="zh-CN" altLang="en-US" sz="1200">
+              <a:rPr lang="zh-CN" altLang="en-US" sz="1200" dirty="0">
                 <a:latin typeface="微软雅黑" panose="020B0503020204020204" charset="-122"/>
                 <a:ea typeface="微软雅黑" panose="020B0503020204020204" charset="-122"/>
                 <a:sym typeface="宋体" panose="02010600030101010101" pitchFamily="2" charset="-122"/>
@@ -5547,7 +5356,7 @@
               <a:t>.</a:t>
             </a:r>
             <a:r>
-              <a:rPr lang="en-US" altLang="zh-CN" sz="1200">
+              <a:rPr lang="en-US" altLang="zh-CN" sz="1200" dirty="0">
                 <a:latin typeface="微软雅黑" panose="020B0503020204020204" charset="-122"/>
                 <a:ea typeface="微软雅黑" panose="020B0503020204020204" charset="-122"/>
                 <a:sym typeface="宋体" panose="02010600030101010101" pitchFamily="2" charset="-122"/>
@@ -5555,18 +5364,13 @@
               <a:t>7(3)</a:t>
             </a:r>
             <a:r>
-              <a:rPr lang="zh-CN" altLang="en-US" sz="1200">
+              <a:rPr lang="zh-CN" altLang="en-US" sz="1200" dirty="0">
                 <a:latin typeface="微软雅黑" panose="020B0503020204020204" charset="-122"/>
                 <a:ea typeface="微软雅黑" panose="020B0503020204020204" charset="-122"/>
                 <a:sym typeface="宋体" panose="02010600030101010101" pitchFamily="2" charset="-122"/>
               </a:rPr>
               <a:t>所示：</a:t>
             </a:r>
-            <a:endParaRPr lang="zh-CN" altLang="en-US" sz="1200">
-              <a:latin typeface="微软雅黑" panose="020B0503020204020204" charset="-122"/>
-              <a:ea typeface="微软雅黑" panose="020B0503020204020204" charset="-122"/>
-              <a:sym typeface="宋体" panose="02010600030101010101" pitchFamily="2" charset="-122"/>
-            </a:endParaRPr>
           </a:p>
         </p:txBody>
       </p:sp>
@@ -5593,33 +5397,30 @@
           <a:bodyPr wrap="square" anchor="t">
             <a:spAutoFit/>
           </a:bodyPr>
+          <a:lstStyle/>
           <a:p>
             <a:pPr algn="ctr"/>
             <a:r>
-              <a:rPr lang="zh-CN" altLang="zh-CN" sz="1200">
+              <a:rPr lang="zh-CN" altLang="zh-CN" sz="1200" dirty="0">
                 <a:latin typeface="微软雅黑" panose="020B0503020204020204" charset="-122"/>
                 <a:ea typeface="微软雅黑" panose="020B0503020204020204" charset="-122"/>
               </a:rPr>
               <a:t>图</a:t>
             </a:r>
             <a:r>
-              <a:rPr lang="en-US" altLang="zh-CN" sz="1200">
+              <a:rPr lang="en-US" altLang="zh-CN" sz="1200" dirty="0">
                 <a:latin typeface="微软雅黑" panose="020B0503020204020204" charset="-122"/>
                 <a:ea typeface="微软雅黑" panose="020B0503020204020204" charset="-122"/>
               </a:rPr>
               <a:t>3.7(2) </a:t>
             </a:r>
             <a:r>
-              <a:rPr lang="zh-CN" altLang="en-US" sz="1200">
+              <a:rPr lang="zh-CN" altLang="en-US" sz="1200" dirty="0">
                 <a:latin typeface="微软雅黑" panose="020B0503020204020204" charset="-122"/>
                 <a:ea typeface="微软雅黑" panose="020B0503020204020204" charset="-122"/>
               </a:rPr>
               <a:t>版本升级界面</a:t>
             </a:r>
-            <a:endParaRPr lang="zh-CN" altLang="en-US" sz="1200">
-              <a:latin typeface="微软雅黑" panose="020B0503020204020204" charset="-122"/>
-              <a:ea typeface="微软雅黑" panose="020B0503020204020204" charset="-122"/>
-            </a:endParaRPr>
           </a:p>
         </p:txBody>
       </p:sp>
@@ -5631,8 +5432,8 @@
         </p:nvSpPr>
         <p:spPr>
           <a:xfrm>
-            <a:off x="2378710" y="8643620"/>
-            <a:ext cx="2100263" cy="275590"/>
+            <a:off x="2378710" y="8767836"/>
+            <a:ext cx="2100263" cy="276999"/>
           </a:xfrm>
           <a:prstGeom prst="rect">
             <a:avLst/>
@@ -5646,33 +5447,44 @@
           <a:bodyPr wrap="square" anchor="t">
             <a:spAutoFit/>
           </a:bodyPr>
+          <a:lstStyle/>
           <a:p>
             <a:pPr algn="ctr"/>
             <a:r>
-              <a:rPr lang="zh-CN" altLang="zh-CN" sz="1200">
+              <a:rPr lang="zh-CN" altLang="zh-CN" sz="1200" dirty="0">
                 <a:latin typeface="微软雅黑" panose="020B0503020204020204" charset="-122"/>
                 <a:ea typeface="微软雅黑" panose="020B0503020204020204" charset="-122"/>
               </a:rPr>
               <a:t>图</a:t>
             </a:r>
             <a:r>
-              <a:rPr lang="en-US" altLang="zh-CN" sz="1200">
+              <a:rPr lang="en-US" altLang="zh-CN" sz="1200" dirty="0">
                 <a:latin typeface="微软雅黑" panose="020B0503020204020204" charset="-122"/>
                 <a:ea typeface="微软雅黑" panose="020B0503020204020204" charset="-122"/>
               </a:rPr>
               <a:t>3.7(3) </a:t>
             </a:r>
             <a:r>
-              <a:rPr lang="zh-CN" altLang="en-US" sz="1200">
-                <a:latin typeface="微软雅黑" panose="020B0503020204020204" charset="-122"/>
-                <a:ea typeface="微软雅黑" panose="020B0503020204020204" charset="-122"/>
-              </a:rPr>
-              <a:t>版本升级提示界面</a:t>
-            </a:r>
-            <a:endParaRPr lang="zh-CN" altLang="en-US" sz="1200">
-              <a:latin typeface="微软雅黑" panose="020B0503020204020204" charset="-122"/>
-              <a:ea typeface="微软雅黑" panose="020B0503020204020204" charset="-122"/>
-            </a:endParaRPr>
+              <a:rPr lang="zh-CN" altLang="en-US" sz="1200" dirty="0" smtClean="0">
+                <a:latin typeface="微软雅黑" panose="020B0503020204020204" charset="-122"/>
+                <a:ea typeface="微软雅黑" panose="020B0503020204020204" charset="-122"/>
+              </a:rPr>
+              <a:t>本地</a:t>
+            </a:r>
+            <a:r>
+              <a:rPr lang="zh-CN" altLang="en-US" sz="1200" dirty="0" smtClean="0">
+                <a:latin typeface="微软雅黑" panose="020B0503020204020204" charset="-122"/>
+                <a:ea typeface="微软雅黑" panose="020B0503020204020204" charset="-122"/>
+              </a:rPr>
+              <a:t>升级</a:t>
+            </a:r>
+            <a:r>
+              <a:rPr lang="zh-CN" altLang="en-US" sz="1200" dirty="0">
+                <a:latin typeface="微软雅黑" panose="020B0503020204020204" charset="-122"/>
+                <a:ea typeface="微软雅黑" panose="020B0503020204020204" charset="-122"/>
+              </a:rPr>
+              <a:t>提示界面</a:t>
+            </a:r>
           </a:p>
         </p:txBody>
       </p:sp>
@@ -5699,6 +5511,7 @@
           <a:bodyPr wrap="square" lIns="179705" tIns="144145" rIns="179705" bIns="144145" anchor="t">
             <a:spAutoFit/>
           </a:bodyPr>
+          <a:lstStyle/>
           <a:p>
             <a:pPr>
               <a:lnSpc>
@@ -5789,11 +5602,6 @@
               </a:rPr>
               <a:t>盘的根目录下</a:t>
             </a:r>
-            <a:endParaRPr lang="zh-CN" altLang="en-US" sz="1200">
-              <a:latin typeface="微软雅黑" panose="020B0503020204020204" charset="-122"/>
-              <a:ea typeface="微软雅黑" panose="020B0503020204020204" charset="-122"/>
-              <a:sym typeface="宋体" panose="02010600030101010101" pitchFamily="2" charset="-122"/>
-            </a:endParaRPr>
           </a:p>
           <a:p>
             <a:pPr>
@@ -5853,11 +5661,6 @@
               </a:rPr>
               <a:t>接口处</a:t>
             </a:r>
-            <a:endParaRPr lang="zh-CN" altLang="en-US" sz="1200">
-              <a:latin typeface="微软雅黑" panose="020B0503020204020204" charset="-122"/>
-              <a:ea typeface="微软雅黑" panose="020B0503020204020204" charset="-122"/>
-              <a:sym typeface="宋体" panose="02010600030101010101" pitchFamily="2" charset="-122"/>
-            </a:endParaRPr>
           </a:p>
           <a:p>
             <a:pPr>
@@ -5901,23 +5704,486 @@
               </a:rPr>
               <a:t>所示：</a:t>
             </a:r>
-            <a:endParaRPr lang="zh-CN" altLang="en-US" sz="1200">
-              <a:latin typeface="微软雅黑" panose="020B0503020204020204" charset="-122"/>
-              <a:ea typeface="微软雅黑" panose="020B0503020204020204" charset="-122"/>
-              <a:sym typeface="宋体" panose="02010600030101010101" pitchFamily="2" charset="-122"/>
-            </a:endParaRPr>
-          </a:p>
-        </p:txBody>
-      </p:sp>
+          </a:p>
+        </p:txBody>
+      </p:sp>
+      <p:pic>
+        <p:nvPicPr>
+          <p:cNvPr id="1027" name="Picture 3"/>
+          <p:cNvPicPr>
+            <a:picLocks noChangeAspect="1" noChangeArrowheads="1"/>
+          </p:cNvPicPr>
+          <p:nvPr/>
+        </p:nvPicPr>
+        <p:blipFill>
+          <a:blip r:embed="rId2">
+            <a:extLst>
+              <a:ext uri="{28A0092B-C50C-407E-A947-70E740481C1C}">
+                <a14:useLocalDpi xmlns:a14="http://schemas.microsoft.com/office/drawing/2010/main" val="0"/>
+              </a:ext>
+            </a:extLst>
+          </a:blip>
+          <a:srcRect/>
+          <a:stretch>
+            <a:fillRect/>
+          </a:stretch>
+        </p:blipFill>
+        <p:spPr bwMode="auto">
+          <a:xfrm>
+            <a:off x="1718945" y="2487281"/>
+            <a:ext cx="3420110" cy="2032083"/>
+          </a:xfrm>
+          <a:prstGeom prst="rect">
+            <a:avLst/>
+          </a:prstGeom>
+          <a:noFill/>
+          <a:ln>
+            <a:noFill/>
+          </a:ln>
+          <a:effectLst/>
+          <a:extLst>
+            <a:ext uri="{909E8E84-426E-40DD-AFC4-6F175D3DCCD1}">
+              <a14:hiddenFill xmlns:a14="http://schemas.microsoft.com/office/drawing/2010/main">
+                <a:solidFill>
+                  <a:schemeClr val="accent1"/>
+                </a:solidFill>
+              </a14:hiddenFill>
+            </a:ext>
+            <a:ext uri="{91240B29-F687-4F45-9708-019B960494DF}">
+              <a14:hiddenLine xmlns:a14="http://schemas.microsoft.com/office/drawing/2010/main" w="9525">
+                <a:solidFill>
+                  <a:schemeClr val="tx1"/>
+                </a:solidFill>
+                <a:miter lim="800000"/>
+                <a:headEnd/>
+                <a:tailEnd/>
+              </a14:hiddenLine>
+            </a:ext>
+            <a:ext uri="{AF507438-7753-43E0-B8FC-AC1667EBCBE1}">
+              <a14:hiddenEffects xmlns:a14="http://schemas.microsoft.com/office/drawing/2010/main">
+                <a:effectLst>
+                  <a:outerShdw dist="35921" dir="2700000" algn="ctr" rotWithShape="0">
+                    <a:schemeClr val="bg2"/>
+                  </a:outerShdw>
+                </a:effectLst>
+              </a14:hiddenEffects>
+            </a:ext>
+          </a:extLst>
+        </p:spPr>
+      </p:pic>
+      <p:pic>
+        <p:nvPicPr>
+          <p:cNvPr id="1029" name="Picture 5"/>
+          <p:cNvPicPr>
+            <a:picLocks noChangeAspect="1" noChangeArrowheads="1"/>
+          </p:cNvPicPr>
+          <p:nvPr/>
+        </p:nvPicPr>
+        <p:blipFill>
+          <a:blip r:embed="rId3">
+            <a:extLst>
+              <a:ext uri="{28A0092B-C50C-407E-A947-70E740481C1C}">
+                <a14:useLocalDpi xmlns:a14="http://schemas.microsoft.com/office/drawing/2010/main" val="0"/>
+              </a:ext>
+            </a:extLst>
+          </a:blip>
+          <a:srcRect/>
+          <a:stretch>
+            <a:fillRect/>
+          </a:stretch>
+        </p:blipFill>
+        <p:spPr bwMode="auto">
+          <a:xfrm>
+            <a:off x="1718945" y="6247556"/>
+            <a:ext cx="3420110" cy="2215846"/>
+          </a:xfrm>
+          <a:prstGeom prst="rect">
+            <a:avLst/>
+          </a:prstGeom>
+          <a:noFill/>
+          <a:ln>
+            <a:noFill/>
+          </a:ln>
+          <a:effectLst/>
+          <a:extLst>
+            <a:ext uri="{909E8E84-426E-40DD-AFC4-6F175D3DCCD1}">
+              <a14:hiddenFill xmlns:a14="http://schemas.microsoft.com/office/drawing/2010/main">
+                <a:solidFill>
+                  <a:schemeClr val="accent1"/>
+                </a:solidFill>
+              </a14:hiddenFill>
+            </a:ext>
+            <a:ext uri="{91240B29-F687-4F45-9708-019B960494DF}">
+              <a14:hiddenLine xmlns:a14="http://schemas.microsoft.com/office/drawing/2010/main" w="9525">
+                <a:solidFill>
+                  <a:schemeClr val="tx1"/>
+                </a:solidFill>
+                <a:miter lim="800000"/>
+                <a:headEnd/>
+                <a:tailEnd/>
+              </a14:hiddenLine>
+            </a:ext>
+            <a:ext uri="{AF507438-7753-43E0-B8FC-AC1667EBCBE1}">
+              <a14:hiddenEffects xmlns:a14="http://schemas.microsoft.com/office/drawing/2010/main">
+                <a:effectLst>
+                  <a:outerShdw dist="35921" dir="2700000" algn="ctr" rotWithShape="0">
+                    <a:schemeClr val="bg2"/>
+                  </a:outerShdw>
+                </a:effectLst>
+              </a14:hiddenEffects>
+            </a:ext>
+          </a:extLst>
+        </p:spPr>
+      </p:pic>
     </p:spTree>
   </p:cSld>
   <p:clrMapOvr>
     <a:masterClrMapping/>
   </p:clrMapOvr>
+  <p:timing>
+    <p:tnLst>
+      <p:par>
+        <p:cTn id="1" dur="indefinite" restart="never" nodeType="tmRoot"/>
+      </p:par>
+    </p:tnLst>
+  </p:timing>
 </p:sld>
 </file>
 
 <file path=ppt/slides/slide13.xml><?xml version="1.0" encoding="utf-8"?>
+<p:sld xmlns:a="http://schemas.openxmlformats.org/drawingml/2006/main" xmlns:r="http://schemas.openxmlformats.org/officeDocument/2006/relationships" xmlns:p="http://schemas.openxmlformats.org/presentationml/2006/main">
+  <p:cSld>
+    <p:spTree>
+      <p:nvGrpSpPr>
+        <p:cNvPr id="1" name=""/>
+        <p:cNvGrpSpPr/>
+        <p:nvPr/>
+      </p:nvGrpSpPr>
+      <p:grpSpPr>
+        <a:xfrm>
+          <a:off x="0" y="0"/>
+          <a:ext cx="0" cy="0"/>
+          <a:chOff x="0" y="0"/>
+          <a:chExt cx="0" cy="0"/>
+        </a:xfrm>
+      </p:grpSpPr>
+      <p:sp>
+        <p:nvSpPr>
+          <p:cNvPr id="2" name="文本框 99"/>
+          <p:cNvSpPr txBox="1"/>
+          <p:nvPr/>
+        </p:nvSpPr>
+        <p:spPr>
+          <a:xfrm>
+            <a:off x="907752" y="990972"/>
+            <a:ext cx="5689600" cy="1629933"/>
+          </a:xfrm>
+          <a:prstGeom prst="rect">
+            <a:avLst/>
+          </a:prstGeom>
+          <a:noFill/>
+          <a:ln w="9525">
+            <a:noFill/>
+          </a:ln>
+        </p:spPr>
+        <p:txBody>
+          <a:bodyPr wrap="square" lIns="179705" tIns="144145" rIns="179705" bIns="144145" anchor="t">
+            <a:spAutoFit/>
+          </a:bodyPr>
+          <a:lstStyle/>
+          <a:p>
+            <a:pPr>
+              <a:lnSpc>
+                <a:spcPct val="120000"/>
+              </a:lnSpc>
+              <a:spcAft>
+                <a:spcPts val="600"/>
+              </a:spcAft>
+              <a:buSzTx/>
+            </a:pPr>
+            <a:r>
+              <a:rPr lang="zh-CN" altLang="en-US" sz="1200" dirty="0" smtClean="0">
+                <a:latin typeface="微软雅黑" panose="020B0503020204020204" charset="-122"/>
+                <a:ea typeface="微软雅黑" panose="020B0503020204020204" charset="-122"/>
+                <a:sym typeface="宋体" panose="02010600030101010101" pitchFamily="2" charset="-122"/>
+              </a:rPr>
+              <a:t>（</a:t>
+            </a:r>
+            <a:r>
+              <a:rPr lang="en-US" altLang="zh-CN" sz="1200" dirty="0">
+                <a:latin typeface="微软雅黑" panose="020B0503020204020204" charset="-122"/>
+                <a:ea typeface="微软雅黑" panose="020B0503020204020204" charset="-122"/>
+                <a:sym typeface="宋体" panose="02010600030101010101" pitchFamily="2" charset="-122"/>
+              </a:rPr>
+              <a:t>2</a:t>
+            </a:r>
+            <a:r>
+              <a:rPr lang="zh-CN" altLang="en-US" sz="1200" dirty="0" smtClean="0">
+                <a:latin typeface="微软雅黑" panose="020B0503020204020204" charset="-122"/>
+                <a:ea typeface="微软雅黑" panose="020B0503020204020204" charset="-122"/>
+                <a:sym typeface="宋体" panose="02010600030101010101" pitchFamily="2" charset="-122"/>
+              </a:rPr>
+              <a:t>）方式二：在线升级（在线互联网升级）</a:t>
+            </a:r>
+            <a:endParaRPr lang="en-US" altLang="zh-CN" sz="1200" dirty="0" smtClean="0">
+              <a:latin typeface="微软雅黑" panose="020B0503020204020204" charset="-122"/>
+              <a:ea typeface="微软雅黑" panose="020B0503020204020204" charset="-122"/>
+              <a:sym typeface="宋体" panose="02010600030101010101" pitchFamily="2" charset="-122"/>
+            </a:endParaRPr>
+          </a:p>
+          <a:p>
+            <a:pPr marL="228600" indent="-228600">
+              <a:lnSpc>
+                <a:spcPct val="120000"/>
+              </a:lnSpc>
+              <a:spcAft>
+                <a:spcPts val="600"/>
+              </a:spcAft>
+              <a:buSzTx/>
+              <a:buAutoNum type="arabicPeriod"/>
+            </a:pPr>
+            <a:r>
+              <a:rPr lang="zh-CN" altLang="en-US" sz="1200" dirty="0" smtClean="0">
+                <a:latin typeface="微软雅黑" panose="020B0503020204020204" charset="-122"/>
+                <a:ea typeface="微软雅黑" panose="020B0503020204020204" charset="-122"/>
+                <a:sym typeface="宋体" panose="02010600030101010101" pitchFamily="2" charset="-122"/>
+              </a:rPr>
+              <a:t>将源表的网口处接上网线，确保网线成功连接并网络稳定</a:t>
+            </a:r>
+            <a:endParaRPr lang="en-US" altLang="zh-CN" sz="1200" dirty="0" smtClean="0">
+              <a:latin typeface="微软雅黑" panose="020B0503020204020204" charset="-122"/>
+              <a:ea typeface="微软雅黑" panose="020B0503020204020204" charset="-122"/>
+              <a:sym typeface="宋体" panose="02010600030101010101" pitchFamily="2" charset="-122"/>
+            </a:endParaRPr>
+          </a:p>
+          <a:p>
+            <a:pPr marL="228600" indent="-228600">
+              <a:lnSpc>
+                <a:spcPct val="120000"/>
+              </a:lnSpc>
+              <a:spcAft>
+                <a:spcPts val="600"/>
+              </a:spcAft>
+              <a:buFontTx/>
+              <a:buAutoNum type="arabicPeriod"/>
+            </a:pPr>
+            <a:r>
+              <a:rPr lang="zh-CN" altLang="en-US" sz="1200" dirty="0" smtClean="0">
+                <a:latin typeface="微软雅黑" panose="020B0503020204020204" charset="-122"/>
+                <a:ea typeface="微软雅黑" panose="020B0503020204020204" charset="-122"/>
+                <a:sym typeface="宋体" panose="02010600030101010101" pitchFamily="2" charset="-122"/>
+              </a:rPr>
+              <a:t>点击在线升级功能，接下来</a:t>
+            </a:r>
+            <a:r>
+              <a:rPr lang="zh-CN" altLang="en-US" sz="1200" dirty="0">
+                <a:latin typeface="微软雅黑" panose="020B0503020204020204" charset="-122"/>
+                <a:ea typeface="微软雅黑" panose="020B0503020204020204" charset="-122"/>
+                <a:sym typeface="宋体" panose="02010600030101010101" pitchFamily="2" charset="-122"/>
+              </a:rPr>
+              <a:t>开始升级，等待大约两分钟后升级完成，如图</a:t>
+            </a:r>
+            <a:r>
+              <a:rPr lang="en-US" altLang="zh-CN" sz="1200" dirty="0">
+                <a:latin typeface="微软雅黑" panose="020B0503020204020204" charset="-122"/>
+                <a:ea typeface="微软雅黑" panose="020B0503020204020204" charset="-122"/>
+                <a:sym typeface="宋体" panose="02010600030101010101" pitchFamily="2" charset="-122"/>
+              </a:rPr>
+              <a:t>3</a:t>
+            </a:r>
+            <a:r>
+              <a:rPr lang="zh-CN" altLang="en-US" sz="1200" dirty="0">
+                <a:latin typeface="微软雅黑" panose="020B0503020204020204" charset="-122"/>
+                <a:ea typeface="微软雅黑" panose="020B0503020204020204" charset="-122"/>
+                <a:sym typeface="宋体" panose="02010600030101010101" pitchFamily="2" charset="-122"/>
+              </a:rPr>
+              <a:t>.</a:t>
+            </a:r>
+            <a:r>
+              <a:rPr lang="en-US" altLang="zh-CN" sz="1200" dirty="0" smtClean="0">
+                <a:latin typeface="微软雅黑" panose="020B0503020204020204" charset="-122"/>
+                <a:ea typeface="微软雅黑" panose="020B0503020204020204" charset="-122"/>
+                <a:sym typeface="宋体" panose="02010600030101010101" pitchFamily="2" charset="-122"/>
+              </a:rPr>
+              <a:t>7(4)</a:t>
+            </a:r>
+            <a:r>
+              <a:rPr lang="zh-CN" altLang="en-US" sz="1200" dirty="0">
+                <a:latin typeface="微软雅黑" panose="020B0503020204020204" charset="-122"/>
+                <a:ea typeface="微软雅黑" panose="020B0503020204020204" charset="-122"/>
+                <a:sym typeface="宋体" panose="02010600030101010101" pitchFamily="2" charset="-122"/>
+              </a:rPr>
+              <a:t>所示：</a:t>
+            </a:r>
+          </a:p>
+          <a:p>
+            <a:pPr marL="228600" indent="-228600">
+              <a:lnSpc>
+                <a:spcPct val="120000"/>
+              </a:lnSpc>
+              <a:spcAft>
+                <a:spcPts val="600"/>
+              </a:spcAft>
+              <a:buSzTx/>
+              <a:buAutoNum type="arabicPeriod"/>
+            </a:pPr>
+            <a:endParaRPr lang="zh-CN" altLang="en-US" sz="1200" dirty="0">
+              <a:latin typeface="微软雅黑" panose="020B0503020204020204" charset="-122"/>
+              <a:ea typeface="微软雅黑" panose="020B0503020204020204" charset="-122"/>
+              <a:sym typeface="宋体" panose="02010600030101010101" pitchFamily="2" charset="-122"/>
+            </a:endParaRPr>
+          </a:p>
+        </p:txBody>
+      </p:sp>
+      <p:pic>
+        <p:nvPicPr>
+          <p:cNvPr id="2050" name="Picture 2"/>
+          <p:cNvPicPr>
+            <a:picLocks noChangeAspect="1" noChangeArrowheads="1"/>
+          </p:cNvPicPr>
+          <p:nvPr/>
+        </p:nvPicPr>
+        <p:blipFill>
+          <a:blip r:embed="rId2">
+            <a:extLst>
+              <a:ext uri="{28A0092B-C50C-407E-A947-70E740481C1C}">
+                <a14:useLocalDpi xmlns:a14="http://schemas.microsoft.com/office/drawing/2010/main" val="0"/>
+              </a:ext>
+            </a:extLst>
+          </a:blip>
+          <a:srcRect/>
+          <a:stretch>
+            <a:fillRect/>
+          </a:stretch>
+        </p:blipFill>
+        <p:spPr bwMode="auto">
+          <a:xfrm>
+            <a:off x="1700808" y="2575148"/>
+            <a:ext cx="3460134" cy="2304256"/>
+          </a:xfrm>
+          <a:prstGeom prst="rect">
+            <a:avLst/>
+          </a:prstGeom>
+          <a:noFill/>
+          <a:ln>
+            <a:noFill/>
+          </a:ln>
+          <a:effectLst/>
+          <a:extLst>
+            <a:ext uri="{909E8E84-426E-40DD-AFC4-6F175D3DCCD1}">
+              <a14:hiddenFill xmlns:a14="http://schemas.microsoft.com/office/drawing/2010/main">
+                <a:solidFill>
+                  <a:schemeClr val="accent1"/>
+                </a:solidFill>
+              </a14:hiddenFill>
+            </a:ext>
+            <a:ext uri="{91240B29-F687-4F45-9708-019B960494DF}">
+              <a14:hiddenLine xmlns:a14="http://schemas.microsoft.com/office/drawing/2010/main" w="9525">
+                <a:solidFill>
+                  <a:schemeClr val="tx1"/>
+                </a:solidFill>
+                <a:miter lim="800000"/>
+                <a:headEnd/>
+                <a:tailEnd/>
+              </a14:hiddenLine>
+            </a:ext>
+            <a:ext uri="{AF507438-7753-43E0-B8FC-AC1667EBCBE1}">
+              <a14:hiddenEffects xmlns:a14="http://schemas.microsoft.com/office/drawing/2010/main">
+                <a:effectLst>
+                  <a:outerShdw dist="35921" dir="2700000" algn="ctr" rotWithShape="0">
+                    <a:schemeClr val="bg2"/>
+                  </a:outerShdw>
+                </a:effectLst>
+              </a14:hiddenEffects>
+            </a:ext>
+          </a:extLst>
+        </p:spPr>
+      </p:pic>
+      <p:sp>
+        <p:nvSpPr>
+          <p:cNvPr id="4" name="文本框 9"/>
+          <p:cNvSpPr txBox="1"/>
+          <p:nvPr/>
+        </p:nvSpPr>
+        <p:spPr>
+          <a:xfrm>
+            <a:off x="2162844" y="5023420"/>
+            <a:ext cx="2100263" cy="275590"/>
+          </a:xfrm>
+          <a:prstGeom prst="rect">
+            <a:avLst/>
+          </a:prstGeom>
+          <a:noFill/>
+          <a:ln w="9525">
+            <a:noFill/>
+          </a:ln>
+        </p:spPr>
+        <p:txBody>
+          <a:bodyPr wrap="square" anchor="t">
+            <a:spAutoFit/>
+          </a:bodyPr>
+          <a:lstStyle/>
+          <a:p>
+            <a:pPr algn="ctr"/>
+            <a:r>
+              <a:rPr lang="zh-CN" altLang="zh-CN" sz="1200" dirty="0">
+                <a:latin typeface="微软雅黑" panose="020B0503020204020204" charset="-122"/>
+                <a:ea typeface="微软雅黑" panose="020B0503020204020204" charset="-122"/>
+              </a:rPr>
+              <a:t>图</a:t>
+            </a:r>
+            <a:r>
+              <a:rPr lang="en-US" altLang="zh-CN" sz="1200" dirty="0" smtClean="0">
+                <a:latin typeface="微软雅黑" panose="020B0503020204020204" charset="-122"/>
+                <a:ea typeface="微软雅黑" panose="020B0503020204020204" charset="-122"/>
+              </a:rPr>
+              <a:t>3.7(4) </a:t>
+            </a:r>
+            <a:r>
+              <a:rPr lang="zh-CN" altLang="en-US" sz="1200" dirty="0">
+                <a:latin typeface="微软雅黑" panose="020B0503020204020204" charset="-122"/>
+                <a:ea typeface="微软雅黑" panose="020B0503020204020204" charset="-122"/>
+              </a:rPr>
+              <a:t>在线</a:t>
+            </a:r>
+            <a:r>
+              <a:rPr lang="zh-CN" altLang="en-US" sz="1200" dirty="0" smtClean="0">
+                <a:latin typeface="微软雅黑" panose="020B0503020204020204" charset="-122"/>
+                <a:ea typeface="微软雅黑" panose="020B0503020204020204" charset="-122"/>
+              </a:rPr>
+              <a:t>升级</a:t>
+            </a:r>
+            <a:r>
+              <a:rPr lang="zh-CN" altLang="en-US" sz="1200" dirty="0">
+                <a:latin typeface="微软雅黑" panose="020B0503020204020204" charset="-122"/>
+                <a:ea typeface="微软雅黑" panose="020B0503020204020204" charset="-122"/>
+              </a:rPr>
+              <a:t>提示界面</a:t>
+            </a:r>
+          </a:p>
+        </p:txBody>
+      </p:sp>
+    </p:spTree>
+    <p:extLst>
+      <p:ext uri="{BB962C8B-B14F-4D97-AF65-F5344CB8AC3E}">
+        <p14:creationId xmlns:p14="http://schemas.microsoft.com/office/powerpoint/2010/main" val="882729980"/>
+      </p:ext>
+    </p:extLst>
+  </p:cSld>
+  <p:clrMapOvr>
+    <a:masterClrMapping/>
+  </p:clrMapOvr>
+  <p:timing>
+    <p:tnLst>
+      <p:par>
+        <p:cTn id="1" dur="indefinite" restart="never" nodeType="tmRoot"/>
+      </p:par>
+    </p:tnLst>
+  </p:timing>
+</p:sld>
+</file>
+
+<file path=ppt/slides/slide14.xml><?xml version="1.0" encoding="utf-8"?>
 <p:sld xmlns:a="http://schemas.openxmlformats.org/drawingml/2006/main" xmlns:r="http://schemas.openxmlformats.org/officeDocument/2006/relationships" xmlns:p="http://schemas.openxmlformats.org/presentationml/2006/main">
   <p:cSld>
     <p:spTree>
@@ -5943,7 +6209,7 @@
           <p:nvPr/>
         </p:nvPicPr>
         <p:blipFill>
-          <a:blip r:embed="rId1" cstate="print"/>
+          <a:blip r:embed="rId2" cstate="print"/>
           <a:stretch>
             <a:fillRect/>
           </a:stretch>
@@ -5971,7 +6237,7 @@
           <p:nvPr/>
         </p:nvPicPr>
         <p:blipFill>
-          <a:blip r:embed="rId2" cstate="print"/>
+          <a:blip r:embed="rId3" cstate="print"/>
           <a:stretch>
             <a:fillRect/>
           </a:stretch>
@@ -6029,6 +6295,7 @@
                 <a:ea typeface="宋体" panose="02010600030101010101" pitchFamily="2" charset="-122"/>
                 <a:cs typeface="+mn-cs"/>
               </a:rPr>
+              <a:t>14</a:t>
             </a:fld>
             <a:endParaRPr kumimoji="0" lang="zh-CN" altLang="en-US" sz="1050" b="0" i="0" u="none" strike="noStrike" kern="1200" cap="none" spc="0" normalizeH="0" baseline="0" noProof="1">
               <a:solidFill>
@@ -6154,11 +6421,6 @@
               </a:rPr>
               <a:t>.1：</a:t>
             </a:r>
-            <a:endParaRPr lang="zh-CN" altLang="en-US" sz="1200">
-              <a:latin typeface="微软雅黑" panose="020B0503020204020204" charset="-122"/>
-              <a:ea typeface="微软雅黑" panose="020B0503020204020204" charset="-122"/>
-              <a:sym typeface="宋体" panose="02010600030101010101" pitchFamily="2" charset="-122"/>
-            </a:endParaRPr>
           </a:p>
         </p:txBody>
       </p:sp>
@@ -6209,10 +6471,6 @@
               </a:rPr>
               <a:t>版本信息界面</a:t>
             </a:r>
-            <a:endParaRPr lang="zh-CN" altLang="en-US" sz="1200">
-              <a:latin typeface="微软雅黑" panose="020B0503020204020204" charset="-122"/>
-              <a:ea typeface="微软雅黑" panose="020B0503020204020204" charset="-122"/>
-            </a:endParaRPr>
           </a:p>
         </p:txBody>
       </p:sp>
@@ -6224,7 +6482,7 @@
 </p:sld>
 </file>
 
-<file path=ppt/slides/slide14.xml><?xml version="1.0" encoding="utf-8"?>
+<file path=ppt/slides/slide15.xml><?xml version="1.0" encoding="utf-8"?>
 <p:sld xmlns:a="http://schemas.openxmlformats.org/drawingml/2006/main" xmlns:r="http://schemas.openxmlformats.org/officeDocument/2006/relationships" xmlns:p="http://schemas.openxmlformats.org/presentationml/2006/main">
   <p:cSld>
     <p:spTree>
@@ -6250,7 +6508,7 @@
           <p:nvPr/>
         </p:nvPicPr>
         <p:blipFill>
-          <a:blip r:embed="rId1"/>
+          <a:blip r:embed="rId2"/>
           <a:stretch>
             <a:fillRect/>
           </a:stretch>
@@ -6304,6 +6562,7 @@
                 <a:ea typeface="宋体" panose="02010600030101010101" pitchFamily="2" charset="-122"/>
                 <a:cs typeface="+mn-cs"/>
               </a:rPr>
+              <a:t>15</a:t>
             </a:fld>
             <a:endParaRPr kumimoji="0" lang="zh-CN" altLang="en-US" sz="1050" b="0" i="0" u="none" strike="noStrike" kern="1200" cap="none" spc="0" normalizeH="0" baseline="0" noProof="1">
               <a:solidFill>
@@ -6419,13 +6678,6 @@
               </a:rPr>
               <a:t>.1 扫描界面简介</a:t>
             </a:r>
-            <a:endParaRPr lang="zh-CN" altLang="en-US" sz="1400" b="1">
-              <a:solidFill>
-                <a:srgbClr val="1B3B7C"/>
-              </a:solidFill>
-              <a:latin typeface="微软雅黑" panose="020B0503020204020204" charset="-122"/>
-              <a:ea typeface="微软雅黑" panose="020B0503020204020204" charset="-122"/>
-            </a:endParaRPr>
           </a:p>
         </p:txBody>
       </p:sp>
@@ -6476,10 +6728,6 @@
               </a:rPr>
               <a:t>扫描设置界面</a:t>
             </a:r>
-            <a:endParaRPr lang="zh-CN" altLang="en-US" sz="1200">
-              <a:latin typeface="微软雅黑" panose="020B0503020204020204" charset="-122"/>
-              <a:ea typeface="微软雅黑" panose="020B0503020204020204" charset="-122"/>
-            </a:endParaRPr>
           </a:p>
         </p:txBody>
       </p:sp>
@@ -6645,7 +6893,6 @@
                 <a:rPr lang="en-US" altLang="zh-CN" strike="noStrike" noProof="1"/>
                 <a:t>1</a:t>
               </a:r>
-              <a:endParaRPr lang="en-US" altLang="zh-CN" strike="noStrike" noProof="1"/>
             </a:p>
           </p:txBody>
         </p:sp>
@@ -6745,7 +6992,6 @@
                 <a:rPr lang="en-US" altLang="zh-CN" strike="noStrike" noProof="1"/>
                 <a:t>3</a:t>
               </a:r>
-              <a:endParaRPr lang="en-US" altLang="zh-CN" strike="noStrike" noProof="1"/>
             </a:p>
           </p:txBody>
         </p:sp>
@@ -6824,11 +7070,6 @@
               </a:rPr>
               <a:t>个区域，具体区域说明如下：</a:t>
             </a:r>
-            <a:endParaRPr lang="zh-CN" altLang="en-US" sz="1200">
-              <a:latin typeface="微软雅黑" panose="020B0503020204020204" charset="-122"/>
-              <a:ea typeface="微软雅黑" panose="020B0503020204020204" charset="-122"/>
-              <a:sym typeface="宋体" panose="02010600030101010101" pitchFamily="2" charset="-122"/>
-            </a:endParaRPr>
           </a:p>
           <a:p>
             <a:pPr>
@@ -6848,11 +7089,6 @@
               </a:rPr>
               <a:t>区域1：选择源类型、切换2/4线、前后面板和是否保存结果；</a:t>
             </a:r>
-            <a:endParaRPr lang="zh-CN" altLang="en-US" sz="1200">
-              <a:latin typeface="微软雅黑" panose="020B0503020204020204" charset="-122"/>
-              <a:ea typeface="微软雅黑" panose="020B0503020204020204" charset="-122"/>
-              <a:sym typeface="宋体" panose="02010600030101010101" pitchFamily="2" charset="-122"/>
-            </a:endParaRPr>
           </a:p>
           <a:p>
             <a:pPr>
@@ -6870,21 +7106,8 @@
                 <a:ea typeface="微软雅黑" panose="020B0503020204020204" charset="-122"/>
                 <a:sym typeface="宋体" panose="02010600030101010101" pitchFamily="2" charset="-122"/>
               </a:rPr>
-              <a:t>区域2：设置开始值和结束值，可以选择扫描点或者步进值来设定扫描点数和步进值大小以及限值大小和是否开启超限停止功能</a:t>
-            </a:r>
-            <a:r>
-              <a:rPr lang="zh-CN" altLang="en-US" sz="1200">
-                <a:latin typeface="微软雅黑" panose="020B0503020204020204" charset="-122"/>
-                <a:ea typeface="微软雅黑" panose="020B0503020204020204" charset="-122"/>
-                <a:sym typeface="宋体" panose="02010600030101010101" pitchFamily="2" charset="-122"/>
-              </a:rPr>
-              <a:t>。</a:t>
-            </a:r>
-            <a:endParaRPr lang="zh-CN" altLang="en-US" sz="1200">
-              <a:latin typeface="微软雅黑" panose="020B0503020204020204" charset="-122"/>
-              <a:ea typeface="微软雅黑" panose="020B0503020204020204" charset="-122"/>
-              <a:sym typeface="宋体" panose="02010600030101010101" pitchFamily="2" charset="-122"/>
-            </a:endParaRPr>
+              <a:t>区域2：设置开始值和结束值，可以选择扫描点或者步进值来设定扫描点数和步进值大小以及限值大小和是否开启超限停止功能。</a:t>
+            </a:r>
           </a:p>
           <a:p>
             <a:pPr>
@@ -6920,11 +7143,6 @@
               </a:rPr>
               <a:t>：开始扫描和查看结果；</a:t>
             </a:r>
-            <a:endParaRPr lang="zh-CN" altLang="en-US" sz="1200">
-              <a:latin typeface="微软雅黑" panose="020B0503020204020204" charset="-122"/>
-              <a:ea typeface="微软雅黑" panose="020B0503020204020204" charset="-122"/>
-              <a:sym typeface="宋体" panose="02010600030101010101" pitchFamily="2" charset="-122"/>
-            </a:endParaRPr>
           </a:p>
         </p:txBody>
       </p:sp>
@@ -6974,7 +7192,6 @@
               <a:rPr lang="en-US" altLang="zh-CN" strike="noStrike" noProof="1"/>
               <a:t>2</a:t>
             </a:r>
-            <a:endParaRPr lang="en-US" altLang="zh-CN" strike="noStrike" noProof="1"/>
           </a:p>
         </p:txBody>
       </p:sp>
@@ -6986,7 +7203,7 @@
 </p:sld>
 </file>
 
-<file path=ppt/slides/slide15.xml><?xml version="1.0" encoding="utf-8"?>
+<file path=ppt/slides/slide16.xml><?xml version="1.0" encoding="utf-8"?>
 <p:sld xmlns:a="http://schemas.openxmlformats.org/drawingml/2006/main" xmlns:r="http://schemas.openxmlformats.org/officeDocument/2006/relationships" xmlns:p="http://schemas.openxmlformats.org/presentationml/2006/main">
   <p:cSld>
     <p:spTree>
@@ -7012,7 +7229,7 @@
           <p:nvPr/>
         </p:nvPicPr>
         <p:blipFill>
-          <a:blip r:embed="rId1"/>
+          <a:blip r:embed="rId2"/>
           <a:stretch>
             <a:fillRect/>
           </a:stretch>
@@ -7036,7 +7253,7 @@
           <p:nvPr/>
         </p:nvPicPr>
         <p:blipFill>
-          <a:blip r:embed="rId2"/>
+          <a:blip r:embed="rId3"/>
           <a:stretch>
             <a:fillRect/>
           </a:stretch>
@@ -7090,6 +7307,7 @@
                 <a:ea typeface="宋体" panose="02010600030101010101" pitchFamily="2" charset="-122"/>
                 <a:cs typeface="+mn-cs"/>
               </a:rPr>
+              <a:t>16</a:t>
             </a:fld>
             <a:endParaRPr kumimoji="0" lang="zh-CN" altLang="en-US" sz="1050" b="0" i="0" u="none" strike="noStrike" kern="1200" cap="none" spc="0" normalizeH="0" baseline="0" noProof="1">
               <a:solidFill>
@@ -7336,11 +7554,6 @@
               </a:rPr>
               <a:t>.3所示：</a:t>
             </a:r>
-            <a:endParaRPr lang="zh-CN" altLang="en-US" sz="1200">
-              <a:latin typeface="微软雅黑" panose="020B0503020204020204" charset="-122"/>
-              <a:ea typeface="微软雅黑" panose="020B0503020204020204" charset="-122"/>
-              <a:sym typeface="宋体" panose="02010600030101010101" pitchFamily="2" charset="-122"/>
-            </a:endParaRPr>
           </a:p>
         </p:txBody>
       </p:sp>
@@ -7391,10 +7604,6 @@
               </a:rPr>
               <a:t>软键盘界面</a:t>
             </a:r>
-            <a:endParaRPr lang="zh-CN" altLang="en-US" sz="1200">
-              <a:latin typeface="微软雅黑" panose="020B0503020204020204" charset="-122"/>
-              <a:ea typeface="微软雅黑" panose="020B0503020204020204" charset="-122"/>
-            </a:endParaRPr>
           </a:p>
         </p:txBody>
       </p:sp>
@@ -7506,11 +7715,6 @@
               </a:rPr>
               <a:t>.4所示点击对应下拉框：</a:t>
             </a:r>
-            <a:endParaRPr lang="zh-CN" altLang="en-US" sz="1200">
-              <a:latin typeface="微软雅黑" panose="020B0503020204020204" charset="-122"/>
-              <a:ea typeface="微软雅黑" panose="020B0503020204020204" charset="-122"/>
-              <a:sym typeface="宋体" panose="02010600030101010101" pitchFamily="2" charset="-122"/>
-            </a:endParaRPr>
           </a:p>
         </p:txBody>
       </p:sp>
@@ -7582,13 +7786,6 @@
               </a:rPr>
               <a:t> 操作步骤</a:t>
             </a:r>
-            <a:endParaRPr lang="zh-CN" altLang="en-US" sz="1400" b="1">
-              <a:solidFill>
-                <a:srgbClr val="1B3B7C"/>
-              </a:solidFill>
-              <a:latin typeface="微软雅黑" panose="020B0503020204020204" charset="-122"/>
-              <a:ea typeface="微软雅黑" panose="020B0503020204020204" charset="-122"/>
-            </a:endParaRPr>
           </a:p>
         </p:txBody>
       </p:sp>
@@ -7650,375 +7847,6 @@
               </a:rPr>
               <a:t>.2所示：</a:t>
             </a:r>
-            <a:endParaRPr lang="zh-CN" altLang="en-US" sz="1200">
-              <a:latin typeface="微软雅黑" panose="020B0503020204020204" charset="-122"/>
-              <a:ea typeface="微软雅黑" panose="020B0503020204020204" charset="-122"/>
-              <a:sym typeface="宋体" panose="02010600030101010101" pitchFamily="2" charset="-122"/>
-            </a:endParaRPr>
-          </a:p>
-        </p:txBody>
-      </p:sp>
-    </p:spTree>
-  </p:cSld>
-  <p:clrMapOvr>
-    <a:masterClrMapping/>
-  </p:clrMapOvr>
-</p:sld>
-</file>
-
-<file path=ppt/slides/slide16.xml><?xml version="1.0" encoding="utf-8"?>
-<p:sld xmlns:a="http://schemas.openxmlformats.org/drawingml/2006/main" xmlns:r="http://schemas.openxmlformats.org/officeDocument/2006/relationships" xmlns:p="http://schemas.openxmlformats.org/presentationml/2006/main">
-  <p:cSld>
-    <p:spTree>
-      <p:nvGrpSpPr>
-        <p:cNvPr id="1" name=""/>
-        <p:cNvGrpSpPr/>
-        <p:nvPr/>
-      </p:nvGrpSpPr>
-      <p:grpSpPr>
-        <a:xfrm>
-          <a:off x="0" y="0"/>
-          <a:ext cx="0" cy="0"/>
-          <a:chOff x="0" y="0"/>
-          <a:chExt cx="0" cy="0"/>
-        </a:xfrm>
-      </p:grpSpPr>
-      <p:pic>
-        <p:nvPicPr>
-          <p:cNvPr id="4" name="图片 3"/>
-          <p:cNvPicPr>
-            <a:picLocks noChangeAspect="1"/>
-          </p:cNvPicPr>
-          <p:nvPr/>
-        </p:nvPicPr>
-        <p:blipFill>
-          <a:blip r:embed="rId1"/>
-          <a:stretch>
-            <a:fillRect/>
-          </a:stretch>
-        </p:blipFill>
-        <p:spPr>
-          <a:xfrm>
-            <a:off x="1945005" y="4488180"/>
-            <a:ext cx="3436620" cy="2055495"/>
-          </a:xfrm>
-          <a:prstGeom prst="rect">
-            <a:avLst/>
-          </a:prstGeom>
-        </p:spPr>
-      </p:pic>
-      <p:pic>
-        <p:nvPicPr>
-          <p:cNvPr id="2" name="图片 1"/>
-          <p:cNvPicPr>
-            <a:picLocks noChangeAspect="1"/>
-          </p:cNvPicPr>
-          <p:nvPr/>
-        </p:nvPicPr>
-        <p:blipFill>
-          <a:blip r:embed="rId2"/>
-          <a:stretch>
-            <a:fillRect/>
-          </a:stretch>
-        </p:blipFill>
-        <p:spPr>
-          <a:xfrm>
-            <a:off x="1945005" y="1093470"/>
-            <a:ext cx="3437255" cy="2068830"/>
-          </a:xfrm>
-          <a:prstGeom prst="rect">
-            <a:avLst/>
-          </a:prstGeom>
-        </p:spPr>
-      </p:pic>
-      <p:sp>
-        <p:nvSpPr>
-          <p:cNvPr id="5" name="灯片编号占位符 4"/>
-          <p:cNvSpPr>
-            <a:spLocks noGrp="1"/>
-          </p:cNvSpPr>
-          <p:nvPr>
-            <p:ph type="sldNum" sz="quarter" idx="10"/>
-          </p:nvPr>
-        </p:nvSpPr>
-        <p:spPr/>
-        <p:txBody>
-          <a:bodyPr/>
-          <a:lstStyle/>
-          <a:p>
-            <a:pPr marL="0" marR="0" lvl="0" indent="0" algn="ctr" defTabSz="914400" rtl="0" eaLnBrk="1" fontAlgn="base" latinLnBrk="0" hangingPunct="1">
-              <a:lnSpc>
-                <a:spcPct val="100000"/>
-              </a:lnSpc>
-              <a:spcBef>
-                <a:spcPct val="0"/>
-              </a:spcBef>
-              <a:spcAft>
-                <a:spcPct val="0"/>
-              </a:spcAft>
-              <a:buClrTx/>
-              <a:buSzTx/>
-              <a:buFontTx/>
-              <a:buNone/>
-            </a:pPr>
-            <a:fld id="{9A0DB2DC-4C9A-4742-B13C-FB6460FD3503}" type="slidenum">
-              <a:rPr kumimoji="0" lang="zh-CN" altLang="en-US" sz="1050" b="0" i="0" u="none" strike="noStrike" kern="1200" cap="none" spc="0" normalizeH="0" baseline="0" noProof="1">
-                <a:solidFill>
-                  <a:schemeClr val="tx1"/>
-                </a:solidFill>
-                <a:latin typeface="Arial" panose="020B0604020202020204" pitchFamily="34" charset="0"/>
-                <a:ea typeface="宋体" panose="02010600030101010101" pitchFamily="2" charset="-122"/>
-                <a:cs typeface="+mn-cs"/>
-              </a:rPr>
-            </a:fld>
-            <a:endParaRPr kumimoji="0" lang="zh-CN" altLang="en-US" sz="1050" b="0" i="0" u="none" strike="noStrike" kern="1200" cap="none" spc="0" normalizeH="0" baseline="0" noProof="1">
-              <a:solidFill>
-                <a:schemeClr val="tx1"/>
-              </a:solidFill>
-              <a:latin typeface="Arial" panose="020B0604020202020204" pitchFamily="34" charset="0"/>
-              <a:ea typeface="宋体" panose="02010600030101010101" pitchFamily="2" charset="-122"/>
-              <a:cs typeface="+mn-cs"/>
-            </a:endParaRPr>
-          </a:p>
-        </p:txBody>
-      </p:sp>
-      <p:sp>
-        <p:nvSpPr>
-          <p:cNvPr id="9" name="圆角矩形 8"/>
-          <p:cNvSpPr/>
-          <p:nvPr/>
-        </p:nvSpPr>
-        <p:spPr>
-          <a:xfrm>
-            <a:off x="3124200" y="2004695"/>
-            <a:ext cx="409575" cy="469265"/>
-          </a:xfrm>
-          <a:prstGeom prst="roundRect">
-            <a:avLst/>
-          </a:prstGeom>
-          <a:solidFill>
-            <a:srgbClr val="E2B748">
-              <a:alpha val="25000"/>
-            </a:srgbClr>
-          </a:solidFill>
-          <a:ln>
-            <a:solidFill>
-              <a:srgbClr val="FFC000"/>
-            </a:solidFill>
-          </a:ln>
-        </p:spPr>
-        <p:style>
-          <a:lnRef idx="2">
-            <a:schemeClr val="accent1">
-              <a:shade val="50000"/>
-            </a:schemeClr>
-          </a:lnRef>
-          <a:fillRef idx="1">
-            <a:schemeClr val="accent1"/>
-          </a:fillRef>
-          <a:effectRef idx="0">
-            <a:schemeClr val="accent1"/>
-          </a:effectRef>
-          <a:fontRef idx="minor">
-            <a:schemeClr val="lt1"/>
-          </a:fontRef>
-        </p:style>
-        <p:txBody>
-          <a:bodyPr rtlCol="0" anchor="ctr"/>
-          <a:lstStyle/>
-          <a:p>
-            <a:pPr algn="ctr" fontAlgn="base"/>
-            <a:endParaRPr lang="zh-CN" altLang="en-US" strike="noStrike" noProof="1"/>
-          </a:p>
-        </p:txBody>
-      </p:sp>
-      <p:sp>
-        <p:nvSpPr>
-          <p:cNvPr id="24581" name="文本框 99"/>
-          <p:cNvSpPr txBox="1"/>
-          <p:nvPr/>
-        </p:nvSpPr>
-        <p:spPr>
-          <a:xfrm>
-            <a:off x="855663" y="3695700"/>
-            <a:ext cx="5665787" cy="730250"/>
-          </a:xfrm>
-          <a:prstGeom prst="rect">
-            <a:avLst/>
-          </a:prstGeom>
-          <a:noFill/>
-          <a:ln w="9525">
-            <a:noFill/>
-          </a:ln>
-        </p:spPr>
-        <p:txBody>
-          <a:bodyPr wrap="square" lIns="179705" tIns="144145" rIns="179705" bIns="144145" anchor="t">
-            <a:spAutoFit/>
-          </a:bodyPr>
-          <a:lstStyle/>
-          <a:p>
-            <a:pPr>
-              <a:lnSpc>
-                <a:spcPct val="120000"/>
-              </a:lnSpc>
-              <a:spcAft>
-                <a:spcPts val="600"/>
-              </a:spcAft>
-              <a:buSzTx/>
-            </a:pPr>
-            <a:r>
-              <a:rPr lang="zh-CN" altLang="en-US" sz="1200">
-                <a:latin typeface="微软雅黑" panose="020B0503020204020204" charset="-122"/>
-                <a:ea typeface="微软雅黑" panose="020B0503020204020204" charset="-122"/>
-                <a:sym typeface="宋体" panose="02010600030101010101" pitchFamily="2" charset="-122"/>
-              </a:rPr>
-              <a:t>第4步：点击开始扫描等待一段时间后即可查看到生成的扫描曲线，可以</a:t>
-            </a:r>
-            <a:r>
-              <a:rPr lang="en-US" altLang="zh-CN" sz="1200">
-                <a:latin typeface="微软雅黑" panose="020B0503020204020204" charset="-122"/>
-                <a:ea typeface="微软雅黑" panose="020B0503020204020204" charset="-122"/>
-                <a:sym typeface="宋体" panose="02010600030101010101" pitchFamily="2" charset="-122"/>
-              </a:rPr>
-              <a:t>back</a:t>
-            </a:r>
-            <a:r>
-              <a:rPr lang="zh-CN" altLang="en-US" sz="1200">
-                <a:latin typeface="微软雅黑" panose="020B0503020204020204" charset="-122"/>
-                <a:ea typeface="微软雅黑" panose="020B0503020204020204" charset="-122"/>
-                <a:sym typeface="宋体" panose="02010600030101010101" pitchFamily="2" charset="-122"/>
-              </a:rPr>
-              <a:t>回到设置界面后再通过查看结果功能看到刚生成的扫描曲线，如图</a:t>
-            </a:r>
-            <a:r>
-              <a:rPr lang="en-US" altLang="zh-CN" sz="1200">
-                <a:latin typeface="微软雅黑" panose="020B0503020204020204" charset="-122"/>
-                <a:ea typeface="微软雅黑" panose="020B0503020204020204" charset="-122"/>
-                <a:sym typeface="宋体" panose="02010600030101010101" pitchFamily="2" charset="-122"/>
-              </a:rPr>
-              <a:t>5</a:t>
-            </a:r>
-            <a:r>
-              <a:rPr lang="zh-CN" altLang="en-US" sz="1200">
-                <a:latin typeface="微软雅黑" panose="020B0503020204020204" charset="-122"/>
-                <a:ea typeface="微软雅黑" panose="020B0503020204020204" charset="-122"/>
-                <a:sym typeface="宋体" panose="02010600030101010101" pitchFamily="2" charset="-122"/>
-              </a:rPr>
-              <a:t>.5所示：</a:t>
-            </a:r>
-            <a:endParaRPr lang="zh-CN" altLang="en-US" sz="1200">
-              <a:latin typeface="微软雅黑" panose="020B0503020204020204" charset="-122"/>
-              <a:ea typeface="微软雅黑" panose="020B0503020204020204" charset="-122"/>
-              <a:sym typeface="宋体" panose="02010600030101010101" pitchFamily="2" charset="-122"/>
-            </a:endParaRPr>
-          </a:p>
-        </p:txBody>
-      </p:sp>
-      <p:sp>
-        <p:nvSpPr>
-          <p:cNvPr id="24582" name="文本框 5"/>
-          <p:cNvSpPr txBox="1"/>
-          <p:nvPr/>
-        </p:nvSpPr>
-        <p:spPr>
-          <a:xfrm>
-            <a:off x="2805113" y="6629400"/>
-            <a:ext cx="1700212" cy="276225"/>
-          </a:xfrm>
-          <a:prstGeom prst="rect">
-            <a:avLst/>
-          </a:prstGeom>
-          <a:noFill/>
-          <a:ln w="9525">
-            <a:noFill/>
-          </a:ln>
-        </p:spPr>
-        <p:txBody>
-          <a:bodyPr wrap="square" anchor="t">
-            <a:spAutoFit/>
-          </a:bodyPr>
-          <a:lstStyle/>
-          <a:p>
-            <a:pPr algn="ctr"/>
-            <a:r>
-              <a:rPr lang="zh-CN" altLang="zh-CN" sz="1200">
-                <a:latin typeface="微软雅黑" panose="020B0503020204020204" charset="-122"/>
-                <a:ea typeface="微软雅黑" panose="020B0503020204020204" charset="-122"/>
-              </a:rPr>
-              <a:t>图</a:t>
-            </a:r>
-            <a:r>
-              <a:rPr lang="en-US" altLang="zh-CN" sz="1200">
-                <a:latin typeface="微软雅黑" panose="020B0503020204020204" charset="-122"/>
-                <a:ea typeface="微软雅黑" panose="020B0503020204020204" charset="-122"/>
-              </a:rPr>
-              <a:t>5.5 </a:t>
-            </a:r>
-            <a:r>
-              <a:rPr lang="zh-CN" altLang="en-US" sz="1200">
-                <a:latin typeface="微软雅黑" panose="020B0503020204020204" charset="-122"/>
-                <a:ea typeface="微软雅黑" panose="020B0503020204020204" charset="-122"/>
-              </a:rPr>
-              <a:t>等待扫描界面</a:t>
-            </a:r>
-            <a:endParaRPr lang="zh-CN" altLang="en-US" sz="1200">
-              <a:latin typeface="微软雅黑" panose="020B0503020204020204" charset="-122"/>
-              <a:ea typeface="微软雅黑" panose="020B0503020204020204" charset="-122"/>
-            </a:endParaRPr>
-          </a:p>
-        </p:txBody>
-      </p:sp>
-      <p:sp>
-        <p:nvSpPr>
-          <p:cNvPr id="24583" name="文本框 3"/>
-          <p:cNvSpPr txBox="1"/>
-          <p:nvPr/>
-        </p:nvSpPr>
-        <p:spPr>
-          <a:xfrm>
-            <a:off x="2806700" y="3162300"/>
-            <a:ext cx="1700213" cy="276225"/>
-          </a:xfrm>
-          <a:prstGeom prst="rect">
-            <a:avLst/>
-          </a:prstGeom>
-          <a:noFill/>
-          <a:ln w="9525">
-            <a:noFill/>
-          </a:ln>
-        </p:spPr>
-        <p:txBody>
-          <a:bodyPr wrap="square" anchor="t">
-            <a:spAutoFit/>
-          </a:bodyPr>
-          <a:lstStyle/>
-          <a:p>
-            <a:pPr algn="ctr"/>
-            <a:r>
-              <a:rPr lang="zh-CN" altLang="zh-CN" sz="1200">
-                <a:latin typeface="微软雅黑" panose="020B0503020204020204" charset="-122"/>
-                <a:ea typeface="微软雅黑" panose="020B0503020204020204" charset="-122"/>
-              </a:rPr>
-              <a:t>图</a:t>
-            </a:r>
-            <a:r>
-              <a:rPr lang="en-US" altLang="zh-CN" sz="1200">
-                <a:latin typeface="微软雅黑" panose="020B0503020204020204" charset="-122"/>
-                <a:ea typeface="微软雅黑" panose="020B0503020204020204" charset="-122"/>
-              </a:rPr>
-              <a:t>5.4 </a:t>
-            </a:r>
-            <a:r>
-              <a:rPr lang="zh-CN" altLang="en-US" sz="1200">
-                <a:latin typeface="微软雅黑" panose="020B0503020204020204" charset="-122"/>
-                <a:ea typeface="微软雅黑" panose="020B0503020204020204" charset="-122"/>
-              </a:rPr>
-              <a:t>单位选择界面</a:t>
-            </a:r>
-            <a:endParaRPr lang="zh-CN" altLang="en-US" sz="1200">
-              <a:latin typeface="微软雅黑" panose="020B0503020204020204" charset="-122"/>
-              <a:ea typeface="微软雅黑" panose="020B0503020204020204" charset="-122"/>
-            </a:endParaRPr>
           </a:p>
         </p:txBody>
       </p:sp>
@@ -8049,22 +7877,46 @@
       </p:grpSpPr>
       <p:pic>
         <p:nvPicPr>
-          <p:cNvPr id="3" name="图片 2"/>
+          <p:cNvPr id="4" name="图片 3"/>
           <p:cNvPicPr>
             <a:picLocks noChangeAspect="1"/>
           </p:cNvPicPr>
           <p:nvPr/>
         </p:nvPicPr>
         <p:blipFill>
-          <a:blip r:embed="rId1"/>
+          <a:blip r:embed="rId2"/>
           <a:stretch>
             <a:fillRect/>
           </a:stretch>
         </p:blipFill>
         <p:spPr>
           <a:xfrm>
-            <a:off x="2028190" y="2358390"/>
-            <a:ext cx="3445510" cy="2068830"/>
+            <a:off x="1945005" y="4488180"/>
+            <a:ext cx="3436620" cy="2055495"/>
+          </a:xfrm>
+          <a:prstGeom prst="rect">
+            <a:avLst/>
+          </a:prstGeom>
+        </p:spPr>
+      </p:pic>
+      <p:pic>
+        <p:nvPicPr>
+          <p:cNvPr id="2" name="图片 1"/>
+          <p:cNvPicPr>
+            <a:picLocks noChangeAspect="1"/>
+          </p:cNvPicPr>
+          <p:nvPr/>
+        </p:nvPicPr>
+        <p:blipFill>
+          <a:blip r:embed="rId3"/>
+          <a:stretch>
+            <a:fillRect/>
+          </a:stretch>
+        </p:blipFill>
+        <p:spPr>
+          <a:xfrm>
+            <a:off x="1945005" y="1093470"/>
+            <a:ext cx="3437255" cy="2068830"/>
           </a:xfrm>
           <a:prstGeom prst="rect">
             <a:avLst/>
@@ -8110,6 +7962,7 @@
                 <a:ea typeface="宋体" panose="02010600030101010101" pitchFamily="2" charset="-122"/>
                 <a:cs typeface="+mn-cs"/>
               </a:rPr>
+              <a:t>17</a:t>
             </a:fld>
             <a:endParaRPr kumimoji="0" lang="zh-CN" altLang="en-US" sz="1050" b="0" i="0" u="none" strike="noStrike" kern="1200" cap="none" spc="0" normalizeH="0" baseline="0" noProof="1">
               <a:solidFill>
@@ -8124,67 +7977,63 @@
       </p:sp>
       <p:sp>
         <p:nvSpPr>
-          <p:cNvPr id="24583" name="文本框 3"/>
+          <p:cNvPr id="9" name="圆角矩形 8"/>
+          <p:cNvSpPr/>
+          <p:nvPr/>
+        </p:nvSpPr>
+        <p:spPr>
+          <a:xfrm>
+            <a:off x="3124200" y="2004695"/>
+            <a:ext cx="409575" cy="469265"/>
+          </a:xfrm>
+          <a:prstGeom prst="roundRect">
+            <a:avLst/>
+          </a:prstGeom>
+          <a:solidFill>
+            <a:srgbClr val="E2B748">
+              <a:alpha val="25000"/>
+            </a:srgbClr>
+          </a:solidFill>
+          <a:ln>
+            <a:solidFill>
+              <a:srgbClr val="FFC000"/>
+            </a:solidFill>
+          </a:ln>
+        </p:spPr>
+        <p:style>
+          <a:lnRef idx="2">
+            <a:schemeClr val="accent1">
+              <a:shade val="50000"/>
+            </a:schemeClr>
+          </a:lnRef>
+          <a:fillRef idx="1">
+            <a:schemeClr val="accent1"/>
+          </a:fillRef>
+          <a:effectRef idx="0">
+            <a:schemeClr val="accent1"/>
+          </a:effectRef>
+          <a:fontRef idx="minor">
+            <a:schemeClr val="lt1"/>
+          </a:fontRef>
+        </p:style>
+        <p:txBody>
+          <a:bodyPr rtlCol="0" anchor="ctr"/>
+          <a:lstStyle/>
+          <a:p>
+            <a:pPr algn="ctr" fontAlgn="base"/>
+            <a:endParaRPr lang="zh-CN" altLang="en-US" strike="noStrike" noProof="1"/>
+          </a:p>
+        </p:txBody>
+      </p:sp>
+      <p:sp>
+        <p:nvSpPr>
+          <p:cNvPr id="24581" name="文本框 99"/>
           <p:cNvSpPr txBox="1"/>
           <p:nvPr/>
         </p:nvSpPr>
         <p:spPr>
           <a:xfrm>
-            <a:off x="2900680" y="4523740"/>
-            <a:ext cx="1700213" cy="275590"/>
-          </a:xfrm>
-          <a:prstGeom prst="rect">
-            <a:avLst/>
-          </a:prstGeom>
-          <a:noFill/>
-          <a:ln w="9525">
-            <a:noFill/>
-          </a:ln>
-        </p:spPr>
-        <p:txBody>
-          <a:bodyPr wrap="square" anchor="t">
-            <a:spAutoFit/>
-          </a:bodyPr>
-          <a:lstStyle/>
-          <a:p>
-            <a:pPr algn="ctr"/>
-            <a:r>
-              <a:rPr lang="zh-CN" altLang="zh-CN" sz="1200">
-                <a:latin typeface="微软雅黑" panose="020B0503020204020204" charset="-122"/>
-                <a:ea typeface="微软雅黑" panose="020B0503020204020204" charset="-122"/>
-              </a:rPr>
-              <a:t>图</a:t>
-            </a:r>
-            <a:r>
-              <a:rPr lang="en-US" altLang="zh-CN" sz="1200">
-                <a:latin typeface="微软雅黑" panose="020B0503020204020204" charset="-122"/>
-                <a:ea typeface="微软雅黑" panose="020B0503020204020204" charset="-122"/>
-              </a:rPr>
-              <a:t>5.6 </a:t>
-            </a:r>
-            <a:r>
-              <a:rPr lang="zh-CN" altLang="en-US" sz="1200">
-                <a:latin typeface="微软雅黑" panose="020B0503020204020204" charset="-122"/>
-                <a:ea typeface="微软雅黑" panose="020B0503020204020204" charset="-122"/>
-              </a:rPr>
-              <a:t>扫描生成的曲线</a:t>
-            </a:r>
-            <a:endParaRPr lang="zh-CN" altLang="en-US" sz="1200">
-              <a:latin typeface="微软雅黑" panose="020B0503020204020204" charset="-122"/>
-              <a:ea typeface="微软雅黑" panose="020B0503020204020204" charset="-122"/>
-            </a:endParaRPr>
-          </a:p>
-        </p:txBody>
-      </p:sp>
-      <p:sp>
-        <p:nvSpPr>
-          <p:cNvPr id="4" name="文本框 99"/>
-          <p:cNvSpPr txBox="1"/>
-          <p:nvPr/>
-        </p:nvSpPr>
-        <p:spPr>
-          <a:xfrm>
-            <a:off x="595948" y="1531620"/>
+            <a:off x="855663" y="3695700"/>
             <a:ext cx="5665787" cy="730250"/>
           </a:xfrm>
           <a:prstGeom prst="rect">
@@ -8216,7 +8065,7 @@
                 <a:ea typeface="微软雅黑" panose="020B0503020204020204" charset="-122"/>
                 <a:sym typeface="宋体" panose="02010600030101010101" pitchFamily="2" charset="-122"/>
               </a:rPr>
-              <a:t>第</a:t>
+              <a:t>第4步：点击开始扫描等待一段时间后即可查看到生成的扫描曲线，可以</a:t>
             </a:r>
             <a:r>
               <a:rPr lang="en-US" altLang="zh-CN" sz="1200">
@@ -8224,6 +8073,22 @@
                 <a:ea typeface="微软雅黑" panose="020B0503020204020204" charset="-122"/>
                 <a:sym typeface="宋体" panose="02010600030101010101" pitchFamily="2" charset="-122"/>
               </a:rPr>
+              <a:t>back</a:t>
+            </a:r>
+            <a:r>
+              <a:rPr lang="zh-CN" altLang="en-US" sz="1200">
+                <a:latin typeface="微软雅黑" panose="020B0503020204020204" charset="-122"/>
+                <a:ea typeface="微软雅黑" panose="020B0503020204020204" charset="-122"/>
+                <a:sym typeface="宋体" panose="02010600030101010101" pitchFamily="2" charset="-122"/>
+              </a:rPr>
+              <a:t>回到设置界面后再通过查看结果功能看到刚生成的扫描曲线，如图</a:t>
+            </a:r>
+            <a:r>
+              <a:rPr lang="en-US" altLang="zh-CN" sz="1200">
+                <a:latin typeface="微软雅黑" panose="020B0503020204020204" charset="-122"/>
+                <a:ea typeface="微软雅黑" panose="020B0503020204020204" charset="-122"/>
+                <a:sym typeface="宋体" panose="02010600030101010101" pitchFamily="2" charset="-122"/>
+              </a:rPr>
               <a:t>5</a:t>
             </a:r>
             <a:r>
@@ -8232,45 +8097,108 @@
                 <a:ea typeface="微软雅黑" panose="020B0503020204020204" charset="-122"/>
                 <a:sym typeface="宋体" panose="02010600030101010101" pitchFamily="2" charset="-122"/>
               </a:rPr>
-              <a:t>步：等待完成后生成对应的曲线图，这里以扫描二极管曲线为例，如图</a:t>
+              <a:t>.5所示：</a:t>
+            </a:r>
+          </a:p>
+        </p:txBody>
+      </p:sp>
+      <p:sp>
+        <p:nvSpPr>
+          <p:cNvPr id="24582" name="文本框 5"/>
+          <p:cNvSpPr txBox="1"/>
+          <p:nvPr/>
+        </p:nvSpPr>
+        <p:spPr>
+          <a:xfrm>
+            <a:off x="2805113" y="6629400"/>
+            <a:ext cx="1700212" cy="276225"/>
+          </a:xfrm>
+          <a:prstGeom prst="rect">
+            <a:avLst/>
+          </a:prstGeom>
+          <a:noFill/>
+          <a:ln w="9525">
+            <a:noFill/>
+          </a:ln>
+        </p:spPr>
+        <p:txBody>
+          <a:bodyPr wrap="square" anchor="t">
+            <a:spAutoFit/>
+          </a:bodyPr>
+          <a:lstStyle/>
+          <a:p>
+            <a:pPr algn="ctr"/>
+            <a:r>
+              <a:rPr lang="zh-CN" altLang="zh-CN" sz="1200">
+                <a:latin typeface="微软雅黑" panose="020B0503020204020204" charset="-122"/>
+                <a:ea typeface="微软雅黑" panose="020B0503020204020204" charset="-122"/>
+              </a:rPr>
+              <a:t>图</a:t>
             </a:r>
             <a:r>
               <a:rPr lang="en-US" altLang="zh-CN" sz="1200">
                 <a:latin typeface="微软雅黑" panose="020B0503020204020204" charset="-122"/>
                 <a:ea typeface="微软雅黑" panose="020B0503020204020204" charset="-122"/>
-                <a:sym typeface="宋体" panose="02010600030101010101" pitchFamily="2" charset="-122"/>
-              </a:rPr>
-              <a:t>5</a:t>
+              </a:rPr>
+              <a:t>5.5 </a:t>
             </a:r>
             <a:r>
               <a:rPr lang="zh-CN" altLang="en-US" sz="1200">
                 <a:latin typeface="微软雅黑" panose="020B0503020204020204" charset="-122"/>
                 <a:ea typeface="微软雅黑" panose="020B0503020204020204" charset="-122"/>
-                <a:sym typeface="宋体" panose="02010600030101010101" pitchFamily="2" charset="-122"/>
-              </a:rPr>
-              <a:t>.</a:t>
+              </a:rPr>
+              <a:t>等待扫描界面</a:t>
+            </a:r>
+          </a:p>
+        </p:txBody>
+      </p:sp>
+      <p:sp>
+        <p:nvSpPr>
+          <p:cNvPr id="24583" name="文本框 3"/>
+          <p:cNvSpPr txBox="1"/>
+          <p:nvPr/>
+        </p:nvSpPr>
+        <p:spPr>
+          <a:xfrm>
+            <a:off x="2806700" y="3162300"/>
+            <a:ext cx="1700213" cy="276225"/>
+          </a:xfrm>
+          <a:prstGeom prst="rect">
+            <a:avLst/>
+          </a:prstGeom>
+          <a:noFill/>
+          <a:ln w="9525">
+            <a:noFill/>
+          </a:ln>
+        </p:spPr>
+        <p:txBody>
+          <a:bodyPr wrap="square" anchor="t">
+            <a:spAutoFit/>
+          </a:bodyPr>
+          <a:lstStyle/>
+          <a:p>
+            <a:pPr algn="ctr"/>
+            <a:r>
+              <a:rPr lang="zh-CN" altLang="zh-CN" sz="1200">
+                <a:latin typeface="微软雅黑" panose="020B0503020204020204" charset="-122"/>
+                <a:ea typeface="微软雅黑" panose="020B0503020204020204" charset="-122"/>
+              </a:rPr>
+              <a:t>图</a:t>
             </a:r>
             <a:r>
               <a:rPr lang="en-US" altLang="zh-CN" sz="1200">
                 <a:latin typeface="微软雅黑" panose="020B0503020204020204" charset="-122"/>
                 <a:ea typeface="微软雅黑" panose="020B0503020204020204" charset="-122"/>
-                <a:sym typeface="宋体" panose="02010600030101010101" pitchFamily="2" charset="-122"/>
-              </a:rPr>
-              <a:t>6</a:t>
+              </a:rPr>
+              <a:t>5.4 </a:t>
             </a:r>
             <a:r>
               <a:rPr lang="zh-CN" altLang="en-US" sz="1200">
                 <a:latin typeface="微软雅黑" panose="020B0503020204020204" charset="-122"/>
                 <a:ea typeface="微软雅黑" panose="020B0503020204020204" charset="-122"/>
-                <a:sym typeface="宋体" panose="02010600030101010101" pitchFamily="2" charset="-122"/>
-              </a:rPr>
-              <a:t>所示：</a:t>
-            </a:r>
-            <a:endParaRPr lang="zh-CN" altLang="en-US" sz="1200">
-              <a:latin typeface="微软雅黑" panose="020B0503020204020204" charset="-122"/>
-              <a:ea typeface="微软雅黑" panose="020B0503020204020204" charset="-122"/>
-              <a:sym typeface="宋体" panose="02010600030101010101" pitchFamily="2" charset="-122"/>
-            </a:endParaRPr>
+              </a:rPr>
+              <a:t>单位选择界面</a:t>
+            </a:r>
           </a:p>
         </p:txBody>
       </p:sp>
@@ -8279,6 +8207,13 @@
   <p:clrMapOvr>
     <a:masterClrMapping/>
   </p:clrMapOvr>
+  <p:timing>
+    <p:tnLst>
+      <p:par>
+        <p:cTn id="1" dur="indefinite" restart="never" nodeType="tmRoot"/>
+      </p:par>
+    </p:tnLst>
+  </p:timing>
 </p:sld>
 </file>
 
@@ -8299,6 +8234,30 @@
           <a:chExt cx="0" cy="0"/>
         </a:xfrm>
       </p:grpSpPr>
+      <p:pic>
+        <p:nvPicPr>
+          <p:cNvPr id="3" name="图片 2"/>
+          <p:cNvPicPr>
+            <a:picLocks noChangeAspect="1"/>
+          </p:cNvPicPr>
+          <p:nvPr/>
+        </p:nvPicPr>
+        <p:blipFill>
+          <a:blip r:embed="rId2"/>
+          <a:stretch>
+            <a:fillRect/>
+          </a:stretch>
+        </p:blipFill>
+        <p:spPr>
+          <a:xfrm>
+            <a:off x="2028190" y="2358390"/>
+            <a:ext cx="3445510" cy="2068830"/>
+          </a:xfrm>
+          <a:prstGeom prst="rect">
+            <a:avLst/>
+          </a:prstGeom>
+        </p:spPr>
+      </p:pic>
       <p:sp>
         <p:nvSpPr>
           <p:cNvPr id="5" name="灯片编号占位符 4"/>
@@ -8338,6 +8297,7 @@
                 <a:ea typeface="宋体" panose="02010600030101010101" pitchFamily="2" charset="-122"/>
                 <a:cs typeface="+mn-cs"/>
               </a:rPr>
+              <a:t>18</a:t>
             </a:fld>
             <a:endParaRPr kumimoji="0" lang="zh-CN" altLang="en-US" sz="1050" b="0" i="0" u="none" strike="noStrike" kern="1200" cap="none" spc="0" normalizeH="0" baseline="0" noProof="1">
               <a:solidFill>
@@ -8352,14 +8312,14 @@
       </p:sp>
       <p:sp>
         <p:nvSpPr>
-          <p:cNvPr id="25602" name="文本框 1"/>
+          <p:cNvPr id="24583" name="文本框 3"/>
           <p:cNvSpPr txBox="1"/>
           <p:nvPr/>
         </p:nvSpPr>
         <p:spPr>
           <a:xfrm>
-            <a:off x="339725" y="996950"/>
-            <a:ext cx="1323975" cy="336550"/>
+            <a:off x="2900680" y="4523740"/>
+            <a:ext cx="1700213" cy="275590"/>
           </a:xfrm>
           <a:prstGeom prst="rect">
             <a:avLst/>
@@ -8370,51 +8330,46 @@
           </a:ln>
         </p:spPr>
         <p:txBody>
-          <a:bodyPr wrap="none" anchor="t">
+          <a:bodyPr wrap="square" anchor="t">
             <a:spAutoFit/>
           </a:bodyPr>
           <a:lstStyle/>
           <a:p>
-            <a:r>
-              <a:rPr lang="en-US" altLang="zh-CN" sz="1600" b="1">
-                <a:solidFill>
-                  <a:srgbClr val="1B3B7C"/>
-                </a:solidFill>
-                <a:latin typeface="微软雅黑" panose="020B0503020204020204" charset="-122"/>
-                <a:ea typeface="微软雅黑" panose="020B0503020204020204" charset="-122"/>
-              </a:rPr>
-              <a:t>6</a:t>
-            </a:r>
-            <a:r>
-              <a:rPr lang="zh-CN" altLang="en-US" sz="1600" b="1">
-                <a:solidFill>
-                  <a:srgbClr val="1B3B7C"/>
-                </a:solidFill>
-                <a:latin typeface="微软雅黑" panose="020B0503020204020204" charset="-122"/>
-                <a:ea typeface="微软雅黑" panose="020B0503020204020204" charset="-122"/>
-              </a:rPr>
-              <a:t>、快速模式</a:t>
-            </a:r>
-            <a:endParaRPr lang="zh-CN" altLang="zh-CN" sz="1600" b="1">
-              <a:solidFill>
-                <a:srgbClr val="1B3B7C"/>
-              </a:solidFill>
-              <a:latin typeface="微软雅黑" panose="020B0503020204020204" charset="-122"/>
-              <a:ea typeface="微软雅黑" panose="020B0503020204020204" charset="-122"/>
-            </a:endParaRPr>
-          </a:p>
-        </p:txBody>
-      </p:sp>
-      <p:sp>
-        <p:nvSpPr>
-          <p:cNvPr id="25603" name="文本框 99"/>
+            <a:pPr algn="ctr"/>
+            <a:r>
+              <a:rPr lang="zh-CN" altLang="zh-CN" sz="1200">
+                <a:latin typeface="微软雅黑" panose="020B0503020204020204" charset="-122"/>
+                <a:ea typeface="微软雅黑" panose="020B0503020204020204" charset="-122"/>
+              </a:rPr>
+              <a:t>图</a:t>
+            </a:r>
+            <a:r>
+              <a:rPr lang="en-US" altLang="zh-CN" sz="1200">
+                <a:latin typeface="微软雅黑" panose="020B0503020204020204" charset="-122"/>
+                <a:ea typeface="微软雅黑" panose="020B0503020204020204" charset="-122"/>
+              </a:rPr>
+              <a:t>5.6 </a:t>
+            </a:r>
+            <a:r>
+              <a:rPr lang="zh-CN" altLang="en-US" sz="1200">
+                <a:latin typeface="微软雅黑" panose="020B0503020204020204" charset="-122"/>
+                <a:ea typeface="微软雅黑" panose="020B0503020204020204" charset="-122"/>
+              </a:rPr>
+              <a:t>扫描生成的曲线</a:t>
+            </a:r>
+          </a:p>
+        </p:txBody>
+      </p:sp>
+      <p:sp>
+        <p:nvSpPr>
+          <p:cNvPr id="4" name="文本框 99"/>
           <p:cNvSpPr txBox="1"/>
           <p:nvPr/>
         </p:nvSpPr>
         <p:spPr>
           <a:xfrm>
-            <a:off x="833438" y="1354138"/>
-            <a:ext cx="5703887" cy="952500"/>
+            <a:off x="595948" y="1531620"/>
+            <a:ext cx="5665787" cy="730250"/>
           </a:xfrm>
           <a:prstGeom prst="rect">
             <a:avLst/>
@@ -8445,26 +8400,153 @@
                 <a:ea typeface="微软雅黑" panose="020B0503020204020204" charset="-122"/>
                 <a:sym typeface="宋体" panose="02010600030101010101" pitchFamily="2" charset="-122"/>
               </a:rPr>
-              <a:t>使用过程中点击主页面快速模式进入如下页面，根据需求选择电压表或电流表模式，相应模式的适合范围已默认设置，若不适合可重新设定，后续使用方式同测量，如图6.1所示：</a:t>
-            </a:r>
-            <a:endParaRPr lang="zh-CN" altLang="en-US" sz="1200">
-              <a:latin typeface="微软雅黑" panose="020B0503020204020204" charset="-122"/>
-              <a:ea typeface="微软雅黑" panose="020B0503020204020204" charset="-122"/>
-              <a:sym typeface="宋体" panose="02010600030101010101" pitchFamily="2" charset="-122"/>
+              <a:t>第</a:t>
+            </a:r>
+            <a:r>
+              <a:rPr lang="en-US" altLang="zh-CN" sz="1200">
+                <a:latin typeface="微软雅黑" panose="020B0503020204020204" charset="-122"/>
+                <a:ea typeface="微软雅黑" panose="020B0503020204020204" charset="-122"/>
+                <a:sym typeface="宋体" panose="02010600030101010101" pitchFamily="2" charset="-122"/>
+              </a:rPr>
+              <a:t>5</a:t>
+            </a:r>
+            <a:r>
+              <a:rPr lang="zh-CN" altLang="en-US" sz="1200">
+                <a:latin typeface="微软雅黑" panose="020B0503020204020204" charset="-122"/>
+                <a:ea typeface="微软雅黑" panose="020B0503020204020204" charset="-122"/>
+                <a:sym typeface="宋体" panose="02010600030101010101" pitchFamily="2" charset="-122"/>
+              </a:rPr>
+              <a:t>步：等待完成后生成对应的曲线图，这里以扫描二极管曲线为例，如图</a:t>
+            </a:r>
+            <a:r>
+              <a:rPr lang="en-US" altLang="zh-CN" sz="1200">
+                <a:latin typeface="微软雅黑" panose="020B0503020204020204" charset="-122"/>
+                <a:ea typeface="微软雅黑" panose="020B0503020204020204" charset="-122"/>
+                <a:sym typeface="宋体" panose="02010600030101010101" pitchFamily="2" charset="-122"/>
+              </a:rPr>
+              <a:t>5</a:t>
+            </a:r>
+            <a:r>
+              <a:rPr lang="zh-CN" altLang="en-US" sz="1200">
+                <a:latin typeface="微软雅黑" panose="020B0503020204020204" charset="-122"/>
+                <a:ea typeface="微软雅黑" panose="020B0503020204020204" charset="-122"/>
+                <a:sym typeface="宋体" panose="02010600030101010101" pitchFamily="2" charset="-122"/>
+              </a:rPr>
+              <a:t>.</a:t>
+            </a:r>
+            <a:r>
+              <a:rPr lang="en-US" altLang="zh-CN" sz="1200">
+                <a:latin typeface="微软雅黑" panose="020B0503020204020204" charset="-122"/>
+                <a:ea typeface="微软雅黑" panose="020B0503020204020204" charset="-122"/>
+                <a:sym typeface="宋体" panose="02010600030101010101" pitchFamily="2" charset="-122"/>
+              </a:rPr>
+              <a:t>6</a:t>
+            </a:r>
+            <a:r>
+              <a:rPr lang="zh-CN" altLang="en-US" sz="1200">
+                <a:latin typeface="微软雅黑" panose="020B0503020204020204" charset="-122"/>
+                <a:ea typeface="微软雅黑" panose="020B0503020204020204" charset="-122"/>
+                <a:sym typeface="宋体" panose="02010600030101010101" pitchFamily="2" charset="-122"/>
+              </a:rPr>
+              <a:t>所示：</a:t>
+            </a:r>
+          </a:p>
+        </p:txBody>
+      </p:sp>
+    </p:spTree>
+  </p:cSld>
+  <p:clrMapOvr>
+    <a:masterClrMapping/>
+  </p:clrMapOvr>
+  <p:timing>
+    <p:tnLst>
+      <p:par>
+        <p:cTn id="1" dur="indefinite" restart="never" nodeType="tmRoot"/>
+      </p:par>
+    </p:tnLst>
+  </p:timing>
+</p:sld>
+</file>
+
+<file path=ppt/slides/slide19.xml><?xml version="1.0" encoding="utf-8"?>
+<p:sld xmlns:a="http://schemas.openxmlformats.org/drawingml/2006/main" xmlns:r="http://schemas.openxmlformats.org/officeDocument/2006/relationships" xmlns:p="http://schemas.openxmlformats.org/presentationml/2006/main">
+  <p:cSld>
+    <p:spTree>
+      <p:nvGrpSpPr>
+        <p:cNvPr id="1" name=""/>
+        <p:cNvGrpSpPr/>
+        <p:nvPr/>
+      </p:nvGrpSpPr>
+      <p:grpSpPr>
+        <a:xfrm>
+          <a:off x="0" y="0"/>
+          <a:ext cx="0" cy="0"/>
+          <a:chOff x="0" y="0"/>
+          <a:chExt cx="0" cy="0"/>
+        </a:xfrm>
+      </p:grpSpPr>
+      <p:sp>
+        <p:nvSpPr>
+          <p:cNvPr id="5" name="灯片编号占位符 4"/>
+          <p:cNvSpPr>
+            <a:spLocks noGrp="1"/>
+          </p:cNvSpPr>
+          <p:nvPr>
+            <p:ph type="sldNum" sz="quarter" idx="10"/>
+          </p:nvPr>
+        </p:nvSpPr>
+        <p:spPr/>
+        <p:txBody>
+          <a:bodyPr/>
+          <a:lstStyle/>
+          <a:p>
+            <a:pPr marL="0" marR="0" lvl="0" indent="0" algn="ctr" defTabSz="914400" rtl="0" eaLnBrk="1" fontAlgn="base" latinLnBrk="0" hangingPunct="1">
+              <a:lnSpc>
+                <a:spcPct val="100000"/>
+              </a:lnSpc>
+              <a:spcBef>
+                <a:spcPct val="0"/>
+              </a:spcBef>
+              <a:spcAft>
+                <a:spcPct val="0"/>
+              </a:spcAft>
+              <a:buClrTx/>
+              <a:buSzTx/>
+              <a:buFontTx/>
+              <a:buNone/>
+            </a:pPr>
+            <a:fld id="{9A0DB2DC-4C9A-4742-B13C-FB6460FD3503}" type="slidenum">
+              <a:rPr kumimoji="0" lang="zh-CN" altLang="en-US" sz="1050" b="0" i="0" u="none" strike="noStrike" kern="1200" cap="none" spc="0" normalizeH="0" baseline="0" noProof="1">
+                <a:solidFill>
+                  <a:schemeClr val="tx1"/>
+                </a:solidFill>
+                <a:latin typeface="Arial" panose="020B0604020202020204" pitchFamily="34" charset="0"/>
+                <a:ea typeface="宋体" panose="02010600030101010101" pitchFamily="2" charset="-122"/>
+                <a:cs typeface="+mn-cs"/>
+              </a:rPr>
+              <a:t>19</a:t>
+            </a:fld>
+            <a:endParaRPr kumimoji="0" lang="zh-CN" altLang="en-US" sz="1050" b="0" i="0" u="none" strike="noStrike" kern="1200" cap="none" spc="0" normalizeH="0" baseline="0" noProof="1">
+              <a:solidFill>
+                <a:schemeClr val="tx1"/>
+              </a:solidFill>
+              <a:latin typeface="Arial" panose="020B0604020202020204" pitchFamily="34" charset="0"/>
+              <a:ea typeface="宋体" panose="02010600030101010101" pitchFamily="2" charset="-122"/>
+              <a:cs typeface="+mn-cs"/>
             </a:endParaRPr>
           </a:p>
         </p:txBody>
       </p:sp>
       <p:sp>
         <p:nvSpPr>
-          <p:cNvPr id="25604" name="文本框 9"/>
+          <p:cNvPr id="25602" name="文本框 1"/>
           <p:cNvSpPr txBox="1"/>
           <p:nvPr/>
         </p:nvSpPr>
         <p:spPr>
           <a:xfrm>
-            <a:off x="2798763" y="4351338"/>
-            <a:ext cx="1701800" cy="276225"/>
+            <a:off x="339725" y="996950"/>
+            <a:ext cx="1323975" cy="336550"/>
           </a:xfrm>
           <a:prstGeom prst="rect">
             <a:avLst/>
@@ -8475,6 +8557,106 @@
           </a:ln>
         </p:spPr>
         <p:txBody>
+          <a:bodyPr wrap="none" anchor="t">
+            <a:spAutoFit/>
+          </a:bodyPr>
+          <a:lstStyle/>
+          <a:p>
+            <a:r>
+              <a:rPr lang="en-US" altLang="zh-CN" sz="1600" b="1">
+                <a:solidFill>
+                  <a:srgbClr val="1B3B7C"/>
+                </a:solidFill>
+                <a:latin typeface="微软雅黑" panose="020B0503020204020204" charset="-122"/>
+                <a:ea typeface="微软雅黑" panose="020B0503020204020204" charset="-122"/>
+              </a:rPr>
+              <a:t>6</a:t>
+            </a:r>
+            <a:r>
+              <a:rPr lang="zh-CN" altLang="en-US" sz="1600" b="1">
+                <a:solidFill>
+                  <a:srgbClr val="1B3B7C"/>
+                </a:solidFill>
+                <a:latin typeface="微软雅黑" panose="020B0503020204020204" charset="-122"/>
+                <a:ea typeface="微软雅黑" panose="020B0503020204020204" charset="-122"/>
+              </a:rPr>
+              <a:t>、快速模式</a:t>
+            </a:r>
+            <a:endParaRPr lang="zh-CN" altLang="zh-CN" sz="1600" b="1">
+              <a:solidFill>
+                <a:srgbClr val="1B3B7C"/>
+              </a:solidFill>
+              <a:latin typeface="微软雅黑" panose="020B0503020204020204" charset="-122"/>
+              <a:ea typeface="微软雅黑" panose="020B0503020204020204" charset="-122"/>
+            </a:endParaRPr>
+          </a:p>
+        </p:txBody>
+      </p:sp>
+      <p:sp>
+        <p:nvSpPr>
+          <p:cNvPr id="25603" name="文本框 99"/>
+          <p:cNvSpPr txBox="1"/>
+          <p:nvPr/>
+        </p:nvSpPr>
+        <p:spPr>
+          <a:xfrm>
+            <a:off x="833438" y="1354138"/>
+            <a:ext cx="5703887" cy="952500"/>
+          </a:xfrm>
+          <a:prstGeom prst="rect">
+            <a:avLst/>
+          </a:prstGeom>
+          <a:noFill/>
+          <a:ln w="9525">
+            <a:noFill/>
+          </a:ln>
+        </p:spPr>
+        <p:txBody>
+          <a:bodyPr wrap="square" lIns="179705" tIns="144145" rIns="179705" bIns="144145" anchor="t">
+            <a:spAutoFit/>
+          </a:bodyPr>
+          <a:lstStyle/>
+          <a:p>
+            <a:pPr>
+              <a:lnSpc>
+                <a:spcPct val="120000"/>
+              </a:lnSpc>
+              <a:spcAft>
+                <a:spcPts val="600"/>
+              </a:spcAft>
+              <a:buSzTx/>
+            </a:pPr>
+            <a:r>
+              <a:rPr lang="zh-CN" altLang="en-US" sz="1200">
+                <a:latin typeface="微软雅黑" panose="020B0503020204020204" charset="-122"/>
+                <a:ea typeface="微软雅黑" panose="020B0503020204020204" charset="-122"/>
+                <a:sym typeface="宋体" panose="02010600030101010101" pitchFamily="2" charset="-122"/>
+              </a:rPr>
+              <a:t>使用过程中点击主页面快速模式进入如下页面，根据需求选择电压表或电流表模式，相应模式的适合范围已默认设置，若不适合可重新设定，后续使用方式同测量，如图6.1所示：</a:t>
+            </a:r>
+          </a:p>
+        </p:txBody>
+      </p:sp>
+      <p:sp>
+        <p:nvSpPr>
+          <p:cNvPr id="25604" name="文本框 9"/>
+          <p:cNvSpPr txBox="1"/>
+          <p:nvPr/>
+        </p:nvSpPr>
+        <p:spPr>
+          <a:xfrm>
+            <a:off x="2798763" y="4351338"/>
+            <a:ext cx="1701800" cy="276225"/>
+          </a:xfrm>
+          <a:prstGeom prst="rect">
+            <a:avLst/>
+          </a:prstGeom>
+          <a:noFill/>
+          <a:ln w="9525">
+            <a:noFill/>
+          </a:ln>
+        </p:spPr>
+        <p:txBody>
           <a:bodyPr wrap="square" anchor="t">
             <a:spAutoFit/>
           </a:bodyPr>
@@ -8502,10 +8684,6 @@
               </a:rPr>
               <a:t>快速模式界面</a:t>
             </a:r>
-            <a:endParaRPr lang="zh-CN" altLang="en-US" sz="1200">
-              <a:latin typeface="微软雅黑" panose="020B0503020204020204" charset="-122"/>
-              <a:ea typeface="微软雅黑" panose="020B0503020204020204" charset="-122"/>
-            </a:endParaRPr>
           </a:p>
         </p:txBody>
       </p:sp>
@@ -8518,7 +8696,7 @@
           <p:nvPr/>
         </p:nvPicPr>
         <p:blipFill>
-          <a:blip r:embed="rId1" cstate="print"/>
+          <a:blip r:embed="rId2" cstate="print"/>
           <a:stretch>
             <a:fillRect/>
           </a:stretch>
@@ -8546,7 +8724,7 @@
           <p:nvPr/>
         </p:nvPicPr>
         <p:blipFill>
-          <a:blip r:embed="rId2"/>
+          <a:blip r:embed="rId3"/>
           <a:stretch>
             <a:fillRect/>
           </a:stretch>
@@ -8641,7 +8819,7 @@
                 <a:latin typeface="微软雅黑" panose="020B0503020204020204" charset="-122"/>
                 <a:ea typeface="微软雅黑" panose="020B0503020204020204" charset="-122"/>
                 <a:cs typeface="+mn-cs"/>
-                <a:hlinkClick r:id="rId1" action="ppaction://hlinksldjump"/>
+                <a:hlinkClick r:id="rId2" action="ppaction://hlinksldjump"/>
               </a:rPr>
               <a:t>S 系列源表简介  </a:t>
             </a:r>
@@ -8653,7 +8831,7 @@
                 <a:latin typeface="微软雅黑" panose="020B0503020204020204" charset="-122"/>
                 <a:ea typeface="+mn-ea"/>
                 <a:cs typeface="+mn-cs"/>
-                <a:hlinkClick r:id="rId1" action="ppaction://hlinksldjump"/>
+                <a:hlinkClick r:id="rId2" action="ppaction://hlinksldjump"/>
               </a:rPr>
               <a:t>..................</a:t>
             </a:r>
@@ -8666,7 +8844,7 @@
                 <a:ea typeface="+mn-ea"/>
                 <a:cs typeface="+mn-cs"/>
                 <a:sym typeface="宋体" panose="02010600030101010101" pitchFamily="2" charset="-122"/>
-                <a:hlinkClick r:id="rId1" action="ppaction://hlinksldjump"/>
+                <a:hlinkClick r:id="rId2" action="ppaction://hlinksldjump"/>
               </a:rPr>
               <a:t>................................... </a:t>
             </a:r>
@@ -8678,7 +8856,7 @@
                 <a:latin typeface="微软雅黑" panose="020B0503020204020204" charset="-122"/>
                 <a:ea typeface="微软雅黑" panose="020B0503020204020204" charset="-122"/>
                 <a:cs typeface="+mn-cs"/>
-                <a:hlinkClick r:id="rId1" action="ppaction://hlinksldjump"/>
+                <a:hlinkClick r:id="rId2" action="ppaction://hlinksldjump"/>
               </a:rPr>
               <a:t>3</a:t>
             </a:r>
@@ -8716,7 +8894,7 @@
                 <a:latin typeface="微软雅黑" panose="020B0503020204020204" charset="-122"/>
                 <a:ea typeface="微软雅黑" panose="020B0503020204020204" charset="-122"/>
                 <a:cs typeface="+mn-cs"/>
-                <a:hlinkClick r:id="rId1" action="ppaction://hlinksldjump"/>
+                <a:hlinkClick r:id="rId2" action="ppaction://hlinksldjump"/>
               </a:rPr>
               <a:t>1.1 S 系列源表按键操作说明  </a:t>
             </a:r>
@@ -8729,7 +8907,7 @@
                 <a:ea typeface="+mn-ea"/>
                 <a:cs typeface="+mn-cs"/>
                 <a:sym typeface="宋体" panose="02010600030101010101" pitchFamily="2" charset="-122"/>
-                <a:hlinkClick r:id="rId1" action="ppaction://hlinksldjump"/>
+                <a:hlinkClick r:id="rId2" action="ppaction://hlinksldjump"/>
               </a:rPr>
               <a:t>............................. </a:t>
             </a:r>
@@ -8741,7 +8919,7 @@
                 <a:latin typeface="微软雅黑" panose="020B0503020204020204" charset="-122"/>
                 <a:ea typeface="微软雅黑" panose="020B0503020204020204" charset="-122"/>
                 <a:cs typeface="+mn-cs"/>
-                <a:hlinkClick r:id="rId1" action="ppaction://hlinksldjump"/>
+                <a:hlinkClick r:id="rId2" action="ppaction://hlinksldjump"/>
               </a:rPr>
               <a:t>3</a:t>
             </a:r>
@@ -8779,7 +8957,7 @@
                 <a:latin typeface="微软雅黑" panose="020B0503020204020204" charset="-122"/>
                 <a:ea typeface="微软雅黑" panose="020B0503020204020204" charset="-122"/>
                 <a:cs typeface="+mn-cs"/>
-                <a:hlinkClick r:id="rId2" action="ppaction://hlinksldjump"/>
+                <a:hlinkClick r:id="rId3" action="ppaction://hlinksldjump"/>
               </a:rPr>
               <a:t>1.2 主界面功能介绍  </a:t>
             </a:r>
@@ -8792,7 +8970,7 @@
                 <a:ea typeface="+mn-ea"/>
                 <a:cs typeface="+mn-cs"/>
                 <a:sym typeface="宋体" panose="02010600030101010101" pitchFamily="2" charset="-122"/>
-                <a:hlinkClick r:id="rId2" action="ppaction://hlinksldjump"/>
+                <a:hlinkClick r:id="rId3" action="ppaction://hlinksldjump"/>
               </a:rPr>
               <a:t>............................................. </a:t>
             </a:r>
@@ -8804,7 +8982,7 @@
                 <a:latin typeface="微软雅黑" panose="020B0503020204020204" charset="-122"/>
                 <a:ea typeface="微软雅黑" panose="020B0503020204020204" charset="-122"/>
                 <a:cs typeface="+mn-cs"/>
-                <a:hlinkClick r:id="rId2" action="ppaction://hlinksldjump"/>
+                <a:hlinkClick r:id="rId3" action="ppaction://hlinksldjump"/>
               </a:rPr>
               <a:t>4</a:t>
             </a:r>
@@ -8842,7 +9020,7 @@
                 <a:latin typeface="微软雅黑" panose="020B0503020204020204" charset="-122"/>
                 <a:ea typeface="微软雅黑" panose="020B0503020204020204" charset="-122"/>
                 <a:cs typeface="+mn-cs"/>
-                <a:hlinkClick r:id="rId3" action="ppaction://hlinksldjump"/>
+                <a:hlinkClick r:id="rId4" action="ppaction://hlinksldjump"/>
               </a:rPr>
               <a:t>测量  </a:t>
             </a:r>
@@ -8855,7 +9033,7 @@
                 <a:ea typeface="+mn-ea"/>
                 <a:cs typeface="+mn-cs"/>
                 <a:sym typeface="宋体" panose="02010600030101010101" pitchFamily="2" charset="-122"/>
-                <a:hlinkClick r:id="rId3" action="ppaction://hlinksldjump"/>
+                <a:hlinkClick r:id="rId4" action="ppaction://hlinksldjump"/>
               </a:rPr>
               <a:t>......................................................................... </a:t>
             </a:r>
@@ -8867,7 +9045,7 @@
                 <a:latin typeface="微软雅黑" panose="020B0503020204020204" charset="-122"/>
                 <a:ea typeface="微软雅黑" panose="020B0503020204020204" charset="-122"/>
                 <a:cs typeface="+mn-cs"/>
-                <a:hlinkClick r:id="rId3" action="ppaction://hlinksldjump"/>
+                <a:hlinkClick r:id="rId4" action="ppaction://hlinksldjump"/>
               </a:rPr>
               <a:t>5</a:t>
             </a:r>
@@ -8905,7 +9083,7 @@
                 <a:latin typeface="微软雅黑" panose="020B0503020204020204" charset="-122"/>
                 <a:ea typeface="微软雅黑" panose="020B0503020204020204" charset="-122"/>
                 <a:cs typeface="+mn-cs"/>
-                <a:hlinkClick r:id="rId3" action="ppaction://hlinksldjump"/>
+                <a:hlinkClick r:id="rId4" action="ppaction://hlinksldjump"/>
               </a:rPr>
               <a:t>2.1 测量界面简介  </a:t>
             </a:r>
@@ -8918,7 +9096,7 @@
                 <a:ea typeface="+mn-ea"/>
                 <a:cs typeface="+mn-cs"/>
                 <a:sym typeface="宋体" panose="02010600030101010101" pitchFamily="2" charset="-122"/>
-                <a:hlinkClick r:id="rId3" action="ppaction://hlinksldjump"/>
+                <a:hlinkClick r:id="rId4" action="ppaction://hlinksldjump"/>
               </a:rPr>
               <a:t>................................................. </a:t>
             </a:r>
@@ -8930,7 +9108,7 @@
                 <a:latin typeface="微软雅黑" panose="020B0503020204020204" charset="-122"/>
                 <a:ea typeface="微软雅黑" panose="020B0503020204020204" charset="-122"/>
                 <a:cs typeface="+mn-cs"/>
-                <a:hlinkClick r:id="rId3" action="ppaction://hlinksldjump"/>
+                <a:hlinkClick r:id="rId4" action="ppaction://hlinksldjump"/>
               </a:rPr>
               <a:t>5</a:t>
             </a:r>
@@ -8968,7 +9146,7 @@
                 <a:latin typeface="微软雅黑" panose="020B0503020204020204" charset="-122"/>
                 <a:ea typeface="微软雅黑" panose="020B0503020204020204" charset="-122"/>
                 <a:cs typeface="+mn-cs"/>
-                <a:hlinkClick r:id="rId4" action="ppaction://hlinksldjump"/>
+                <a:hlinkClick r:id="rId5" action="ppaction://hlinksldjump"/>
               </a:rPr>
               <a:t>2.</a:t>
             </a:r>
@@ -8980,7 +9158,7 @@
                 <a:latin typeface="微软雅黑" panose="020B0503020204020204" charset="-122"/>
                 <a:ea typeface="+mn-ea"/>
                 <a:cs typeface="+mn-cs"/>
-                <a:hlinkClick r:id="rId4" action="ppaction://hlinksldjump"/>
+                <a:hlinkClick r:id="rId5" action="ppaction://hlinksldjump"/>
               </a:rPr>
               <a:t>2</a:t>
             </a:r>
@@ -8992,7 +9170,7 @@
                 <a:latin typeface="微软雅黑" panose="020B0503020204020204" charset="-122"/>
                 <a:ea typeface="微软雅黑" panose="020B0503020204020204" charset="-122"/>
                 <a:cs typeface="+mn-cs"/>
-                <a:hlinkClick r:id="rId4" action="ppaction://hlinksldjump"/>
+                <a:hlinkClick r:id="rId5" action="ppaction://hlinksldjump"/>
               </a:rPr>
               <a:t> 功能介绍  </a:t>
             </a:r>
@@ -9005,7 +9183,7 @@
                 <a:ea typeface="+mn-ea"/>
                 <a:cs typeface="+mn-cs"/>
                 <a:sym typeface="宋体" panose="02010600030101010101" pitchFamily="2" charset="-122"/>
-                <a:hlinkClick r:id="rId4" action="ppaction://hlinksldjump"/>
+                <a:hlinkClick r:id="rId5" action="ppaction://hlinksldjump"/>
               </a:rPr>
               <a:t>......................................................... </a:t>
             </a:r>
@@ -9017,7 +9195,7 @@
                 <a:latin typeface="微软雅黑" panose="020B0503020204020204" charset="-122"/>
                 <a:ea typeface="+mn-ea"/>
                 <a:cs typeface="+mn-cs"/>
-                <a:hlinkClick r:id="rId4" action="ppaction://hlinksldjump"/>
+                <a:hlinkClick r:id="rId5" action="ppaction://hlinksldjump"/>
               </a:rPr>
               <a:t>6</a:t>
             </a:r>
@@ -9031,6 +9209,61 @@
                 <a:cs typeface="+mn-cs"/>
               </a:rPr>
               <a:t>         </a:t>
+            </a:r>
+          </a:p>
+          <a:p>
+            <a:pPr algn="just" defTabSz="685800">
+              <a:lnSpc>
+                <a:spcPct val="150000"/>
+              </a:lnSpc>
+            </a:pPr>
+            <a:r>
+              <a:rPr lang="zh-CN" altLang="en-US" kern="1200" baseline="0" dirty="0">
+                <a:solidFill>
+                  <a:srgbClr val="595959"/>
+                </a:solidFill>
+                <a:latin typeface="微软雅黑" panose="020B0503020204020204" charset="-122"/>
+                <a:ea typeface="微软雅黑" panose="020B0503020204020204" charset="-122"/>
+                <a:cs typeface="+mn-cs"/>
+              </a:rPr>
+              <a:t>      </a:t>
+            </a:r>
+            <a:r>
+              <a:rPr lang="zh-CN" altLang="en-US" kern="1200" baseline="0" dirty="0">
+                <a:solidFill>
+                  <a:srgbClr val="595959"/>
+                </a:solidFill>
+                <a:latin typeface="微软雅黑" panose="020B0503020204020204" charset="-122"/>
+                <a:ea typeface="微软雅黑" panose="020B0503020204020204" charset="-122"/>
+                <a:cs typeface="+mn-cs"/>
+                <a:hlinkClick r:id="rId5" action="ppaction://hlinksldjump"/>
+              </a:rPr>
+              <a:t>2.3 操作步骤  </a:t>
+            </a:r>
+            <a:r>
+              <a:rPr lang="en-US" altLang="zh-CN" kern="1200" baseline="0" dirty="0">
+                <a:solidFill>
+                  <a:srgbClr val="595959"/>
+                </a:solidFill>
+                <a:latin typeface="微软雅黑" panose="020B0503020204020204" charset="-122"/>
+                <a:ea typeface="+mn-ea"/>
+                <a:cs typeface="+mn-cs"/>
+                <a:sym typeface="宋体" panose="02010600030101010101" pitchFamily="2" charset="-122"/>
+                <a:hlinkClick r:id="rId5" action="ppaction://hlinksldjump"/>
+              </a:rPr>
+              <a:t>......................................................... </a:t>
+            </a:r>
+            <a:r>
+              <a:rPr lang="zh-CN" altLang="en-US" kern="1200" baseline="0" dirty="0">
+                <a:solidFill>
+                  <a:srgbClr val="595959"/>
+                </a:solidFill>
+                <a:latin typeface="微软雅黑" panose="020B0503020204020204" charset="-122"/>
+                <a:ea typeface="微软雅黑" panose="020B0503020204020204" charset="-122"/>
+                <a:cs typeface="+mn-cs"/>
+                <a:hlinkClick r:id="rId5" action="ppaction://hlinksldjump"/>
+              </a:rPr>
+              <a:t>7</a:t>
             </a:r>
             <a:endParaRPr lang="zh-CN" altLang="en-US" kern="1200" baseline="0" dirty="0">
               <a:solidFill>
@@ -9048,29 +9281,6 @@
               </a:lnSpc>
             </a:pPr>
             <a:r>
-              <a:rPr lang="zh-CN" altLang="en-US" kern="1200" baseline="0" dirty="0">
-                <a:solidFill>
-                  <a:srgbClr val="595959"/>
-                </a:solidFill>
-                <a:latin typeface="微软雅黑" panose="020B0503020204020204" charset="-122"/>
-                <a:ea typeface="微软雅黑" panose="020B0503020204020204" charset="-122"/>
-                <a:cs typeface="+mn-cs"/>
-              </a:rPr>
-              <a:t>      </a:t>
-            </a:r>
-            <a:r>
-              <a:rPr lang="zh-CN" altLang="en-US" kern="1200" baseline="0" dirty="0">
-                <a:solidFill>
-                  <a:srgbClr val="595959"/>
-                </a:solidFill>
-                <a:latin typeface="微软雅黑" panose="020B0503020204020204" charset="-122"/>
-                <a:ea typeface="微软雅黑" panose="020B0503020204020204" charset="-122"/>
-                <a:cs typeface="+mn-cs"/>
-                <a:hlinkClick r:id="rId4" action="ppaction://hlinksldjump"/>
-              </a:rPr>
-              <a:t>2.3 操作步骤  </a:t>
-            </a:r>
-            <a:r>
               <a:rPr lang="en-US" altLang="zh-CN" kern="1200" baseline="0" dirty="0">
                 <a:solidFill>
                   <a:srgbClr val="595959"/>
@@ -9078,10 +9288,8 @@
                 <a:latin typeface="微软雅黑" panose="020B0503020204020204" charset="-122"/>
                 <a:ea typeface="+mn-ea"/>
                 <a:cs typeface="+mn-cs"/>
-                <a:sym typeface="宋体" panose="02010600030101010101" pitchFamily="2" charset="-122"/>
-                <a:hlinkClick r:id="rId4" action="ppaction://hlinksldjump"/>
-              </a:rPr>
-              <a:t>......................................................... </a:t>
+              </a:rPr>
+              <a:t>3</a:t>
             </a:r>
             <a:r>
               <a:rPr lang="zh-CN" altLang="en-US" kern="1200" baseline="0" dirty="0">
@@ -9091,9 +9299,45 @@
                 <a:latin typeface="微软雅黑" panose="020B0503020204020204" charset="-122"/>
                 <a:ea typeface="微软雅黑" panose="020B0503020204020204" charset="-122"/>
                 <a:cs typeface="+mn-cs"/>
-                <a:hlinkClick r:id="rId4" action="ppaction://hlinksldjump"/>
-              </a:rPr>
-              <a:t>7</a:t>
+              </a:rPr>
+              <a:t>、</a:t>
+            </a:r>
+            <a:r>
+              <a:rPr lang="zh-CN" altLang="en-US" kern="1200" baseline="0" dirty="0">
+                <a:solidFill>
+                  <a:srgbClr val="595959"/>
+                </a:solidFill>
+                <a:latin typeface="微软雅黑" panose="020B0503020204020204" charset="-122"/>
+                <a:ea typeface="微软雅黑" panose="020B0503020204020204" charset="-122"/>
+                <a:cs typeface="+mn-cs"/>
+                <a:hlinkClick r:id="rId6" action="ppaction://hlinksldjump"/>
+              </a:rPr>
+              <a:t>设置  </a:t>
+            </a:r>
+            <a:r>
+              <a:rPr lang="en-US" altLang="zh-CN" kern="1200" baseline="0" dirty="0">
+                <a:solidFill>
+                  <a:srgbClr val="595959"/>
+                </a:solidFill>
+                <a:latin typeface="微软雅黑" panose="020B0503020204020204" charset="-122"/>
+                <a:ea typeface="+mn-ea"/>
+                <a:cs typeface="+mn-cs"/>
+                <a:sym typeface="宋体" panose="02010600030101010101" pitchFamily="2" charset="-122"/>
+                <a:hlinkClick r:id="rId6" action="ppaction://hlinksldjump"/>
+              </a:rPr>
+              <a:t>........................................................................  </a:t>
+            </a:r>
+            <a:r>
+              <a:rPr lang="en-US" altLang="zh-CN" kern="1200" baseline="0" dirty="0">
+                <a:solidFill>
+                  <a:srgbClr val="595959"/>
+                </a:solidFill>
+                <a:latin typeface="微软雅黑" panose="020B0503020204020204" charset="-122"/>
+                <a:ea typeface="+mn-ea"/>
+                <a:cs typeface="+mn-cs"/>
+                <a:hlinkClick r:id="rId6" action="ppaction://hlinksldjump"/>
+              </a:rPr>
+              <a:t>8</a:t>
             </a:r>
             <a:endParaRPr lang="zh-CN" altLang="en-US" kern="1200" baseline="0" dirty="0">
               <a:solidFill>
@@ -9111,6 +9355,17 @@
               </a:lnSpc>
             </a:pPr>
             <a:r>
+              <a:rPr lang="zh-CN" altLang="en-US" kern="1200" baseline="0" dirty="0">
+                <a:solidFill>
+                  <a:srgbClr val="595959"/>
+                </a:solidFill>
+                <a:latin typeface="微软雅黑" panose="020B0503020204020204" charset="-122"/>
+                <a:ea typeface="微软雅黑" panose="020B0503020204020204" charset="-122"/>
+                <a:cs typeface="+mn-cs"/>
+              </a:rPr>
+              <a:t>      </a:t>
+            </a:r>
+            <a:r>
               <a:rPr lang="en-US" altLang="zh-CN" kern="1200" baseline="0" dirty="0">
                 <a:solidFill>
                   <a:srgbClr val="595959"/>
@@ -9118,6 +9373,7 @@
                 <a:latin typeface="微软雅黑" panose="020B0503020204020204" charset="-122"/>
                 <a:ea typeface="+mn-ea"/>
                 <a:cs typeface="+mn-cs"/>
+                <a:hlinkClick r:id="rId6" action="ppaction://hlinksldjump"/>
               </a:rPr>
               <a:t>3</a:t>
             </a:r>
@@ -9129,20 +9385,9 @@
                 <a:latin typeface="微软雅黑" panose="020B0503020204020204" charset="-122"/>
                 <a:ea typeface="微软雅黑" panose="020B0503020204020204" charset="-122"/>
                 <a:cs typeface="+mn-cs"/>
-              </a:rPr>
-              <a:t>、</a:t>
-            </a:r>
-            <a:r>
-              <a:rPr lang="zh-CN" altLang="en-US" kern="1200" baseline="0" dirty="0">
-                <a:solidFill>
-                  <a:srgbClr val="595959"/>
-                </a:solidFill>
-                <a:latin typeface="微软雅黑" panose="020B0503020204020204" charset="-122"/>
-                <a:ea typeface="微软雅黑" panose="020B0503020204020204" charset="-122"/>
-                <a:cs typeface="+mn-cs"/>
-                <a:hlinkClick r:id="rId5" action="ppaction://hlinksldjump"/>
-              </a:rPr>
-              <a:t>设置  </a:t>
+                <a:hlinkClick r:id="rId6" action="ppaction://hlinksldjump"/>
+              </a:rPr>
+              <a:t>.1 设置主页面  </a:t>
             </a:r>
             <a:r>
               <a:rPr lang="en-US" altLang="zh-CN" kern="1200" baseline="0" dirty="0">
@@ -9153,9 +9398,9 @@
                 <a:ea typeface="+mn-ea"/>
                 <a:cs typeface="+mn-cs"/>
                 <a:sym typeface="宋体" panose="02010600030101010101" pitchFamily="2" charset="-122"/>
-                <a:hlinkClick r:id="rId5" action="ppaction://hlinksldjump"/>
-              </a:rPr>
-              <a:t>........................................................................  </a:t>
+                <a:hlinkClick r:id="rId6" action="ppaction://hlinksldjump"/>
+              </a:rPr>
+              <a:t>..................................................... </a:t>
             </a:r>
             <a:r>
               <a:rPr lang="en-US" altLang="zh-CN" kern="1200" baseline="0" dirty="0">
@@ -9165,7 +9410,7 @@
                 <a:latin typeface="微软雅黑" panose="020B0503020204020204" charset="-122"/>
                 <a:ea typeface="+mn-ea"/>
                 <a:cs typeface="+mn-cs"/>
-                <a:hlinkClick r:id="rId5" action="ppaction://hlinksldjump"/>
+                <a:hlinkClick r:id="rId6" action="ppaction://hlinksldjump"/>
               </a:rPr>
               <a:t>8</a:t>
             </a:r>
@@ -9193,7 +9438,19 @@
                 <a:ea typeface="微软雅黑" panose="020B0503020204020204" charset="-122"/>
                 <a:cs typeface="+mn-cs"/>
               </a:rPr>
-              <a:t>      </a:t>
+              <a:t>     </a:t>
+            </a:r>
+            <a:r>
+              <a:rPr lang="zh-CN" altLang="en-US" kern="1200" baseline="0" dirty="0">
+                <a:solidFill>
+                  <a:srgbClr val="595959"/>
+                </a:solidFill>
+                <a:latin typeface="微软雅黑" panose="020B0503020204020204" charset="-122"/>
+                <a:ea typeface="微软雅黑" panose="020B0503020204020204" charset="-122"/>
+                <a:cs typeface="+mn-cs"/>
+                <a:hlinkClick r:id="rId6" action="ppaction://hlinksldjump"/>
+              </a:rPr>
+              <a:t> </a:t>
             </a:r>
             <a:r>
               <a:rPr lang="en-US" altLang="zh-CN" kern="1200" baseline="0" dirty="0">
@@ -9203,7 +9460,7 @@
                 <a:latin typeface="微软雅黑" panose="020B0503020204020204" charset="-122"/>
                 <a:ea typeface="+mn-ea"/>
                 <a:cs typeface="+mn-cs"/>
-                <a:hlinkClick r:id="rId5" action="ppaction://hlinksldjump"/>
+                <a:hlinkClick r:id="rId6" action="ppaction://hlinksldjump"/>
               </a:rPr>
               <a:t>3</a:t>
             </a:r>
@@ -9215,9 +9472,9 @@
                 <a:latin typeface="微软雅黑" panose="020B0503020204020204" charset="-122"/>
                 <a:ea typeface="微软雅黑" panose="020B0503020204020204" charset="-122"/>
                 <a:cs typeface="+mn-cs"/>
-                <a:hlinkClick r:id="rId5" action="ppaction://hlinksldjump"/>
-              </a:rPr>
-              <a:t>.1 设置主页面  </a:t>
+                <a:hlinkClick r:id="rId6" action="ppaction://hlinksldjump"/>
+              </a:rPr>
+              <a:t>.2 IP和通信方式设置  </a:t>
             </a:r>
             <a:r>
               <a:rPr lang="en-US" altLang="zh-CN" kern="1200" baseline="0" dirty="0">
@@ -9228,9 +9485,9 @@
                 <a:ea typeface="+mn-ea"/>
                 <a:cs typeface="+mn-cs"/>
                 <a:sym typeface="宋体" panose="02010600030101010101" pitchFamily="2" charset="-122"/>
-                <a:hlinkClick r:id="rId5" action="ppaction://hlinksldjump"/>
-              </a:rPr>
-              <a:t>..................................................... </a:t>
+                <a:hlinkClick r:id="rId6" action="ppaction://hlinksldjump"/>
+              </a:rPr>
+              <a:t>......................................... </a:t>
             </a:r>
             <a:r>
               <a:rPr lang="en-US" altLang="zh-CN" kern="1200" baseline="0" dirty="0">
@@ -9240,7 +9497,7 @@
                 <a:latin typeface="微软雅黑" panose="020B0503020204020204" charset="-122"/>
                 <a:ea typeface="+mn-ea"/>
                 <a:cs typeface="+mn-cs"/>
-                <a:hlinkClick r:id="rId5" action="ppaction://hlinksldjump"/>
+                <a:hlinkClick r:id="rId6" action="ppaction://hlinksldjump"/>
               </a:rPr>
               <a:t>8</a:t>
             </a:r>
@@ -9268,19 +9525,7 @@
                 <a:ea typeface="微软雅黑" panose="020B0503020204020204" charset="-122"/>
                 <a:cs typeface="+mn-cs"/>
               </a:rPr>
-              <a:t>     </a:t>
-            </a:r>
-            <a:r>
-              <a:rPr lang="zh-CN" altLang="en-US" kern="1200" baseline="0" dirty="0">
-                <a:solidFill>
-                  <a:srgbClr val="595959"/>
-                </a:solidFill>
-                <a:latin typeface="微软雅黑" panose="020B0503020204020204" charset="-122"/>
-                <a:ea typeface="微软雅黑" panose="020B0503020204020204" charset="-122"/>
-                <a:cs typeface="+mn-cs"/>
-                <a:hlinkClick r:id="rId5" action="ppaction://hlinksldjump"/>
-              </a:rPr>
-              <a:t> </a:t>
+              <a:t>      </a:t>
             </a:r>
             <a:r>
               <a:rPr lang="en-US" altLang="zh-CN" kern="1200" baseline="0" dirty="0">
@@ -9290,7 +9535,7 @@
                 <a:latin typeface="微软雅黑" panose="020B0503020204020204" charset="-122"/>
                 <a:ea typeface="+mn-ea"/>
                 <a:cs typeface="+mn-cs"/>
-                <a:hlinkClick r:id="rId5" action="ppaction://hlinksldjump"/>
+                <a:hlinkClick r:id="rId7" action="ppaction://hlinksldjump"/>
               </a:rPr>
               <a:t>3</a:t>
             </a:r>
@@ -9302,21 +9547,9 @@
                 <a:latin typeface="微软雅黑" panose="020B0503020204020204" charset="-122"/>
                 <a:ea typeface="微软雅黑" panose="020B0503020204020204" charset="-122"/>
                 <a:cs typeface="+mn-cs"/>
-                <a:hlinkClick r:id="rId5" action="ppaction://hlinksldjump"/>
-              </a:rPr>
-              <a:t>.2 IP和通信方式</a:t>
-            </a:r>
-            <a:r>
-              <a:rPr lang="zh-CN" altLang="en-US" kern="1200" baseline="0" dirty="0">
-                <a:solidFill>
-                  <a:srgbClr val="595959"/>
-                </a:solidFill>
-                <a:latin typeface="微软雅黑" panose="020B0503020204020204" charset="-122"/>
-                <a:ea typeface="微软雅黑" panose="020B0503020204020204" charset="-122"/>
-                <a:cs typeface="+mn-cs"/>
-                <a:hlinkClick r:id="rId5" action="ppaction://hlinksldjump"/>
-              </a:rPr>
-              <a:t>设置  </a:t>
+                <a:hlinkClick r:id="rId7" action="ppaction://hlinksldjump"/>
+              </a:rPr>
+              <a:t>.3 输出设置  </a:t>
             </a:r>
             <a:r>
               <a:rPr lang="en-US" altLang="zh-CN" kern="1200" baseline="0" dirty="0">
@@ -9327,9 +9560,9 @@
                 <a:ea typeface="+mn-ea"/>
                 <a:cs typeface="+mn-cs"/>
                 <a:sym typeface="宋体" panose="02010600030101010101" pitchFamily="2" charset="-122"/>
-                <a:hlinkClick r:id="rId5" action="ppaction://hlinksldjump"/>
-              </a:rPr>
-              <a:t>......................................... </a:t>
+                <a:hlinkClick r:id="rId7" action="ppaction://hlinksldjump"/>
+              </a:rPr>
+              <a:t>......................................................... </a:t>
             </a:r>
             <a:r>
               <a:rPr lang="en-US" altLang="zh-CN" kern="1200" baseline="0" dirty="0">
@@ -9339,9 +9572,503 @@
                 <a:latin typeface="微软雅黑" panose="020B0503020204020204" charset="-122"/>
                 <a:ea typeface="+mn-ea"/>
                 <a:cs typeface="+mn-cs"/>
-                <a:hlinkClick r:id="rId5" action="ppaction://hlinksldjump"/>
-              </a:rPr>
-              <a:t>8</a:t>
+                <a:hlinkClick r:id="rId7" action="ppaction://hlinksldjump"/>
+              </a:rPr>
+              <a:t>9</a:t>
+            </a:r>
+          </a:p>
+          <a:p>
+            <a:pPr algn="just" defTabSz="685800">
+              <a:lnSpc>
+                <a:spcPct val="150000"/>
+              </a:lnSpc>
+            </a:pPr>
+            <a:r>
+              <a:rPr lang="en-US" altLang="zh-CN" dirty="0">
+                <a:solidFill>
+                  <a:srgbClr val="595959"/>
+                </a:solidFill>
+                <a:ea typeface="+mn-ea"/>
+                <a:cs typeface="+mn-cs"/>
+                <a:sym typeface="+mn-ea"/>
+              </a:rPr>
+              <a:t>      </a:t>
+            </a:r>
+            <a:r>
+              <a:rPr lang="en-US" altLang="zh-CN" dirty="0">
+                <a:solidFill>
+                  <a:srgbClr val="595959"/>
+                </a:solidFill>
+                <a:ea typeface="+mn-ea"/>
+                <a:cs typeface="+mn-cs"/>
+                <a:sym typeface="+mn-ea"/>
+                <a:hlinkClick r:id="rId7" action="ppaction://hlinksldjump"/>
+              </a:rPr>
+              <a:t>3</a:t>
+            </a:r>
+            <a:r>
+              <a:rPr lang="zh-CN" altLang="en-US" dirty="0">
+                <a:solidFill>
+                  <a:srgbClr val="595959"/>
+                </a:solidFill>
+                <a:cs typeface="+mn-cs"/>
+                <a:sym typeface="+mn-ea"/>
+                <a:hlinkClick r:id="rId7" action="ppaction://hlinksldjump"/>
+              </a:rPr>
+              <a:t>.</a:t>
+            </a:r>
+            <a:r>
+              <a:rPr lang="en-US" altLang="zh-CN" dirty="0">
+                <a:solidFill>
+                  <a:srgbClr val="595959"/>
+                </a:solidFill>
+                <a:cs typeface="+mn-cs"/>
+                <a:sym typeface="+mn-ea"/>
+                <a:hlinkClick r:id="rId7" action="ppaction://hlinksldjump"/>
+              </a:rPr>
+              <a:t>4</a:t>
+            </a:r>
+            <a:r>
+              <a:rPr lang="zh-CN" altLang="en-US" dirty="0">
+                <a:solidFill>
+                  <a:srgbClr val="595959"/>
+                </a:solidFill>
+                <a:cs typeface="+mn-cs"/>
+                <a:sym typeface="+mn-ea"/>
+                <a:hlinkClick r:id="rId7" action="ppaction://hlinksldjump"/>
+              </a:rPr>
+              <a:t> </a:t>
+            </a:r>
+            <a:r>
+              <a:rPr lang="en-US" altLang="zh-CN" dirty="0">
+                <a:solidFill>
+                  <a:srgbClr val="595959"/>
+                </a:solidFill>
+                <a:cs typeface="+mn-cs"/>
+                <a:sym typeface="+mn-ea"/>
+                <a:hlinkClick r:id="rId7" action="ppaction://hlinksldjump"/>
+              </a:rPr>
+              <a:t>PLC</a:t>
+            </a:r>
+            <a:r>
+              <a:rPr lang="zh-CN" altLang="en-US" dirty="0">
+                <a:solidFill>
+                  <a:srgbClr val="595959"/>
+                </a:solidFill>
+                <a:cs typeface="+mn-cs"/>
+                <a:sym typeface="+mn-ea"/>
+                <a:hlinkClick r:id="rId7" action="ppaction://hlinksldjump"/>
+              </a:rPr>
+              <a:t>设置   </a:t>
+            </a:r>
+            <a:r>
+              <a:rPr lang="en-US" altLang="zh-CN" dirty="0">
+                <a:solidFill>
+                  <a:srgbClr val="595959"/>
+                </a:solidFill>
+                <a:ea typeface="+mn-ea"/>
+                <a:cs typeface="+mn-cs"/>
+                <a:sym typeface="宋体" panose="02010600030101010101" pitchFamily="2" charset="-122"/>
+                <a:hlinkClick r:id="rId7" action="ppaction://hlinksldjump"/>
+              </a:rPr>
+              <a:t>......................................................... </a:t>
+            </a:r>
+            <a:r>
+              <a:rPr lang="en-US" altLang="zh-CN" dirty="0">
+                <a:solidFill>
+                  <a:srgbClr val="595959"/>
+                </a:solidFill>
+                <a:ea typeface="+mn-ea"/>
+                <a:cs typeface="+mn-cs"/>
+                <a:sym typeface="+mn-ea"/>
+                <a:hlinkClick r:id="rId7" action="ppaction://hlinksldjump"/>
+              </a:rPr>
+              <a:t>9</a:t>
+            </a:r>
+          </a:p>
+          <a:p>
+            <a:pPr algn="just" defTabSz="685800">
+              <a:lnSpc>
+                <a:spcPct val="150000"/>
+              </a:lnSpc>
+            </a:pPr>
+            <a:r>
+              <a:rPr lang="en-US" altLang="zh-CN" dirty="0">
+                <a:solidFill>
+                  <a:srgbClr val="595959"/>
+                </a:solidFill>
+                <a:ea typeface="+mn-ea"/>
+                <a:cs typeface="+mn-cs"/>
+                <a:sym typeface="+mn-ea"/>
+              </a:rPr>
+              <a:t>      </a:t>
+            </a:r>
+            <a:r>
+              <a:rPr lang="en-US" altLang="zh-CN" dirty="0">
+                <a:solidFill>
+                  <a:srgbClr val="595959"/>
+                </a:solidFill>
+                <a:ea typeface="+mn-ea"/>
+                <a:cs typeface="+mn-cs"/>
+                <a:sym typeface="+mn-ea"/>
+                <a:hlinkClick r:id="rId7" action="ppaction://hlinksldjump"/>
+              </a:rPr>
+              <a:t>3</a:t>
+            </a:r>
+            <a:r>
+              <a:rPr lang="zh-CN" altLang="en-US" dirty="0">
+                <a:solidFill>
+                  <a:srgbClr val="595959"/>
+                </a:solidFill>
+                <a:cs typeface="+mn-cs"/>
+                <a:sym typeface="+mn-ea"/>
+                <a:hlinkClick r:id="rId7" action="ppaction://hlinksldjump"/>
+              </a:rPr>
+              <a:t>.</a:t>
+            </a:r>
+            <a:r>
+              <a:rPr lang="en-US" altLang="zh-CN" dirty="0">
+                <a:solidFill>
+                  <a:srgbClr val="595959"/>
+                </a:solidFill>
+                <a:cs typeface="+mn-cs"/>
+                <a:sym typeface="+mn-ea"/>
+                <a:hlinkClick r:id="rId7" action="ppaction://hlinksldjump"/>
+              </a:rPr>
+              <a:t>5</a:t>
+            </a:r>
+            <a:r>
+              <a:rPr lang="zh-CN" altLang="en-US" dirty="0">
+                <a:solidFill>
+                  <a:srgbClr val="595959"/>
+                </a:solidFill>
+                <a:cs typeface="+mn-cs"/>
+                <a:sym typeface="+mn-ea"/>
+                <a:hlinkClick r:id="rId7" action="ppaction://hlinksldjump"/>
+              </a:rPr>
+              <a:t> 触发设置  </a:t>
+            </a:r>
+            <a:r>
+              <a:rPr lang="en-US" altLang="zh-CN" dirty="0">
+                <a:solidFill>
+                  <a:srgbClr val="595959"/>
+                </a:solidFill>
+                <a:ea typeface="+mn-ea"/>
+                <a:cs typeface="+mn-cs"/>
+                <a:sym typeface="宋体" panose="02010600030101010101" pitchFamily="2" charset="-122"/>
+                <a:hlinkClick r:id="rId7" action="ppaction://hlinksldjump"/>
+              </a:rPr>
+              <a:t>........................................................</a:t>
+            </a:r>
+            <a:r>
+              <a:rPr lang="zh-CN" altLang="en-US" dirty="0">
+                <a:solidFill>
+                  <a:srgbClr val="595959"/>
+                </a:solidFill>
+                <a:cs typeface="+mn-cs"/>
+                <a:sym typeface="+mn-ea"/>
+                <a:hlinkClick r:id="rId8" action="ppaction://hlinksldjump"/>
+              </a:rPr>
+              <a:t>1</a:t>
+            </a:r>
+            <a:r>
+              <a:rPr lang="en-US" altLang="zh-CN" dirty="0">
+                <a:solidFill>
+                  <a:srgbClr val="595959"/>
+                </a:solidFill>
+                <a:ea typeface="+mn-ea"/>
+                <a:cs typeface="+mn-cs"/>
+                <a:sym typeface="+mn-ea"/>
+                <a:hlinkClick r:id="rId8" action="ppaction://hlinksldjump"/>
+              </a:rPr>
+              <a:t>0</a:t>
+            </a:r>
+            <a:endParaRPr lang="en-US" altLang="zh-CN" dirty="0">
+              <a:solidFill>
+                <a:srgbClr val="595959"/>
+              </a:solidFill>
+              <a:ea typeface="+mn-ea"/>
+              <a:cs typeface="+mn-cs"/>
+              <a:sym typeface="+mn-ea"/>
+              <a:hlinkClick r:id="rId7" action="ppaction://hlinksldjump"/>
+            </a:endParaRPr>
+          </a:p>
+          <a:p>
+            <a:pPr algn="just" defTabSz="685800">
+              <a:lnSpc>
+                <a:spcPct val="150000"/>
+              </a:lnSpc>
+            </a:pPr>
+            <a:r>
+              <a:rPr lang="en-US" altLang="zh-CN" dirty="0">
+                <a:solidFill>
+                  <a:srgbClr val="595959"/>
+                </a:solidFill>
+                <a:ea typeface="+mn-ea"/>
+                <a:cs typeface="+mn-cs"/>
+                <a:sym typeface="+mn-ea"/>
+              </a:rPr>
+              <a:t>      </a:t>
+            </a:r>
+            <a:r>
+              <a:rPr lang="en-US" altLang="zh-CN" dirty="0">
+                <a:solidFill>
+                  <a:srgbClr val="595959"/>
+                </a:solidFill>
+                <a:ea typeface="+mn-ea"/>
+                <a:cs typeface="+mn-cs"/>
+                <a:sym typeface="+mn-ea"/>
+                <a:hlinkClick r:id="rId7" action="ppaction://hlinksldjump"/>
+              </a:rPr>
+              <a:t>3</a:t>
+            </a:r>
+            <a:r>
+              <a:rPr lang="zh-CN" altLang="en-US" dirty="0">
+                <a:solidFill>
+                  <a:srgbClr val="595959"/>
+                </a:solidFill>
+                <a:cs typeface="+mn-cs"/>
+                <a:sym typeface="+mn-ea"/>
+                <a:hlinkClick r:id="rId7" action="ppaction://hlinksldjump"/>
+              </a:rPr>
+              <a:t>.</a:t>
+            </a:r>
+            <a:r>
+              <a:rPr lang="en-US" altLang="zh-CN" dirty="0">
+                <a:solidFill>
+                  <a:srgbClr val="595959"/>
+                </a:solidFill>
+                <a:cs typeface="+mn-cs"/>
+                <a:sym typeface="+mn-ea"/>
+                <a:hlinkClick r:id="rId7" action="ppaction://hlinksldjump"/>
+              </a:rPr>
+              <a:t>6</a:t>
+            </a:r>
+            <a:r>
+              <a:rPr lang="zh-CN" altLang="en-US" dirty="0">
+                <a:solidFill>
+                  <a:srgbClr val="595959"/>
+                </a:solidFill>
+                <a:cs typeface="+mn-cs"/>
+                <a:sym typeface="+mn-ea"/>
+                <a:hlinkClick r:id="rId7" action="ppaction://hlinksldjump"/>
+              </a:rPr>
+              <a:t> 时间设置  </a:t>
+            </a:r>
+            <a:r>
+              <a:rPr lang="en-US" altLang="zh-CN" dirty="0">
+                <a:solidFill>
+                  <a:srgbClr val="595959"/>
+                </a:solidFill>
+                <a:ea typeface="+mn-ea"/>
+                <a:cs typeface="+mn-cs"/>
+                <a:sym typeface="宋体" panose="02010600030101010101" pitchFamily="2" charset="-122"/>
+                <a:hlinkClick r:id="rId7" action="ppaction://hlinksldjump"/>
+              </a:rPr>
+              <a:t>........................................................</a:t>
+            </a:r>
+            <a:r>
+              <a:rPr lang="zh-CN" altLang="en-US" dirty="0">
+                <a:solidFill>
+                  <a:srgbClr val="595959"/>
+                </a:solidFill>
+                <a:cs typeface="+mn-cs"/>
+                <a:sym typeface="+mn-ea"/>
+                <a:hlinkClick r:id="rId8" action="ppaction://hlinksldjump"/>
+              </a:rPr>
+              <a:t>1</a:t>
+            </a:r>
+            <a:r>
+              <a:rPr lang="en-US" altLang="zh-CN" dirty="0">
+                <a:solidFill>
+                  <a:srgbClr val="595959"/>
+                </a:solidFill>
+                <a:ea typeface="+mn-ea"/>
+                <a:cs typeface="+mn-cs"/>
+                <a:sym typeface="+mn-ea"/>
+                <a:hlinkClick r:id="rId8" action="ppaction://hlinksldjump"/>
+              </a:rPr>
+              <a:t>0</a:t>
+            </a:r>
+            <a:endParaRPr lang="en-US" altLang="zh-CN" dirty="0">
+              <a:solidFill>
+                <a:srgbClr val="595959"/>
+              </a:solidFill>
+              <a:ea typeface="+mn-ea"/>
+              <a:cs typeface="+mn-cs"/>
+              <a:sym typeface="+mn-ea"/>
+              <a:hlinkClick r:id="rId7" action="ppaction://hlinksldjump"/>
+            </a:endParaRPr>
+          </a:p>
+          <a:p>
+            <a:pPr algn="just" defTabSz="685800">
+              <a:lnSpc>
+                <a:spcPct val="150000"/>
+              </a:lnSpc>
+            </a:pPr>
+            <a:r>
+              <a:rPr lang="en-US" altLang="zh-CN" dirty="0">
+                <a:solidFill>
+                  <a:srgbClr val="595959"/>
+                </a:solidFill>
+                <a:ea typeface="+mn-ea"/>
+                <a:cs typeface="+mn-cs"/>
+                <a:sym typeface="+mn-ea"/>
+              </a:rPr>
+              <a:t>      </a:t>
+            </a:r>
+            <a:r>
+              <a:rPr lang="en-US" altLang="zh-CN" dirty="0">
+                <a:solidFill>
+                  <a:srgbClr val="595959"/>
+                </a:solidFill>
+                <a:ea typeface="+mn-ea"/>
+                <a:cs typeface="+mn-cs"/>
+                <a:sym typeface="+mn-ea"/>
+                <a:hlinkClick r:id="rId7" action="ppaction://hlinksldjump"/>
+              </a:rPr>
+              <a:t>3</a:t>
+            </a:r>
+            <a:r>
+              <a:rPr lang="zh-CN" altLang="en-US" dirty="0">
+                <a:solidFill>
+                  <a:srgbClr val="595959"/>
+                </a:solidFill>
+                <a:cs typeface="+mn-cs"/>
+                <a:sym typeface="+mn-ea"/>
+                <a:hlinkClick r:id="rId7" action="ppaction://hlinksldjump"/>
+              </a:rPr>
+              <a:t>.</a:t>
+            </a:r>
+            <a:r>
+              <a:rPr lang="en-US" altLang="zh-CN" dirty="0">
+                <a:solidFill>
+                  <a:srgbClr val="595959"/>
+                </a:solidFill>
+                <a:cs typeface="+mn-cs"/>
+                <a:sym typeface="+mn-ea"/>
+                <a:hlinkClick r:id="rId7" action="ppaction://hlinksldjump"/>
+              </a:rPr>
+              <a:t>7</a:t>
+            </a:r>
+            <a:r>
+              <a:rPr lang="zh-CN" altLang="en-US" dirty="0">
+                <a:solidFill>
+                  <a:srgbClr val="595959"/>
+                </a:solidFill>
+                <a:cs typeface="+mn-cs"/>
+                <a:sym typeface="+mn-ea"/>
+                <a:hlinkClick r:id="rId7" action="ppaction://hlinksldjump"/>
+              </a:rPr>
+              <a:t> 版本设置  </a:t>
+            </a:r>
+            <a:r>
+              <a:rPr lang="en-US" altLang="zh-CN" dirty="0">
+                <a:solidFill>
+                  <a:srgbClr val="595959"/>
+                </a:solidFill>
+                <a:ea typeface="+mn-ea"/>
+                <a:cs typeface="+mn-cs"/>
+                <a:sym typeface="宋体" panose="02010600030101010101" pitchFamily="2" charset="-122"/>
+                <a:hlinkClick r:id="rId7" action="ppaction://hlinksldjump"/>
+              </a:rPr>
+              <a:t>....................................................... </a:t>
+            </a:r>
+            <a:r>
+              <a:rPr lang="en-US" altLang="zh-CN" dirty="0">
+                <a:solidFill>
+                  <a:srgbClr val="595959"/>
+                </a:solidFill>
+                <a:ea typeface="+mn-ea"/>
+                <a:cs typeface="+mn-cs"/>
+                <a:sym typeface="宋体" panose="02010600030101010101" pitchFamily="2" charset="-122"/>
+                <a:hlinkClick r:id="rId9" action="ppaction://hlinksldjump"/>
+              </a:rPr>
+              <a:t>11</a:t>
+            </a:r>
+            <a:endParaRPr lang="en-US" altLang="zh-CN" kern="1200" baseline="0" dirty="0">
+              <a:solidFill>
+                <a:srgbClr val="595959"/>
+              </a:solidFill>
+              <a:latin typeface="微软雅黑" panose="020B0503020204020204" charset="-122"/>
+              <a:ea typeface="+mn-ea"/>
+              <a:cs typeface="+mn-cs"/>
+            </a:endParaRPr>
+          </a:p>
+          <a:p>
+            <a:pPr algn="just" defTabSz="685800">
+              <a:lnSpc>
+                <a:spcPct val="150000"/>
+              </a:lnSpc>
+            </a:pPr>
+            <a:r>
+              <a:rPr lang="en-US" altLang="zh-CN" kern="1200" baseline="0" dirty="0">
+                <a:solidFill>
+                  <a:srgbClr val="595959"/>
+                </a:solidFill>
+                <a:latin typeface="微软雅黑" panose="020B0503020204020204" charset="-122"/>
+                <a:ea typeface="+mn-ea"/>
+                <a:cs typeface="+mn-cs"/>
+              </a:rPr>
+              <a:t>4</a:t>
+            </a:r>
+            <a:r>
+              <a:rPr lang="zh-CN" altLang="en-US" kern="1200" baseline="0" dirty="0">
+                <a:solidFill>
+                  <a:srgbClr val="595959"/>
+                </a:solidFill>
+                <a:latin typeface="微软雅黑" panose="020B0503020204020204" charset="-122"/>
+                <a:ea typeface="微软雅黑" panose="020B0503020204020204" charset="-122"/>
+                <a:cs typeface="+mn-cs"/>
+              </a:rPr>
+              <a:t>、</a:t>
+            </a:r>
+            <a:r>
+              <a:rPr lang="zh-CN" altLang="en-US" kern="1200" baseline="0" dirty="0">
+                <a:solidFill>
+                  <a:srgbClr val="595959"/>
+                </a:solidFill>
+                <a:latin typeface="微软雅黑" panose="020B0503020204020204" charset="-122"/>
+                <a:ea typeface="微软雅黑" panose="020B0503020204020204" charset="-122"/>
+                <a:cs typeface="+mn-cs"/>
+                <a:hlinkClick r:id="rId8" action="ppaction://hlinksldjump"/>
+              </a:rPr>
+              <a:t>版本信息  </a:t>
+            </a:r>
+            <a:r>
+              <a:rPr lang="en-US" altLang="zh-CN" kern="1200" baseline="0" dirty="0">
+                <a:solidFill>
+                  <a:srgbClr val="595959"/>
+                </a:solidFill>
+                <a:latin typeface="微软雅黑" panose="020B0503020204020204" charset="-122"/>
+                <a:ea typeface="+mn-ea"/>
+                <a:cs typeface="+mn-cs"/>
+                <a:sym typeface="宋体" panose="02010600030101010101" pitchFamily="2" charset="-122"/>
+                <a:hlinkClick r:id="rId8" action="ppaction://hlinksldjump"/>
+              </a:rPr>
+              <a:t>............................................................... </a:t>
+            </a:r>
+            <a:r>
+              <a:rPr lang="zh-CN" altLang="en-US" dirty="0">
+                <a:solidFill>
+                  <a:srgbClr val="595959"/>
+                </a:solidFill>
+                <a:cs typeface="+mn-cs"/>
+                <a:sym typeface="宋体" panose="02010600030101010101" pitchFamily="2" charset="-122"/>
+                <a:hlinkClick r:id="rId10" action="ppaction://hlinksldjump"/>
+              </a:rPr>
+              <a:t>1</a:t>
+            </a:r>
+            <a:r>
+              <a:rPr lang="en-US" altLang="zh-CN" dirty="0">
+                <a:solidFill>
+                  <a:srgbClr val="595959"/>
+                </a:solidFill>
+                <a:cs typeface="+mn-cs"/>
+                <a:sym typeface="宋体" panose="02010600030101010101" pitchFamily="2" charset="-122"/>
+                <a:hlinkClick r:id="rId10" action="ppaction://hlinksldjump"/>
+              </a:rPr>
+              <a:t>2</a:t>
             </a:r>
             <a:endParaRPr lang="zh-CN" altLang="en-US" kern="1200" baseline="0" dirty="0">
               <a:solidFill>
@@ -9359,6 +10086,17 @@
               </a:lnSpc>
             </a:pPr>
             <a:r>
+              <a:rPr lang="en-US" altLang="zh-CN" kern="1200" baseline="0" dirty="0">
+                <a:solidFill>
+                  <a:srgbClr val="595959"/>
+                </a:solidFill>
+                <a:latin typeface="微软雅黑" panose="020B0503020204020204" charset="-122"/>
+                <a:ea typeface="微软雅黑" panose="020B0503020204020204" charset="-122"/>
+                <a:cs typeface="+mn-cs"/>
+              </a:rPr>
+              <a:t>5</a:t>
+            </a:r>
+            <a:r>
               <a:rPr lang="zh-CN" altLang="en-US" kern="1200" baseline="0" dirty="0">
                 <a:solidFill>
                   <a:srgbClr val="595959"/>
@@ -9367,7 +10105,19 @@
                 <a:ea typeface="微软雅黑" panose="020B0503020204020204" charset="-122"/>
                 <a:cs typeface="+mn-cs"/>
               </a:rPr>
-              <a:t>      </a:t>
+              <a:t>、</a:t>
+            </a:r>
+            <a:r>
+              <a:rPr lang="zh-CN" altLang="en-US" kern="1200" baseline="0" dirty="0">
+                <a:solidFill>
+                  <a:srgbClr val="595959"/>
+                </a:solidFill>
+                <a:latin typeface="微软雅黑" panose="020B0503020204020204" charset="-122"/>
+                <a:ea typeface="微软雅黑" panose="020B0503020204020204" charset="-122"/>
+                <a:cs typeface="+mn-cs"/>
+                <a:hlinkClick r:id="rId9" action="ppaction://hlinksldjump"/>
+              </a:rPr>
+              <a:t>扫描  </a:t>
             </a:r>
             <a:r>
               <a:rPr lang="en-US" altLang="zh-CN" kern="1200" baseline="0" dirty="0">
@@ -9377,614 +10127,21 @@
                 <a:latin typeface="微软雅黑" panose="020B0503020204020204" charset="-122"/>
                 <a:ea typeface="+mn-ea"/>
                 <a:cs typeface="+mn-cs"/>
-                <a:hlinkClick r:id="rId6" action="ppaction://hlinksldjump"/>
-              </a:rPr>
-              <a:t>3</a:t>
-            </a:r>
-            <a:r>
-              <a:rPr lang="zh-CN" altLang="en-US" kern="1200" baseline="0" dirty="0">
+                <a:sym typeface="宋体" panose="02010600030101010101" pitchFamily="2" charset="-122"/>
+                <a:hlinkClick r:id="rId9" action="ppaction://hlinksldjump"/>
+              </a:rPr>
+              <a:t>....................................................................... 1</a:t>
+            </a:r>
+            <a:r>
+              <a:rPr lang="en-US" altLang="zh-CN" dirty="0">
                 <a:solidFill>
                   <a:srgbClr val="595959"/>
                 </a:solidFill>
-                <a:latin typeface="微软雅黑" panose="020B0503020204020204" charset="-122"/>
-                <a:ea typeface="微软雅黑" panose="020B0503020204020204" charset="-122"/>
-                <a:cs typeface="+mn-cs"/>
-                <a:hlinkClick r:id="rId6" action="ppaction://hlinksldjump"/>
-              </a:rPr>
-              <a:t>.3 输出设置</a:t>
-            </a:r>
-            <a:r>
-              <a:rPr lang="zh-CN" altLang="en-US" kern="1200" baseline="0" dirty="0">
-                <a:solidFill>
-                  <a:srgbClr val="595959"/>
-                </a:solidFill>
-                <a:latin typeface="微软雅黑" panose="020B0503020204020204" charset="-122"/>
-                <a:ea typeface="微软雅黑" panose="020B0503020204020204" charset="-122"/>
-                <a:cs typeface="+mn-cs"/>
-                <a:hlinkClick r:id="rId6" action="ppaction://hlinksldjump"/>
-              </a:rPr>
-              <a:t>  </a:t>
-            </a:r>
-            <a:r>
-              <a:rPr lang="en-US" altLang="zh-CN" kern="1200" baseline="0" dirty="0">
-                <a:solidFill>
-                  <a:srgbClr val="595959"/>
-                </a:solidFill>
-                <a:latin typeface="微软雅黑" panose="020B0503020204020204" charset="-122"/>
-                <a:ea typeface="+mn-ea"/>
-                <a:cs typeface="+mn-cs"/>
-                <a:sym typeface="宋体" panose="02010600030101010101" pitchFamily="2" charset="-122"/>
-                <a:hlinkClick r:id="rId6" action="ppaction://hlinksldjump"/>
-              </a:rPr>
-              <a:t>......................................................... </a:t>
-            </a:r>
-            <a:r>
-              <a:rPr lang="en-US" altLang="zh-CN" kern="1200" baseline="0" dirty="0">
-                <a:solidFill>
-                  <a:srgbClr val="595959"/>
-                </a:solidFill>
-                <a:latin typeface="微软雅黑" panose="020B0503020204020204" charset="-122"/>
-                <a:ea typeface="+mn-ea"/>
-                <a:cs typeface="+mn-cs"/>
-                <a:hlinkClick r:id="rId6" action="ppaction://hlinksldjump"/>
-              </a:rPr>
-              <a:t>9</a:t>
-            </a:r>
-            <a:endParaRPr lang="en-US" altLang="zh-CN" kern="1200" baseline="0" dirty="0">
-              <a:solidFill>
-                <a:srgbClr val="595959"/>
-              </a:solidFill>
-              <a:latin typeface="微软雅黑" panose="020B0503020204020204" charset="-122"/>
-              <a:ea typeface="+mn-ea"/>
-              <a:cs typeface="+mn-cs"/>
-              <a:hlinkClick r:id="rId6" action="ppaction://hlinksldjump"/>
-            </a:endParaRPr>
-          </a:p>
-          <a:p>
-            <a:pPr algn="just" defTabSz="685800">
-              <a:lnSpc>
-                <a:spcPct val="150000"/>
-              </a:lnSpc>
-            </a:pPr>
-            <a:r>
-              <a:rPr lang="en-US" altLang="zh-CN" dirty="0">
-                <a:solidFill>
-                  <a:srgbClr val="595959"/>
-                </a:solidFill>
-                <a:ea typeface="+mn-ea"/>
                 <a:cs typeface="+mn-cs"/>
                 <a:sym typeface="+mn-ea"/>
-              </a:rPr>
-              <a:t>      </a:t>
-            </a:r>
-            <a:r>
-              <a:rPr lang="en-US" altLang="zh-CN" dirty="0">
-                <a:solidFill>
-                  <a:srgbClr val="595959"/>
-                </a:solidFill>
-                <a:ea typeface="+mn-ea"/>
-                <a:cs typeface="+mn-cs"/>
-                <a:sym typeface="+mn-ea"/>
-                <a:hlinkClick r:id="rId6" action="ppaction://hlinksldjump"/>
+                <a:hlinkClick r:id="rId2" action="ppaction://hlinksldjump"/>
               </a:rPr>
               <a:t>3</a:t>
-            </a:r>
-            <a:r>
-              <a:rPr lang="zh-CN" altLang="en-US" dirty="0">
-                <a:solidFill>
-                  <a:srgbClr val="595959"/>
-                </a:solidFill>
-                <a:cs typeface="+mn-cs"/>
-                <a:sym typeface="+mn-ea"/>
-                <a:hlinkClick r:id="rId6" action="ppaction://hlinksldjump"/>
-              </a:rPr>
-              <a:t>.</a:t>
-            </a:r>
-            <a:r>
-              <a:rPr lang="en-US" altLang="zh-CN" dirty="0">
-                <a:solidFill>
-                  <a:srgbClr val="595959"/>
-                </a:solidFill>
-                <a:cs typeface="+mn-cs"/>
-                <a:sym typeface="+mn-ea"/>
-                <a:hlinkClick r:id="rId6" action="ppaction://hlinksldjump"/>
-              </a:rPr>
-              <a:t>4</a:t>
-            </a:r>
-            <a:r>
-              <a:rPr lang="zh-CN" altLang="en-US" dirty="0">
-                <a:solidFill>
-                  <a:srgbClr val="595959"/>
-                </a:solidFill>
-                <a:cs typeface="+mn-cs"/>
-                <a:sym typeface="+mn-ea"/>
-                <a:hlinkClick r:id="rId6" action="ppaction://hlinksldjump"/>
-              </a:rPr>
-              <a:t> </a:t>
-            </a:r>
-            <a:r>
-              <a:rPr lang="en-US" altLang="zh-CN" dirty="0">
-                <a:solidFill>
-                  <a:srgbClr val="595959"/>
-                </a:solidFill>
-                <a:cs typeface="+mn-cs"/>
-                <a:sym typeface="+mn-ea"/>
-                <a:hlinkClick r:id="rId6" action="ppaction://hlinksldjump"/>
-              </a:rPr>
-              <a:t>PLC</a:t>
-            </a:r>
-            <a:r>
-              <a:rPr lang="zh-CN" altLang="en-US" dirty="0">
-                <a:solidFill>
-                  <a:srgbClr val="595959"/>
-                </a:solidFill>
-                <a:cs typeface="+mn-cs"/>
-                <a:sym typeface="+mn-ea"/>
-                <a:hlinkClick r:id="rId6" action="ppaction://hlinksldjump"/>
-              </a:rPr>
-              <a:t>设置</a:t>
-            </a:r>
-            <a:r>
-              <a:rPr lang="zh-CN" altLang="en-US" dirty="0">
-                <a:solidFill>
-                  <a:srgbClr val="595959"/>
-                </a:solidFill>
-                <a:cs typeface="+mn-cs"/>
-                <a:sym typeface="+mn-ea"/>
-                <a:hlinkClick r:id="rId6" action="ppaction://hlinksldjump"/>
-              </a:rPr>
-              <a:t>   </a:t>
-            </a:r>
-            <a:r>
-              <a:rPr lang="en-US" altLang="zh-CN" dirty="0">
-                <a:solidFill>
-                  <a:srgbClr val="595959"/>
-                </a:solidFill>
-                <a:ea typeface="+mn-ea"/>
-                <a:cs typeface="+mn-cs"/>
-                <a:sym typeface="宋体" panose="02010600030101010101" pitchFamily="2" charset="-122"/>
-                <a:hlinkClick r:id="rId6" action="ppaction://hlinksldjump"/>
-              </a:rPr>
-              <a:t>......................................................... </a:t>
-            </a:r>
-            <a:r>
-              <a:rPr lang="en-US" altLang="zh-CN" dirty="0">
-                <a:solidFill>
-                  <a:srgbClr val="595959"/>
-                </a:solidFill>
-                <a:ea typeface="+mn-ea"/>
-                <a:cs typeface="+mn-cs"/>
-                <a:sym typeface="+mn-ea"/>
-                <a:hlinkClick r:id="rId6" action="ppaction://hlinksldjump"/>
-              </a:rPr>
-              <a:t>9</a:t>
-            </a:r>
-            <a:endParaRPr lang="en-US" altLang="zh-CN" dirty="0">
-              <a:solidFill>
-                <a:srgbClr val="595959"/>
-              </a:solidFill>
-              <a:ea typeface="+mn-ea"/>
-              <a:cs typeface="+mn-cs"/>
-              <a:sym typeface="+mn-ea"/>
-              <a:hlinkClick r:id="rId6" action="ppaction://hlinksldjump"/>
-            </a:endParaRPr>
-          </a:p>
-          <a:p>
-            <a:pPr algn="just" defTabSz="685800">
-              <a:lnSpc>
-                <a:spcPct val="150000"/>
-              </a:lnSpc>
-            </a:pPr>
-            <a:r>
-              <a:rPr lang="en-US" altLang="zh-CN" dirty="0">
-                <a:solidFill>
-                  <a:srgbClr val="595959"/>
-                </a:solidFill>
-                <a:ea typeface="+mn-ea"/>
-                <a:cs typeface="+mn-cs"/>
-                <a:sym typeface="+mn-ea"/>
-              </a:rPr>
-              <a:t>      </a:t>
-            </a:r>
-            <a:r>
-              <a:rPr lang="en-US" altLang="zh-CN" dirty="0">
-                <a:solidFill>
-                  <a:srgbClr val="595959"/>
-                </a:solidFill>
-                <a:ea typeface="+mn-ea"/>
-                <a:cs typeface="+mn-cs"/>
-                <a:sym typeface="+mn-ea"/>
-                <a:hlinkClick r:id="rId6" action="ppaction://hlinksldjump"/>
-              </a:rPr>
-              <a:t>3</a:t>
-            </a:r>
-            <a:r>
-              <a:rPr lang="zh-CN" altLang="en-US" dirty="0">
-                <a:solidFill>
-                  <a:srgbClr val="595959"/>
-                </a:solidFill>
-                <a:cs typeface="+mn-cs"/>
-                <a:sym typeface="+mn-ea"/>
-                <a:hlinkClick r:id="rId6" action="ppaction://hlinksldjump"/>
-              </a:rPr>
-              <a:t>.</a:t>
-            </a:r>
-            <a:r>
-              <a:rPr lang="en-US" altLang="zh-CN" dirty="0">
-                <a:solidFill>
-                  <a:srgbClr val="595959"/>
-                </a:solidFill>
-                <a:cs typeface="+mn-cs"/>
-                <a:sym typeface="+mn-ea"/>
-                <a:hlinkClick r:id="rId6" action="ppaction://hlinksldjump"/>
-              </a:rPr>
-              <a:t>5</a:t>
-            </a:r>
-            <a:r>
-              <a:rPr lang="zh-CN" altLang="en-US" dirty="0">
-                <a:solidFill>
-                  <a:srgbClr val="595959"/>
-                </a:solidFill>
-                <a:cs typeface="+mn-cs"/>
-                <a:sym typeface="+mn-ea"/>
-                <a:hlinkClick r:id="rId6" action="ppaction://hlinksldjump"/>
-              </a:rPr>
-              <a:t> 触发设置</a:t>
-            </a:r>
-            <a:r>
-              <a:rPr lang="zh-CN" altLang="en-US" dirty="0">
-                <a:solidFill>
-                  <a:srgbClr val="595959"/>
-                </a:solidFill>
-                <a:cs typeface="+mn-cs"/>
-                <a:sym typeface="+mn-ea"/>
-                <a:hlinkClick r:id="rId6" action="ppaction://hlinksldjump"/>
-              </a:rPr>
-              <a:t>  </a:t>
-            </a:r>
-            <a:r>
-              <a:rPr lang="en-US" altLang="zh-CN" dirty="0">
-                <a:solidFill>
-                  <a:srgbClr val="595959"/>
-                </a:solidFill>
-                <a:ea typeface="+mn-ea"/>
-                <a:cs typeface="+mn-cs"/>
-                <a:sym typeface="宋体" panose="02010600030101010101" pitchFamily="2" charset="-122"/>
-                <a:hlinkClick r:id="rId6" action="ppaction://hlinksldjump"/>
-              </a:rPr>
-              <a:t>........................................................</a:t>
-            </a:r>
-            <a:r>
-              <a:rPr lang="zh-CN" altLang="en-US" dirty="0">
-                <a:solidFill>
-                  <a:srgbClr val="595959"/>
-                </a:solidFill>
-                <a:cs typeface="+mn-cs"/>
-                <a:sym typeface="+mn-ea"/>
-                <a:hlinkClick r:id="rId7" action="ppaction://hlinksldjump"/>
-              </a:rPr>
-              <a:t>1</a:t>
-            </a:r>
-            <a:r>
-              <a:rPr lang="en-US" altLang="zh-CN" dirty="0">
-                <a:solidFill>
-                  <a:srgbClr val="595959"/>
-                </a:solidFill>
-                <a:ea typeface="+mn-ea"/>
-                <a:cs typeface="+mn-cs"/>
-                <a:sym typeface="+mn-ea"/>
-                <a:hlinkClick r:id="rId7" action="ppaction://hlinksldjump"/>
-              </a:rPr>
-              <a:t>0</a:t>
-            </a:r>
-            <a:endParaRPr lang="en-US" altLang="zh-CN" dirty="0">
-              <a:solidFill>
-                <a:srgbClr val="595959"/>
-              </a:solidFill>
-              <a:ea typeface="+mn-ea"/>
-              <a:cs typeface="+mn-cs"/>
-              <a:sym typeface="+mn-ea"/>
-              <a:hlinkClick r:id="rId6" action="ppaction://hlinksldjump"/>
-            </a:endParaRPr>
-          </a:p>
-          <a:p>
-            <a:pPr algn="just" defTabSz="685800">
-              <a:lnSpc>
-                <a:spcPct val="150000"/>
-              </a:lnSpc>
-            </a:pPr>
-            <a:r>
-              <a:rPr lang="en-US" altLang="zh-CN" dirty="0">
-                <a:solidFill>
-                  <a:srgbClr val="595959"/>
-                </a:solidFill>
-                <a:ea typeface="+mn-ea"/>
-                <a:cs typeface="+mn-cs"/>
-                <a:sym typeface="+mn-ea"/>
-              </a:rPr>
-              <a:t>      </a:t>
-            </a:r>
-            <a:r>
-              <a:rPr lang="en-US" altLang="zh-CN" dirty="0">
-                <a:solidFill>
-                  <a:srgbClr val="595959"/>
-                </a:solidFill>
-                <a:ea typeface="+mn-ea"/>
-                <a:cs typeface="+mn-cs"/>
-                <a:sym typeface="+mn-ea"/>
-                <a:hlinkClick r:id="rId6" action="ppaction://hlinksldjump"/>
-              </a:rPr>
-              <a:t>3</a:t>
-            </a:r>
-            <a:r>
-              <a:rPr lang="zh-CN" altLang="en-US" dirty="0">
-                <a:solidFill>
-                  <a:srgbClr val="595959"/>
-                </a:solidFill>
-                <a:cs typeface="+mn-cs"/>
-                <a:sym typeface="+mn-ea"/>
-                <a:hlinkClick r:id="rId6" action="ppaction://hlinksldjump"/>
-              </a:rPr>
-              <a:t>.</a:t>
-            </a:r>
-            <a:r>
-              <a:rPr lang="en-US" altLang="zh-CN" dirty="0">
-                <a:solidFill>
-                  <a:srgbClr val="595959"/>
-                </a:solidFill>
-                <a:cs typeface="+mn-cs"/>
-                <a:sym typeface="+mn-ea"/>
-                <a:hlinkClick r:id="rId6" action="ppaction://hlinksldjump"/>
-              </a:rPr>
-              <a:t>6</a:t>
-            </a:r>
-            <a:r>
-              <a:rPr lang="zh-CN" altLang="en-US" dirty="0">
-                <a:solidFill>
-                  <a:srgbClr val="595959"/>
-                </a:solidFill>
-                <a:cs typeface="+mn-cs"/>
-                <a:sym typeface="+mn-ea"/>
-                <a:hlinkClick r:id="rId6" action="ppaction://hlinksldjump"/>
-              </a:rPr>
-              <a:t> 时间设置</a:t>
-            </a:r>
-            <a:r>
-              <a:rPr lang="zh-CN" altLang="en-US" dirty="0">
-                <a:solidFill>
-                  <a:srgbClr val="595959"/>
-                </a:solidFill>
-                <a:cs typeface="+mn-cs"/>
-                <a:sym typeface="+mn-ea"/>
-                <a:hlinkClick r:id="rId6" action="ppaction://hlinksldjump"/>
-              </a:rPr>
-              <a:t>  </a:t>
-            </a:r>
-            <a:r>
-              <a:rPr lang="en-US" altLang="zh-CN" dirty="0">
-                <a:solidFill>
-                  <a:srgbClr val="595959"/>
-                </a:solidFill>
-                <a:ea typeface="+mn-ea"/>
-                <a:cs typeface="+mn-cs"/>
-                <a:sym typeface="宋体" panose="02010600030101010101" pitchFamily="2" charset="-122"/>
-                <a:hlinkClick r:id="rId6" action="ppaction://hlinksldjump"/>
-              </a:rPr>
-              <a:t>........................................................</a:t>
-            </a:r>
-            <a:r>
-              <a:rPr lang="zh-CN" altLang="en-US" dirty="0">
-                <a:solidFill>
-                  <a:srgbClr val="595959"/>
-                </a:solidFill>
-                <a:cs typeface="+mn-cs"/>
-                <a:sym typeface="+mn-ea"/>
-                <a:hlinkClick r:id="rId7" action="ppaction://hlinksldjump"/>
-              </a:rPr>
-              <a:t>1</a:t>
-            </a:r>
-            <a:r>
-              <a:rPr lang="en-US" altLang="zh-CN" dirty="0">
-                <a:solidFill>
-                  <a:srgbClr val="595959"/>
-                </a:solidFill>
-                <a:ea typeface="+mn-ea"/>
-                <a:cs typeface="+mn-cs"/>
-                <a:sym typeface="+mn-ea"/>
-                <a:hlinkClick r:id="rId7" action="ppaction://hlinksldjump"/>
-              </a:rPr>
-              <a:t>0</a:t>
-            </a:r>
-            <a:endParaRPr lang="en-US" altLang="zh-CN" dirty="0">
-              <a:solidFill>
-                <a:srgbClr val="595959"/>
-              </a:solidFill>
-              <a:ea typeface="+mn-ea"/>
-              <a:cs typeface="+mn-cs"/>
-              <a:sym typeface="+mn-ea"/>
-              <a:hlinkClick r:id="rId6" action="ppaction://hlinksldjump"/>
-            </a:endParaRPr>
-          </a:p>
-          <a:p>
-            <a:pPr algn="just" defTabSz="685800">
-              <a:lnSpc>
-                <a:spcPct val="150000"/>
-              </a:lnSpc>
-            </a:pPr>
-            <a:r>
-              <a:rPr lang="en-US" altLang="zh-CN" dirty="0">
-                <a:solidFill>
-                  <a:srgbClr val="595959"/>
-                </a:solidFill>
-                <a:ea typeface="+mn-ea"/>
-                <a:cs typeface="+mn-cs"/>
-                <a:sym typeface="+mn-ea"/>
-              </a:rPr>
-              <a:t>      </a:t>
-            </a:r>
-            <a:r>
-              <a:rPr lang="en-US" altLang="zh-CN" dirty="0">
-                <a:solidFill>
-                  <a:srgbClr val="595959"/>
-                </a:solidFill>
-                <a:ea typeface="+mn-ea"/>
-                <a:cs typeface="+mn-cs"/>
-                <a:sym typeface="+mn-ea"/>
-                <a:hlinkClick r:id="rId6" action="ppaction://hlinksldjump"/>
-              </a:rPr>
-              <a:t>3</a:t>
-            </a:r>
-            <a:r>
-              <a:rPr lang="zh-CN" altLang="en-US" dirty="0">
-                <a:solidFill>
-                  <a:srgbClr val="595959"/>
-                </a:solidFill>
-                <a:cs typeface="+mn-cs"/>
-                <a:sym typeface="+mn-ea"/>
-                <a:hlinkClick r:id="rId6" action="ppaction://hlinksldjump"/>
-              </a:rPr>
-              <a:t>.</a:t>
-            </a:r>
-            <a:r>
-              <a:rPr lang="en-US" altLang="zh-CN" dirty="0">
-                <a:solidFill>
-                  <a:srgbClr val="595959"/>
-                </a:solidFill>
-                <a:cs typeface="+mn-cs"/>
-                <a:sym typeface="+mn-ea"/>
-                <a:hlinkClick r:id="rId6" action="ppaction://hlinksldjump"/>
-              </a:rPr>
-              <a:t>7</a:t>
-            </a:r>
-            <a:r>
-              <a:rPr lang="zh-CN" altLang="en-US" dirty="0">
-                <a:solidFill>
-                  <a:srgbClr val="595959"/>
-                </a:solidFill>
-                <a:cs typeface="+mn-cs"/>
-                <a:sym typeface="+mn-ea"/>
-                <a:hlinkClick r:id="rId6" action="ppaction://hlinksldjump"/>
-              </a:rPr>
-              <a:t> 版本设置</a:t>
-            </a:r>
-            <a:r>
-              <a:rPr lang="zh-CN" altLang="en-US" dirty="0">
-                <a:solidFill>
-                  <a:srgbClr val="595959"/>
-                </a:solidFill>
-                <a:cs typeface="+mn-cs"/>
-                <a:sym typeface="+mn-ea"/>
-                <a:hlinkClick r:id="rId6" action="ppaction://hlinksldjump"/>
-              </a:rPr>
-              <a:t>  </a:t>
-            </a:r>
-            <a:r>
-              <a:rPr lang="en-US" altLang="zh-CN" dirty="0">
-                <a:solidFill>
-                  <a:srgbClr val="595959"/>
-                </a:solidFill>
-                <a:ea typeface="+mn-ea"/>
-                <a:cs typeface="+mn-cs"/>
-                <a:sym typeface="宋体" panose="02010600030101010101" pitchFamily="2" charset="-122"/>
-                <a:hlinkClick r:id="rId6" action="ppaction://hlinksldjump"/>
-              </a:rPr>
-              <a:t>....................................................... </a:t>
-            </a:r>
-            <a:r>
-              <a:rPr lang="en-US" altLang="zh-CN" dirty="0">
-                <a:solidFill>
-                  <a:srgbClr val="595959"/>
-                </a:solidFill>
-                <a:ea typeface="+mn-ea"/>
-                <a:cs typeface="+mn-cs"/>
-                <a:sym typeface="宋体" panose="02010600030101010101" pitchFamily="2" charset="-122"/>
-                <a:hlinkClick r:id="rId8" action="ppaction://hlinksldjump"/>
-              </a:rPr>
-              <a:t>11</a:t>
-            </a:r>
-            <a:endParaRPr lang="en-US" altLang="zh-CN" kern="1200" baseline="0" dirty="0">
-              <a:solidFill>
-                <a:srgbClr val="595959"/>
-              </a:solidFill>
-              <a:latin typeface="微软雅黑" panose="020B0503020204020204" charset="-122"/>
-              <a:ea typeface="+mn-ea"/>
-              <a:cs typeface="+mn-cs"/>
-            </a:endParaRPr>
-          </a:p>
-          <a:p>
-            <a:pPr algn="just" defTabSz="685800">
-              <a:lnSpc>
-                <a:spcPct val="150000"/>
-              </a:lnSpc>
-            </a:pPr>
-            <a:r>
-              <a:rPr lang="en-US" altLang="zh-CN" kern="1200" baseline="0" dirty="0">
-                <a:solidFill>
-                  <a:srgbClr val="595959"/>
-                </a:solidFill>
-                <a:latin typeface="微软雅黑" panose="020B0503020204020204" charset="-122"/>
-                <a:ea typeface="+mn-ea"/>
-                <a:cs typeface="+mn-cs"/>
-              </a:rPr>
-              <a:t>4</a:t>
-            </a:r>
-            <a:r>
-              <a:rPr lang="zh-CN" altLang="en-US" kern="1200" baseline="0" dirty="0">
-                <a:solidFill>
-                  <a:srgbClr val="595959"/>
-                </a:solidFill>
-                <a:latin typeface="微软雅黑" panose="020B0503020204020204" charset="-122"/>
-                <a:ea typeface="微软雅黑" panose="020B0503020204020204" charset="-122"/>
-                <a:cs typeface="+mn-cs"/>
-              </a:rPr>
-              <a:t>、</a:t>
-            </a:r>
-            <a:r>
-              <a:rPr lang="zh-CN" altLang="en-US" kern="1200" baseline="0" dirty="0">
-                <a:solidFill>
-                  <a:srgbClr val="595959"/>
-                </a:solidFill>
-                <a:latin typeface="微软雅黑" panose="020B0503020204020204" charset="-122"/>
-                <a:ea typeface="微软雅黑" panose="020B0503020204020204" charset="-122"/>
-                <a:cs typeface="+mn-cs"/>
-                <a:hlinkClick r:id="rId7" action="ppaction://hlinksldjump"/>
-              </a:rPr>
-              <a:t>版本信息  </a:t>
-            </a:r>
-            <a:r>
-              <a:rPr lang="en-US" altLang="zh-CN" kern="1200" baseline="0" dirty="0">
-                <a:solidFill>
-                  <a:srgbClr val="595959"/>
-                </a:solidFill>
-                <a:latin typeface="微软雅黑" panose="020B0503020204020204" charset="-122"/>
-                <a:ea typeface="+mn-ea"/>
-                <a:cs typeface="+mn-cs"/>
-                <a:sym typeface="宋体" panose="02010600030101010101" pitchFamily="2" charset="-122"/>
-                <a:hlinkClick r:id="rId7" action="ppaction://hlinksldjump"/>
-              </a:rPr>
-              <a:t>............................................................... </a:t>
-            </a:r>
-            <a:r>
-              <a:rPr lang="zh-CN" altLang="en-US" dirty="0">
-                <a:solidFill>
-                  <a:srgbClr val="595959"/>
-                </a:solidFill>
-                <a:cs typeface="+mn-cs"/>
-                <a:sym typeface="宋体" panose="02010600030101010101" pitchFamily="2" charset="-122"/>
-                <a:hlinkClick r:id="rId9" action="ppaction://hlinksldjump"/>
-              </a:rPr>
-              <a:t>1</a:t>
-            </a:r>
-            <a:r>
-              <a:rPr lang="en-US" altLang="zh-CN" dirty="0">
-                <a:solidFill>
-                  <a:srgbClr val="595959"/>
-                </a:solidFill>
-                <a:cs typeface="+mn-cs"/>
-                <a:sym typeface="宋体" panose="02010600030101010101" pitchFamily="2" charset="-122"/>
-                <a:hlinkClick r:id="rId9" action="ppaction://hlinksldjump"/>
-              </a:rPr>
-              <a:t>2</a:t>
             </a:r>
             <a:endParaRPr lang="zh-CN" altLang="en-US" kern="1200" baseline="0" dirty="0">
               <a:solidFill>
@@ -10002,6 +10159,17 @@
               </a:lnSpc>
             </a:pPr>
             <a:r>
+              <a:rPr lang="zh-CN" altLang="en-US" kern="1200" baseline="0" dirty="0">
+                <a:solidFill>
+                  <a:srgbClr val="595959"/>
+                </a:solidFill>
+                <a:latin typeface="微软雅黑" panose="020B0503020204020204" charset="-122"/>
+                <a:ea typeface="微软雅黑" panose="020B0503020204020204" charset="-122"/>
+                <a:cs typeface="+mn-cs"/>
+              </a:rPr>
+              <a:t>      </a:t>
+            </a:r>
+            <a:r>
               <a:rPr lang="en-US" altLang="zh-CN" kern="1200" baseline="0" dirty="0">
                 <a:solidFill>
                   <a:srgbClr val="595959"/>
@@ -10009,6 +10177,7 @@
                 <a:latin typeface="微软雅黑" panose="020B0503020204020204" charset="-122"/>
                 <a:ea typeface="微软雅黑" panose="020B0503020204020204" charset="-122"/>
                 <a:cs typeface="+mn-cs"/>
+                <a:hlinkClick r:id="rId9" action="ppaction://hlinksldjump"/>
               </a:rPr>
               <a:t>5</a:t>
             </a:r>
@@ -10020,20 +10189,9 @@
                 <a:latin typeface="微软雅黑" panose="020B0503020204020204" charset="-122"/>
                 <a:ea typeface="微软雅黑" panose="020B0503020204020204" charset="-122"/>
                 <a:cs typeface="+mn-cs"/>
-              </a:rPr>
-              <a:t>、</a:t>
-            </a:r>
-            <a:r>
-              <a:rPr lang="zh-CN" altLang="en-US" kern="1200" baseline="0" dirty="0">
-                <a:solidFill>
-                  <a:srgbClr val="595959"/>
-                </a:solidFill>
-                <a:latin typeface="微软雅黑" panose="020B0503020204020204" charset="-122"/>
-                <a:ea typeface="微软雅黑" panose="020B0503020204020204" charset="-122"/>
-                <a:cs typeface="+mn-cs"/>
-                <a:hlinkClick r:id="rId8" action="ppaction://hlinksldjump"/>
-              </a:rPr>
-              <a:t>扫描  </a:t>
+                <a:hlinkClick r:id="rId9" action="ppaction://hlinksldjump"/>
+              </a:rPr>
+              <a:t>.1 扫描界面简介  </a:t>
             </a:r>
             <a:r>
               <a:rPr lang="en-US" altLang="zh-CN" kern="1200" baseline="0" dirty="0">
@@ -10044,9 +10202,9 @@
                 <a:ea typeface="+mn-ea"/>
                 <a:cs typeface="+mn-cs"/>
                 <a:sym typeface="宋体" panose="02010600030101010101" pitchFamily="2" charset="-122"/>
-                <a:hlinkClick r:id="rId8" action="ppaction://hlinksldjump"/>
-              </a:rPr>
-              <a:t>....................................................................... 1</a:t>
+                <a:hlinkClick r:id="rId9" action="ppaction://hlinksldjump"/>
+              </a:rPr>
+              <a:t>............................................... 1</a:t>
             </a:r>
             <a:r>
               <a:rPr lang="en-US" altLang="zh-CN" dirty="0">
@@ -10055,7 +10213,7 @@
                 </a:solidFill>
                 <a:cs typeface="+mn-cs"/>
                 <a:sym typeface="+mn-ea"/>
-                <a:hlinkClick r:id="rId1" action="ppaction://hlinksldjump"/>
+                <a:hlinkClick r:id="rId2" action="ppaction://hlinksldjump"/>
               </a:rPr>
               <a:t>3</a:t>
             </a:r>
@@ -10083,7 +10241,19 @@
                 <a:ea typeface="微软雅黑" panose="020B0503020204020204" charset="-122"/>
                 <a:cs typeface="+mn-cs"/>
               </a:rPr>
-              <a:t>      </a:t>
+              <a:t>     </a:t>
+            </a:r>
+            <a:r>
+              <a:rPr lang="zh-CN" altLang="en-US" kern="1200" baseline="0" dirty="0">
+                <a:solidFill>
+                  <a:srgbClr val="595959"/>
+                </a:solidFill>
+                <a:latin typeface="微软雅黑" panose="020B0503020204020204" charset="-122"/>
+                <a:ea typeface="微软雅黑" panose="020B0503020204020204" charset="-122"/>
+                <a:cs typeface="+mn-cs"/>
+                <a:hlinkClick r:id="rId10" action="ppaction://hlinksldjump"/>
+              </a:rPr>
+              <a:t> </a:t>
             </a:r>
             <a:r>
               <a:rPr lang="en-US" altLang="zh-CN" kern="1200" baseline="0" dirty="0">
@@ -10093,7 +10263,7 @@
                 <a:latin typeface="微软雅黑" panose="020B0503020204020204" charset="-122"/>
                 <a:ea typeface="微软雅黑" panose="020B0503020204020204" charset="-122"/>
                 <a:cs typeface="+mn-cs"/>
-                <a:hlinkClick r:id="rId8" action="ppaction://hlinksldjump"/>
+                <a:hlinkClick r:id="rId10" action="ppaction://hlinksldjump"/>
               </a:rPr>
               <a:t>5</a:t>
             </a:r>
@@ -10105,9 +10275,33 @@
                 <a:latin typeface="微软雅黑" panose="020B0503020204020204" charset="-122"/>
                 <a:ea typeface="微软雅黑" panose="020B0503020204020204" charset="-122"/>
                 <a:cs typeface="+mn-cs"/>
-                <a:hlinkClick r:id="rId8" action="ppaction://hlinksldjump"/>
-              </a:rPr>
-              <a:t>.1 扫描界面简介  </a:t>
+                <a:hlinkClick r:id="rId10" action="ppaction://hlinksldjump"/>
+              </a:rPr>
+              <a:t>.</a:t>
+            </a:r>
+            <a:r>
+              <a:rPr lang="en-US" altLang="zh-CN" kern="1200" baseline="0" dirty="0">
+                <a:solidFill>
+                  <a:srgbClr val="595959"/>
+                </a:solidFill>
+                <a:latin typeface="微软雅黑" panose="020B0503020204020204" charset="-122"/>
+                <a:ea typeface="微软雅黑" panose="020B0503020204020204" charset="-122"/>
+                <a:cs typeface="+mn-cs"/>
+                <a:hlinkClick r:id="rId10" action="ppaction://hlinksldjump"/>
+              </a:rPr>
+              <a:t>2</a:t>
+            </a:r>
+            <a:r>
+              <a:rPr lang="zh-CN" altLang="en-US" kern="1200" baseline="0" dirty="0">
+                <a:solidFill>
+                  <a:srgbClr val="595959"/>
+                </a:solidFill>
+                <a:latin typeface="微软雅黑" panose="020B0503020204020204" charset="-122"/>
+                <a:ea typeface="微软雅黑" panose="020B0503020204020204" charset="-122"/>
+                <a:cs typeface="+mn-cs"/>
+                <a:hlinkClick r:id="rId10" action="ppaction://hlinksldjump"/>
+              </a:rPr>
+              <a:t> 操作步骤  </a:t>
             </a:r>
             <a:r>
               <a:rPr lang="en-US" altLang="zh-CN" kern="1200" baseline="0" dirty="0">
@@ -10118,9 +10312,22 @@
                 <a:ea typeface="+mn-ea"/>
                 <a:cs typeface="+mn-cs"/>
                 <a:sym typeface="宋体" panose="02010600030101010101" pitchFamily="2" charset="-122"/>
-                <a:hlinkClick r:id="rId8" action="ppaction://hlinksldjump"/>
-              </a:rPr>
-              <a:t>............................................... 1</a:t>
+                <a:hlinkClick r:id="rId10" action="ppaction://hlinksldjump"/>
+              </a:rPr>
+              <a:t>....................................................... </a:t>
+            </a:r>
+            <a:r>
+              <a:rPr lang="zh-CN" altLang="en-US" kern="1200" baseline="0" dirty="0">
+                <a:solidFill>
+                  <a:srgbClr val="595959"/>
+                </a:solidFill>
+                <a:latin typeface="微软雅黑" panose="020B0503020204020204" charset="-122"/>
+                <a:ea typeface="微软雅黑" panose="020B0503020204020204" charset="-122"/>
+                <a:cs typeface="+mn-cs"/>
+                <a:sym typeface="宋体" panose="02010600030101010101" pitchFamily="2" charset="-122"/>
+                <a:hlinkClick r:id="rId10" action="ppaction://hlinksldjump"/>
+              </a:rPr>
+              <a:t>1</a:t>
             </a:r>
             <a:r>
               <a:rPr lang="en-US" altLang="zh-CN" dirty="0">
@@ -10129,9 +10336,85 @@
                 </a:solidFill>
                 <a:cs typeface="+mn-cs"/>
                 <a:sym typeface="+mn-ea"/>
-                <a:hlinkClick r:id="rId1" action="ppaction://hlinksldjump"/>
-              </a:rPr>
-              <a:t>3</a:t>
+                <a:hlinkClick r:id="rId3" action="ppaction://hlinksldjump"/>
+              </a:rPr>
+              <a:t>4</a:t>
+            </a:r>
+            <a:endParaRPr lang="zh-CN" altLang="en-US" kern="1200" baseline="0" dirty="0">
+              <a:solidFill>
+                <a:srgbClr val="595959"/>
+              </a:solidFill>
+              <a:latin typeface="微软雅黑" panose="020B0503020204020204" charset="-122"/>
+              <a:ea typeface="微软雅黑" panose="020B0503020204020204" charset="-122"/>
+              <a:cs typeface="+mn-cs"/>
+              <a:sym typeface="宋体" panose="02010600030101010101" pitchFamily="2" charset="-122"/>
+              <a:hlinkClick r:id="rId10" action="ppaction://hlinksldjump"/>
+            </a:endParaRPr>
+          </a:p>
+          <a:p>
+            <a:pPr algn="just" defTabSz="685800">
+              <a:lnSpc>
+                <a:spcPct val="150000"/>
+              </a:lnSpc>
+            </a:pPr>
+            <a:r>
+              <a:rPr lang="zh-CN" altLang="en-US" kern="1200" baseline="0" dirty="0">
+                <a:solidFill>
+                  <a:srgbClr val="595959"/>
+                </a:solidFill>
+                <a:latin typeface="微软雅黑" panose="020B0503020204020204" charset="-122"/>
+                <a:ea typeface="微软雅黑" panose="020B0503020204020204" charset="-122"/>
+                <a:cs typeface="+mn-cs"/>
+              </a:rPr>
+              <a:t>6、</a:t>
+            </a:r>
+            <a:r>
+              <a:rPr lang="zh-CN" altLang="en-US" kern="1200" baseline="0" dirty="0">
+                <a:solidFill>
+                  <a:srgbClr val="595959"/>
+                </a:solidFill>
+                <a:latin typeface="微软雅黑" panose="020B0503020204020204" charset="-122"/>
+                <a:ea typeface="微软雅黑" panose="020B0503020204020204" charset="-122"/>
+                <a:cs typeface="+mn-cs"/>
+                <a:hlinkClick r:id="rId11" action="ppaction://hlinksldjump"/>
+              </a:rPr>
+              <a:t>快速模式  </a:t>
+            </a:r>
+            <a:r>
+              <a:rPr lang="en-US" altLang="zh-CN" kern="1200" baseline="0" dirty="0">
+                <a:solidFill>
+                  <a:srgbClr val="595959"/>
+                </a:solidFill>
+                <a:latin typeface="微软雅黑" panose="020B0503020204020204" charset="-122"/>
+                <a:ea typeface="+mn-ea"/>
+                <a:cs typeface="+mn-cs"/>
+                <a:sym typeface="宋体" panose="02010600030101010101" pitchFamily="2" charset="-122"/>
+                <a:hlinkClick r:id="rId11" action="ppaction://hlinksldjump"/>
+              </a:rPr>
+              <a:t>............................................................... </a:t>
+            </a:r>
+            <a:r>
+              <a:rPr lang="zh-CN" altLang="en-US" kern="1200" baseline="0" dirty="0">
+                <a:solidFill>
+                  <a:srgbClr val="595959"/>
+                </a:solidFill>
+                <a:latin typeface="微软雅黑" panose="020B0503020204020204" charset="-122"/>
+                <a:ea typeface="微软雅黑" panose="020B0503020204020204" charset="-122"/>
+                <a:cs typeface="+mn-cs"/>
+                <a:hlinkClick r:id="rId11" action="ppaction://hlinksldjump"/>
+              </a:rPr>
+              <a:t>1</a:t>
+            </a:r>
+            <a:r>
+              <a:rPr lang="zh-CN" altLang="en-US" dirty="0">
+                <a:solidFill>
+                  <a:srgbClr val="595959"/>
+                </a:solidFill>
+                <a:cs typeface="+mn-cs"/>
+                <a:sym typeface="+mn-ea"/>
+                <a:hlinkClick r:id="rId5" action="ppaction://hlinksldjump"/>
+              </a:rPr>
+              <a:t>7</a:t>
             </a:r>
             <a:endParaRPr lang="zh-CN" altLang="en-US" kern="1200" baseline="0" dirty="0">
               <a:solidFill>
@@ -10142,205 +10425,6 @@
               <a:cs typeface="+mn-cs"/>
             </a:endParaRPr>
           </a:p>
-          <a:p>
-            <a:pPr algn="just" defTabSz="685800">
-              <a:lnSpc>
-                <a:spcPct val="150000"/>
-              </a:lnSpc>
-            </a:pPr>
-            <a:r>
-              <a:rPr lang="zh-CN" altLang="en-US" kern="1200" baseline="0" dirty="0">
-                <a:solidFill>
-                  <a:srgbClr val="595959"/>
-                </a:solidFill>
-                <a:latin typeface="微软雅黑" panose="020B0503020204020204" charset="-122"/>
-                <a:ea typeface="微软雅黑" panose="020B0503020204020204" charset="-122"/>
-                <a:cs typeface="+mn-cs"/>
-              </a:rPr>
-              <a:t>     </a:t>
-            </a:r>
-            <a:r>
-              <a:rPr lang="zh-CN" altLang="en-US" kern="1200" baseline="0" dirty="0">
-                <a:solidFill>
-                  <a:srgbClr val="595959"/>
-                </a:solidFill>
-                <a:latin typeface="微软雅黑" panose="020B0503020204020204" charset="-122"/>
-                <a:ea typeface="微软雅黑" panose="020B0503020204020204" charset="-122"/>
-                <a:cs typeface="+mn-cs"/>
-                <a:hlinkClick r:id="rId9" action="ppaction://hlinksldjump"/>
-              </a:rPr>
-              <a:t> </a:t>
-            </a:r>
-            <a:r>
-              <a:rPr lang="en-US" altLang="zh-CN" kern="1200" baseline="0" dirty="0">
-                <a:solidFill>
-                  <a:srgbClr val="595959"/>
-                </a:solidFill>
-                <a:latin typeface="微软雅黑" panose="020B0503020204020204" charset="-122"/>
-                <a:ea typeface="微软雅黑" panose="020B0503020204020204" charset="-122"/>
-                <a:cs typeface="+mn-cs"/>
-                <a:hlinkClick r:id="rId9" action="ppaction://hlinksldjump"/>
-              </a:rPr>
-              <a:t>5</a:t>
-            </a:r>
-            <a:r>
-              <a:rPr lang="zh-CN" altLang="en-US" kern="1200" baseline="0" dirty="0">
-                <a:solidFill>
-                  <a:srgbClr val="595959"/>
-                </a:solidFill>
-                <a:latin typeface="微软雅黑" panose="020B0503020204020204" charset="-122"/>
-                <a:ea typeface="微软雅黑" panose="020B0503020204020204" charset="-122"/>
-                <a:cs typeface="+mn-cs"/>
-                <a:hlinkClick r:id="rId9" action="ppaction://hlinksldjump"/>
-              </a:rPr>
-              <a:t>.</a:t>
-            </a:r>
-            <a:r>
-              <a:rPr lang="en-US" altLang="zh-CN" kern="1200" baseline="0" dirty="0">
-                <a:solidFill>
-                  <a:srgbClr val="595959"/>
-                </a:solidFill>
-                <a:latin typeface="微软雅黑" panose="020B0503020204020204" charset="-122"/>
-                <a:ea typeface="微软雅黑" panose="020B0503020204020204" charset="-122"/>
-                <a:cs typeface="+mn-cs"/>
-                <a:hlinkClick r:id="rId9" action="ppaction://hlinksldjump"/>
-              </a:rPr>
-              <a:t>2</a:t>
-            </a:r>
-            <a:r>
-              <a:rPr lang="zh-CN" altLang="en-US" kern="1200" baseline="0" dirty="0">
-                <a:solidFill>
-                  <a:srgbClr val="595959"/>
-                </a:solidFill>
-                <a:latin typeface="微软雅黑" panose="020B0503020204020204" charset="-122"/>
-                <a:ea typeface="微软雅黑" panose="020B0503020204020204" charset="-122"/>
-                <a:cs typeface="+mn-cs"/>
-                <a:hlinkClick r:id="rId9" action="ppaction://hlinksldjump"/>
-              </a:rPr>
-              <a:t> 操作步骤  </a:t>
-            </a:r>
-            <a:r>
-              <a:rPr lang="en-US" altLang="zh-CN" kern="1200" baseline="0" dirty="0">
-                <a:solidFill>
-                  <a:srgbClr val="595959"/>
-                </a:solidFill>
-                <a:latin typeface="微软雅黑" panose="020B0503020204020204" charset="-122"/>
-                <a:ea typeface="+mn-ea"/>
-                <a:cs typeface="+mn-cs"/>
-                <a:sym typeface="宋体" panose="02010600030101010101" pitchFamily="2" charset="-122"/>
-                <a:hlinkClick r:id="rId9" action="ppaction://hlinksldjump"/>
-              </a:rPr>
-              <a:t>....................................................... </a:t>
-            </a:r>
-            <a:r>
-              <a:rPr lang="zh-CN" altLang="en-US" kern="1200" baseline="0" dirty="0">
-                <a:solidFill>
-                  <a:srgbClr val="595959"/>
-                </a:solidFill>
-                <a:latin typeface="微软雅黑" panose="020B0503020204020204" charset="-122"/>
-                <a:ea typeface="微软雅黑" panose="020B0503020204020204" charset="-122"/>
-                <a:cs typeface="+mn-cs"/>
-                <a:sym typeface="宋体" panose="02010600030101010101" pitchFamily="2" charset="-122"/>
-                <a:hlinkClick r:id="rId9" action="ppaction://hlinksldjump"/>
-              </a:rPr>
-              <a:t>1</a:t>
-            </a:r>
-            <a:r>
-              <a:rPr lang="en-US" altLang="zh-CN" dirty="0">
-                <a:solidFill>
-                  <a:srgbClr val="595959"/>
-                </a:solidFill>
-                <a:cs typeface="+mn-cs"/>
-                <a:sym typeface="+mn-ea"/>
-                <a:hlinkClick r:id="rId2" action="ppaction://hlinksldjump"/>
-              </a:rPr>
-              <a:t>4</a:t>
-            </a:r>
-            <a:endParaRPr lang="zh-CN" altLang="en-US" kern="1200" baseline="0" dirty="0">
-              <a:solidFill>
-                <a:srgbClr val="595959"/>
-              </a:solidFill>
-              <a:latin typeface="微软雅黑" panose="020B0503020204020204" charset="-122"/>
-              <a:ea typeface="微软雅黑" panose="020B0503020204020204" charset="-122"/>
-              <a:cs typeface="+mn-cs"/>
-              <a:sym typeface="宋体" panose="02010600030101010101" pitchFamily="2" charset="-122"/>
-              <a:hlinkClick r:id="rId9" action="ppaction://hlinksldjump"/>
-            </a:endParaRPr>
-          </a:p>
-          <a:p>
-            <a:pPr algn="just" defTabSz="685800">
-              <a:lnSpc>
-                <a:spcPct val="150000"/>
-              </a:lnSpc>
-            </a:pPr>
-            <a:r>
-              <a:rPr lang="zh-CN" altLang="en-US" kern="1200" baseline="0" dirty="0">
-                <a:solidFill>
-                  <a:srgbClr val="595959"/>
-                </a:solidFill>
-                <a:latin typeface="微软雅黑" panose="020B0503020204020204" charset="-122"/>
-                <a:ea typeface="微软雅黑" panose="020B0503020204020204" charset="-122"/>
-                <a:cs typeface="+mn-cs"/>
-              </a:rPr>
-              <a:t>6、</a:t>
-            </a:r>
-            <a:r>
-              <a:rPr lang="zh-CN" altLang="en-US" kern="1200" baseline="0" dirty="0">
-                <a:solidFill>
-                  <a:srgbClr val="595959"/>
-                </a:solidFill>
-                <a:latin typeface="微软雅黑" panose="020B0503020204020204" charset="-122"/>
-                <a:ea typeface="微软雅黑" panose="020B0503020204020204" charset="-122"/>
-                <a:cs typeface="+mn-cs"/>
-                <a:hlinkClick r:id="rId10" action="ppaction://hlinksldjump"/>
-              </a:rPr>
-              <a:t>快速模式  </a:t>
-            </a:r>
-            <a:r>
-              <a:rPr lang="en-US" altLang="zh-CN" kern="1200" baseline="0" dirty="0">
-                <a:solidFill>
-                  <a:srgbClr val="595959"/>
-                </a:solidFill>
-                <a:latin typeface="微软雅黑" panose="020B0503020204020204" charset="-122"/>
-                <a:ea typeface="+mn-ea"/>
-                <a:cs typeface="+mn-cs"/>
-                <a:sym typeface="宋体" panose="02010600030101010101" pitchFamily="2" charset="-122"/>
-                <a:hlinkClick r:id="rId10" action="ppaction://hlinksldjump"/>
-              </a:rPr>
-              <a:t>............................................................... </a:t>
-            </a:r>
-            <a:r>
-              <a:rPr lang="zh-CN" altLang="en-US" kern="1200" baseline="0" dirty="0">
-                <a:solidFill>
-                  <a:srgbClr val="595959"/>
-                </a:solidFill>
-                <a:latin typeface="微软雅黑" panose="020B0503020204020204" charset="-122"/>
-                <a:ea typeface="微软雅黑" panose="020B0503020204020204" charset="-122"/>
-                <a:cs typeface="+mn-cs"/>
-                <a:hlinkClick r:id="rId10" action="ppaction://hlinksldjump"/>
-              </a:rPr>
-              <a:t>1</a:t>
-            </a:r>
-            <a:r>
-              <a:rPr lang="zh-CN" altLang="en-US" dirty="0">
-                <a:solidFill>
-                  <a:srgbClr val="595959"/>
-                </a:solidFill>
-                <a:cs typeface="+mn-cs"/>
-                <a:sym typeface="+mn-ea"/>
-                <a:hlinkClick r:id="rId4" action="ppaction://hlinksldjump"/>
-              </a:rPr>
-              <a:t>7</a:t>
-            </a:r>
-            <a:endParaRPr lang="zh-CN" altLang="en-US" kern="1200" baseline="0" dirty="0">
-              <a:solidFill>
-                <a:srgbClr val="595959"/>
-              </a:solidFill>
-              <a:latin typeface="微软雅黑" panose="020B0503020204020204" charset="-122"/>
-              <a:ea typeface="微软雅黑" panose="020B0503020204020204" charset="-122"/>
-              <a:cs typeface="+mn-cs"/>
-            </a:endParaRPr>
-          </a:p>
         </p:txBody>
       </p:sp>
     </p:spTree>
@@ -10348,6 +10432,13 @@
   <p:clrMapOvr>
     <a:masterClrMapping/>
   </p:clrMapOvr>
+  <p:timing>
+    <p:tnLst>
+      <p:par>
+        <p:cTn id="1" dur="indefinite" restart="never" nodeType="tmRoot"/>
+      </p:par>
+    </p:tnLst>
+  </p:timing>
 </p:sld>
 </file>
 
@@ -10407,6 +10498,7 @@
                 <a:ea typeface="宋体" panose="02010600030101010101" pitchFamily="2" charset="-122"/>
                 <a:cs typeface="+mn-cs"/>
               </a:rPr>
+              <a:t>3</a:t>
             </a:fld>
             <a:endParaRPr kumimoji="0" lang="zh-CN" altLang="en-US" sz="1050" b="0" i="0" u="none" strike="noStrike" kern="1200" cap="none" spc="0" normalizeH="0" baseline="0" noProof="1">
               <a:solidFill>
@@ -10454,13 +10546,6 @@
               </a:rPr>
               <a:t>1、S系列源表简介</a:t>
             </a:r>
-            <a:endParaRPr lang="zh-CN" altLang="en-US" sz="1600" b="1">
-              <a:solidFill>
-                <a:srgbClr val="1B3B7C"/>
-              </a:solidFill>
-              <a:latin typeface="微软雅黑" panose="020B0503020204020204" charset="-122"/>
-              <a:ea typeface="微软雅黑" panose="020B0503020204020204" charset="-122"/>
-            </a:endParaRPr>
           </a:p>
         </p:txBody>
       </p:sp>
@@ -10499,13 +10584,6 @@
               </a:rPr>
               <a:t>1.1 S系列源表按键操作说明</a:t>
             </a:r>
-            <a:endParaRPr lang="zh-CN" altLang="en-US" sz="1400" b="1">
-              <a:solidFill>
-                <a:srgbClr val="1B3B7C"/>
-              </a:solidFill>
-              <a:latin typeface="微软雅黑" panose="020B0503020204020204" charset="-122"/>
-              <a:ea typeface="微软雅黑" panose="020B0503020204020204" charset="-122"/>
-            </a:endParaRPr>
           </a:p>
         </p:txBody>
       </p:sp>
@@ -10518,7 +10596,7 @@
           <p:nvPr/>
         </p:nvPicPr>
         <p:blipFill>
-          <a:blip r:embed="rId1" cstate="print"/>
+          <a:blip r:embed="rId2" cstate="print"/>
           <a:stretch>
             <a:fillRect/>
           </a:stretch>
@@ -10577,10 +10655,6 @@
               </a:rPr>
               <a:t>如图1.1所示，界面操作说明如下：</a:t>
             </a:r>
-            <a:endParaRPr lang="zh-CN" altLang="en-US" sz="1200">
-              <a:latin typeface="微软雅黑" panose="020B0503020204020204" charset="-122"/>
-              <a:ea typeface="微软雅黑" panose="020B0503020204020204" charset="-122"/>
-            </a:endParaRPr>
           </a:p>
           <a:p>
             <a:pPr>
@@ -10605,10 +10679,6 @@
               </a:rPr>
               <a:t>:电源开关按键；</a:t>
             </a:r>
-            <a:endParaRPr lang="zh-CN" altLang="en-US" sz="1200">
-              <a:latin typeface="微软雅黑" panose="020B0503020204020204" charset="-122"/>
-              <a:ea typeface="微软雅黑" panose="020B0503020204020204" charset="-122"/>
-            </a:endParaRPr>
           </a:p>
           <a:p>
             <a:pPr>
@@ -10633,10 +10703,6 @@
               </a:rPr>
               <a:t>：版本升级及数据导出接口；</a:t>
             </a:r>
-            <a:endParaRPr lang="zh-CN" altLang="en-US" sz="1200">
-              <a:latin typeface="微软雅黑" panose="020B0503020204020204" charset="-122"/>
-              <a:ea typeface="微软雅黑" panose="020B0503020204020204" charset="-122"/>
-            </a:endParaRPr>
           </a:p>
           <a:p>
             <a:pPr>
@@ -10661,10 +10727,6 @@
               </a:rPr>
               <a:t>:页面返回键；</a:t>
             </a:r>
-            <a:endParaRPr lang="zh-CN" altLang="en-US" sz="1200">
-              <a:latin typeface="微软雅黑" panose="020B0503020204020204" charset="-122"/>
-              <a:ea typeface="微软雅黑" panose="020B0503020204020204" charset="-122"/>
-            </a:endParaRPr>
           </a:p>
           <a:p>
             <a:pPr>
@@ -10689,10 +10751,6 @@
               </a:rPr>
               <a:t>信号输出开/关，当OUTPUT为绿色是表示正在输出，否则停止输出；</a:t>
             </a:r>
-            <a:endParaRPr lang="zh-CN" altLang="en-US" sz="1200">
-              <a:latin typeface="微软雅黑" panose="020B0503020204020204" charset="-122"/>
-              <a:ea typeface="微软雅黑" panose="020B0503020204020204" charset="-122"/>
-            </a:endParaRPr>
           </a:p>
           <a:p>
             <a:pPr>
@@ -10727,13 +10785,6 @@
               </a:rPr>
               <a:t>注意：四线模式时需确保对应的连接线已接好，否则会有安全风险；</a:t>
             </a:r>
-            <a:endParaRPr lang="zh-CN" altLang="en-US" sz="1200" b="1">
-              <a:solidFill>
-                <a:srgbClr val="C00000"/>
-              </a:solidFill>
-              <a:latin typeface="微软雅黑" panose="020B0503020204020204" charset="-122"/>
-              <a:ea typeface="微软雅黑" panose="020B0503020204020204" charset="-122"/>
-            </a:endParaRPr>
           </a:p>
           <a:p>
             <a:pPr>
@@ -10758,10 +10809,6 @@
               </a:rPr>
               <a:t>量程、数值设定；</a:t>
             </a:r>
-            <a:endParaRPr lang="zh-CN" altLang="en-US" sz="1200">
-              <a:latin typeface="微软雅黑" panose="020B0503020204020204" charset="-122"/>
-              <a:ea typeface="微软雅黑" panose="020B0503020204020204" charset="-122"/>
-            </a:endParaRPr>
           </a:p>
         </p:txBody>
       </p:sp>
@@ -10812,10 +10859,6 @@
               </a:rPr>
               <a:t>源表按键及显示界面</a:t>
             </a:r>
-            <a:endParaRPr lang="zh-CN" altLang="en-US" sz="1200">
-              <a:latin typeface="微软雅黑" panose="020B0503020204020204" charset="-122"/>
-              <a:ea typeface="微软雅黑" panose="020B0503020204020204" charset="-122"/>
-            </a:endParaRPr>
           </a:p>
         </p:txBody>
       </p:sp>
@@ -10828,7 +10871,7 @@
           <p:nvPr/>
         </p:nvPicPr>
         <p:blipFill>
-          <a:blip r:embed="rId2"/>
+          <a:blip r:embed="rId3"/>
           <a:stretch>
             <a:fillRect/>
           </a:stretch>
@@ -10911,6 +10954,7 @@
                 <a:ea typeface="宋体" panose="02010600030101010101" pitchFamily="2" charset="-122"/>
                 <a:cs typeface="+mn-cs"/>
               </a:rPr>
+              <a:t>4</a:t>
             </a:fld>
             <a:endParaRPr kumimoji="0" lang="zh-CN" altLang="en-US" sz="1050" b="0" i="0" u="none" strike="noStrike" kern="1200" cap="none" spc="0" normalizeH="0" baseline="0" noProof="1">
               <a:solidFill>
@@ -10961,13 +11005,6 @@
               </a:rPr>
               <a:t>1.2 主界面功能介绍</a:t>
             </a:r>
-            <a:endParaRPr lang="zh-CN" altLang="en-US" sz="1400" b="1">
-              <a:solidFill>
-                <a:srgbClr val="1B3B7C"/>
-              </a:solidFill>
-              <a:latin typeface="微软雅黑" panose="020B0503020204020204" charset="-122"/>
-              <a:ea typeface="微软雅黑" panose="020B0503020204020204" charset="-122"/>
-            </a:endParaRPr>
           </a:p>
         </p:txBody>
       </p:sp>
@@ -11013,11 +11050,6 @@
               </a:rPr>
               <a:t>如图1.2所示，源表按下电源开关后显示为当前主界面。源表主界面为可触屏操作，点击对应功能模块进入操作页面，各模块功能简介如下：</a:t>
             </a:r>
-            <a:endParaRPr lang="zh-CN" altLang="en-US" sz="1200">
-              <a:latin typeface="微软雅黑" panose="020B0503020204020204" charset="-122"/>
-              <a:ea typeface="微软雅黑" panose="020B0503020204020204" charset="-122"/>
-              <a:sym typeface="宋体" panose="02010600030101010101" pitchFamily="2" charset="-122"/>
-            </a:endParaRPr>
           </a:p>
           <a:p>
             <a:pPr>
@@ -11045,11 +11077,6 @@
               </a:rPr>
               <a:t>设置源表模式为源模式（电压源、电流源）或测量模式（测量电压、电流）；</a:t>
             </a:r>
-            <a:endParaRPr lang="zh-CN" altLang="en-US" sz="1200">
-              <a:latin typeface="微软雅黑" panose="020B0503020204020204" charset="-122"/>
-              <a:ea typeface="微软雅黑" panose="020B0503020204020204" charset="-122"/>
-              <a:sym typeface="宋体" panose="02010600030101010101" pitchFamily="2" charset="-122"/>
-            </a:endParaRPr>
           </a:p>
           <a:p>
             <a:pPr>
@@ -11077,11 +11104,6 @@
               </a:rPr>
               <a:t>包括网络IP和系统升级以及输出模式等各项设置；</a:t>
             </a:r>
-            <a:endParaRPr lang="zh-CN" altLang="en-US" sz="1200">
-              <a:latin typeface="微软雅黑" panose="020B0503020204020204" charset="-122"/>
-              <a:ea typeface="微软雅黑" panose="020B0503020204020204" charset="-122"/>
-              <a:sym typeface="宋体" panose="02010600030101010101" pitchFamily="2" charset="-122"/>
-            </a:endParaRPr>
           </a:p>
           <a:p>
             <a:pPr>
@@ -11109,11 +11131,6 @@
               </a:rPr>
               <a:t>显示当前Qt、模拟板、前面板版本信息；</a:t>
             </a:r>
-            <a:endParaRPr lang="zh-CN" altLang="en-US" sz="1200">
-              <a:latin typeface="微软雅黑" panose="020B0503020204020204" charset="-122"/>
-              <a:ea typeface="微软雅黑" panose="020B0503020204020204" charset="-122"/>
-              <a:sym typeface="宋体" panose="02010600030101010101" pitchFamily="2" charset="-122"/>
-            </a:endParaRPr>
           </a:p>
           <a:p>
             <a:pPr>
@@ -11141,11 +11158,6 @@
               </a:rPr>
               <a:t>测量待测器件的V/I变化曲线；</a:t>
             </a:r>
-            <a:endParaRPr lang="zh-CN" altLang="en-US" sz="1200">
-              <a:latin typeface="微软雅黑" panose="020B0503020204020204" charset="-122"/>
-              <a:ea typeface="微软雅黑" panose="020B0503020204020204" charset="-122"/>
-              <a:sym typeface="宋体" panose="02010600030101010101" pitchFamily="2" charset="-122"/>
-            </a:endParaRPr>
           </a:p>
           <a:p>
             <a:pPr>
@@ -11173,11 +11185,6 @@
               </a:rPr>
               <a:t>选择了电压源或电流源模式后的源量程值和限量程值默认范围更适合；</a:t>
             </a:r>
-            <a:endParaRPr lang="zh-CN" altLang="en-US" sz="1200">
-              <a:latin typeface="微软雅黑" panose="020B0503020204020204" charset="-122"/>
-              <a:ea typeface="微软雅黑" panose="020B0503020204020204" charset="-122"/>
-              <a:sym typeface="宋体" panose="02010600030101010101" pitchFamily="2" charset="-122"/>
-            </a:endParaRPr>
           </a:p>
           <a:p>
             <a:pPr>
@@ -11205,11 +11212,6 @@
               </a:rPr>
               <a:t>对机器精度进行校准（暂未对用户开放）；</a:t>
             </a:r>
-            <a:endParaRPr lang="zh-CN" altLang="en-US" sz="1200">
-              <a:latin typeface="微软雅黑" panose="020B0503020204020204" charset="-122"/>
-              <a:ea typeface="微软雅黑" panose="020B0503020204020204" charset="-122"/>
-              <a:sym typeface="宋体" panose="02010600030101010101" pitchFamily="2" charset="-122"/>
-            </a:endParaRPr>
           </a:p>
         </p:txBody>
       </p:sp>
@@ -11260,10 +11262,6 @@
               </a:rPr>
               <a:t>初始化主界面</a:t>
             </a:r>
-            <a:endParaRPr lang="zh-CN" altLang="en-US" sz="1200">
-              <a:latin typeface="微软雅黑" panose="020B0503020204020204" charset="-122"/>
-              <a:ea typeface="微软雅黑" panose="020B0503020204020204" charset="-122"/>
-            </a:endParaRPr>
           </a:p>
         </p:txBody>
       </p:sp>
@@ -11276,7 +11274,7 @@
           <p:nvPr/>
         </p:nvPicPr>
         <p:blipFill>
-          <a:blip r:embed="rId1"/>
+          <a:blip r:embed="rId2"/>
           <a:stretch>
             <a:fillRect/>
           </a:stretch>
@@ -11329,7 +11327,7 @@
           <p:nvPr/>
         </p:nvPicPr>
         <p:blipFill>
-          <a:blip r:embed="rId1"/>
+          <a:blip r:embed="rId2"/>
           <a:stretch>
             <a:fillRect/>
           </a:stretch>
@@ -11387,6 +11385,7 @@
                 <a:ea typeface="宋体" panose="02010600030101010101" pitchFamily="2" charset="-122"/>
                 <a:cs typeface="+mn-cs"/>
               </a:rPr>
+              <a:t>5</a:t>
             </a:fld>
             <a:endParaRPr kumimoji="0" lang="zh-CN" altLang="en-US" sz="1050" b="0" i="0" u="none" strike="noStrike" kern="1200" cap="none" spc="0" normalizeH="0" baseline="0" noProof="1">
               <a:solidFill>
@@ -11434,13 +11433,6 @@
               </a:rPr>
               <a:t>2、测量</a:t>
             </a:r>
-            <a:endParaRPr lang="zh-CN" altLang="en-US" sz="1600" b="1">
-              <a:solidFill>
-                <a:srgbClr val="1B3B7C"/>
-              </a:solidFill>
-              <a:latin typeface="微软雅黑" panose="020B0503020204020204" charset="-122"/>
-              <a:ea typeface="微软雅黑" panose="020B0503020204020204" charset="-122"/>
-            </a:endParaRPr>
           </a:p>
         </p:txBody>
       </p:sp>
@@ -11482,13 +11474,6 @@
               </a:rPr>
               <a:t>2.1 测量界面简介</a:t>
             </a:r>
-            <a:endParaRPr lang="zh-CN" altLang="en-US" sz="1400" b="1">
-              <a:solidFill>
-                <a:srgbClr val="1B3B7C"/>
-              </a:solidFill>
-              <a:latin typeface="微软雅黑" panose="020B0503020204020204" charset="-122"/>
-              <a:ea typeface="微软雅黑" panose="020B0503020204020204" charset="-122"/>
-            </a:endParaRPr>
           </a:p>
         </p:txBody>
       </p:sp>
@@ -11534,11 +11519,6 @@
               </a:rPr>
               <a:t>如图2.1所示，该界面主要分为4个区域，其中白色显示字体为不可修改部分，淡蓝色为可修改部分。具体区域说明如下：</a:t>
             </a:r>
-            <a:endParaRPr lang="zh-CN" altLang="en-US" sz="1200">
-              <a:latin typeface="微软雅黑" panose="020B0503020204020204" charset="-122"/>
-              <a:ea typeface="微软雅黑" panose="020B0503020204020204" charset="-122"/>
-              <a:sym typeface="宋体" panose="02010600030101010101" pitchFamily="2" charset="-122"/>
-            </a:endParaRPr>
           </a:p>
           <a:p>
             <a:pPr>
@@ -11630,11 +11610,6 @@
               </a:rPr>
               <a:t>；</a:t>
             </a:r>
-            <a:endParaRPr lang="zh-CN" altLang="en-US" sz="1200">
-              <a:latin typeface="微软雅黑" panose="020B0503020204020204" charset="-122"/>
-              <a:ea typeface="微软雅黑" panose="020B0503020204020204" charset="-122"/>
-              <a:sym typeface="宋体" panose="02010600030101010101" pitchFamily="2" charset="-122"/>
-            </a:endParaRPr>
           </a:p>
           <a:p>
             <a:pPr>
@@ -11654,11 +11629,6 @@
               </a:rPr>
               <a:t>区域2：用于设置源量程，其中量程会自动关联区域3中的小数点位置和精度；</a:t>
             </a:r>
-            <a:endParaRPr lang="zh-CN" altLang="en-US" sz="1200">
-              <a:latin typeface="微软雅黑" panose="020B0503020204020204" charset="-122"/>
-              <a:ea typeface="微软雅黑" panose="020B0503020204020204" charset="-122"/>
-              <a:sym typeface="宋体" panose="02010600030101010101" pitchFamily="2" charset="-122"/>
-            </a:endParaRPr>
           </a:p>
           <a:p>
             <a:pPr>
@@ -11678,11 +11648,6 @@
               </a:rPr>
               <a:t>区域3：设置电压、电流值，并回显实际输出电压、电流值，上面一行表示源值，下面一行表示限值；</a:t>
             </a:r>
-            <a:endParaRPr lang="zh-CN" altLang="en-US" sz="1200">
-              <a:latin typeface="微软雅黑" panose="020B0503020204020204" charset="-122"/>
-              <a:ea typeface="微软雅黑" panose="020B0503020204020204" charset="-122"/>
-              <a:sym typeface="宋体" panose="02010600030101010101" pitchFamily="2" charset="-122"/>
-            </a:endParaRPr>
           </a:p>
           <a:p>
             <a:pPr>
@@ -11702,11 +11667,6 @@
               </a:rPr>
               <a:t>区域 4：设置源值和限值的大小；</a:t>
             </a:r>
-            <a:endParaRPr lang="zh-CN" altLang="en-US" sz="1200">
-              <a:latin typeface="微软雅黑" panose="020B0503020204020204" charset="-122"/>
-              <a:ea typeface="微软雅黑" panose="020B0503020204020204" charset="-122"/>
-              <a:sym typeface="宋体" panose="02010600030101010101" pitchFamily="2" charset="-122"/>
-            </a:endParaRPr>
           </a:p>
         </p:txBody>
       </p:sp>
@@ -11754,11 +11714,6 @@
               </a:rPr>
               <a:t>注意：</a:t>
             </a:r>
-            <a:endParaRPr lang="zh-CN" altLang="en-US" sz="1200">
-              <a:latin typeface="微软雅黑" panose="020B0503020204020204" charset="-122"/>
-              <a:ea typeface="微软雅黑" panose="020B0503020204020204" charset="-122"/>
-              <a:sym typeface="宋体" panose="02010600030101010101" pitchFamily="2" charset="-122"/>
-            </a:endParaRPr>
           </a:p>
           <a:p>
             <a:pPr>
@@ -11778,11 +11733,6 @@
               </a:rPr>
               <a:t>1.插拔线时务必确保机器处于输出关闭态.高于36V输出时,即使设备处于输出关闭态,也请不要用手触摸输出接口.</a:t>
             </a:r>
-            <a:endParaRPr lang="zh-CN" altLang="en-US" sz="1200">
-              <a:latin typeface="微软雅黑" panose="020B0503020204020204" charset="-122"/>
-              <a:ea typeface="微软雅黑" panose="020B0503020204020204" charset="-122"/>
-              <a:sym typeface="宋体" panose="02010600030101010101" pitchFamily="2" charset="-122"/>
-            </a:endParaRPr>
           </a:p>
           <a:p>
             <a:pPr>
@@ -11802,11 +11752,6 @@
               </a:rPr>
               <a:t>2.设置四线测试前,请先将四线电缆连接好并插入机器相对应的测试孔,然后在触摸面板选择四线,再启动输出.</a:t>
             </a:r>
-            <a:endParaRPr lang="zh-CN" altLang="en-US" sz="1200">
-              <a:latin typeface="微软雅黑" panose="020B0503020204020204" charset="-122"/>
-              <a:ea typeface="微软雅黑" panose="020B0503020204020204" charset="-122"/>
-              <a:sym typeface="宋体" panose="02010600030101010101" pitchFamily="2" charset="-122"/>
-            </a:endParaRPr>
           </a:p>
           <a:p>
             <a:pPr>
@@ -11826,11 +11771,6 @@
               </a:rPr>
               <a:t>3.四线测试使用完毕后请先将四线测试设置为二线测试,然后关闭输出,再拔出测试线.</a:t>
             </a:r>
-            <a:endParaRPr lang="zh-CN" altLang="en-US" sz="1200">
-              <a:latin typeface="微软雅黑" panose="020B0503020204020204" charset="-122"/>
-              <a:ea typeface="微软雅黑" panose="020B0503020204020204" charset="-122"/>
-              <a:sym typeface="宋体" panose="02010600030101010101" pitchFamily="2" charset="-122"/>
-            </a:endParaRPr>
           </a:p>
         </p:txBody>
       </p:sp>
@@ -12048,7 +11988,6 @@
                 <a:rPr lang="en-US" altLang="zh-CN" strike="noStrike" noProof="1"/>
                 <a:t>1</a:t>
               </a:r>
-              <a:endParaRPr lang="en-US" altLang="zh-CN" strike="noStrike" noProof="1"/>
             </a:p>
           </p:txBody>
         </p:sp>
@@ -12098,7 +12037,6 @@
                 <a:rPr lang="en-US" altLang="zh-CN" strike="noStrike" noProof="1"/>
                 <a:t>3</a:t>
               </a:r>
-              <a:endParaRPr lang="en-US" altLang="zh-CN" strike="noStrike" noProof="1"/>
             </a:p>
           </p:txBody>
         </p:sp>
@@ -12198,7 +12136,6 @@
                 <a:rPr lang="en-US" altLang="zh-CN" strike="noStrike" noProof="1"/>
                 <a:t>4</a:t>
               </a:r>
-              <a:endParaRPr lang="en-US" altLang="zh-CN" strike="noStrike" noProof="1"/>
             </a:p>
           </p:txBody>
         </p:sp>
@@ -12248,7 +12185,6 @@
                 <a:rPr lang="en-US" altLang="zh-CN" strike="noStrike" noProof="1"/>
                 <a:t>2</a:t>
               </a:r>
-              <a:endParaRPr lang="en-US" altLang="zh-CN" strike="noStrike" noProof="1"/>
             </a:p>
           </p:txBody>
         </p:sp>
@@ -12300,10 +12236,6 @@
               </a:rPr>
               <a:t>测量界面</a:t>
             </a:r>
-            <a:endParaRPr lang="zh-CN" altLang="en-US" sz="1200">
-              <a:latin typeface="微软雅黑" panose="020B0503020204020204" charset="-122"/>
-              <a:ea typeface="微软雅黑" panose="020B0503020204020204" charset="-122"/>
-            </a:endParaRPr>
           </a:p>
         </p:txBody>
       </p:sp>
@@ -12312,6 +12244,13 @@
   <p:clrMapOvr>
     <a:masterClrMapping/>
   </p:clrMapOvr>
+  <p:timing>
+    <p:tnLst>
+      <p:par>
+        <p:cTn id="1" dur="indefinite" restart="never" nodeType="tmRoot"/>
+      </p:par>
+    </p:tnLst>
+  </p:timing>
 </p:sld>
 </file>
 
@@ -12341,7 +12280,7 @@
           <p:nvPr/>
         </p:nvPicPr>
         <p:blipFill>
-          <a:blip r:embed="rId1"/>
+          <a:blip r:embed="rId2"/>
           <a:stretch>
             <a:fillRect/>
           </a:stretch>
@@ -12369,7 +12308,7 @@
           <p:nvPr/>
         </p:nvPicPr>
         <p:blipFill>
-          <a:blip r:embed="rId1"/>
+          <a:blip r:embed="rId2"/>
           <a:stretch>
             <a:fillRect/>
           </a:stretch>
@@ -12427,6 +12366,7 @@
                 <a:ea typeface="宋体" panose="02010600030101010101" pitchFamily="2" charset="-122"/>
                 <a:cs typeface="+mn-cs"/>
               </a:rPr>
+              <a:t>6</a:t>
             </a:fld>
             <a:endParaRPr kumimoji="0" lang="zh-CN" altLang="en-US" sz="1050" b="0" i="0" u="none" strike="noStrike" kern="1200" cap="none" spc="0" normalizeH="0" baseline="0" noProof="1">
               <a:solidFill>
@@ -12481,11 +12421,6 @@
               </a:rPr>
               <a:t>a.选中数字（数字将高亮）后，旋动旋钮调整值的大小；</a:t>
             </a:r>
-            <a:endParaRPr lang="zh-CN" altLang="en-US" sz="1200">
-              <a:latin typeface="微软雅黑" panose="020B0503020204020204" charset="-122"/>
-              <a:ea typeface="微软雅黑" panose="020B0503020204020204" charset="-122"/>
-              <a:sym typeface="宋体" panose="02010600030101010101" pitchFamily="2" charset="-122"/>
-            </a:endParaRPr>
           </a:p>
           <a:p>
             <a:pPr>
@@ -12505,11 +12440,6 @@
               </a:rPr>
               <a:t>b.图中蓝色标识为可点击修改字符；</a:t>
             </a:r>
-            <a:endParaRPr lang="zh-CN" altLang="en-US" sz="1200">
-              <a:latin typeface="微软雅黑" panose="020B0503020204020204" charset="-122"/>
-              <a:ea typeface="微软雅黑" panose="020B0503020204020204" charset="-122"/>
-              <a:sym typeface="宋体" panose="02010600030101010101" pitchFamily="2" charset="-122"/>
-            </a:endParaRPr>
           </a:p>
           <a:p>
             <a:pPr>
@@ -12529,11 +12459,6 @@
               </a:rPr>
               <a:t>c.通过单击+-符号可设置源方向，相关符号将自动匹配；</a:t>
             </a:r>
-            <a:endParaRPr lang="zh-CN" altLang="en-US" sz="1200">
-              <a:latin typeface="微软雅黑" panose="020B0503020204020204" charset="-122"/>
-              <a:ea typeface="微软雅黑" panose="020B0503020204020204" charset="-122"/>
-              <a:sym typeface="宋体" panose="02010600030101010101" pitchFamily="2" charset="-122"/>
-            </a:endParaRPr>
           </a:p>
           <a:p>
             <a:pPr>
@@ -12553,11 +12478,6 @@
               </a:rPr>
               <a:t>d.改变源类型后，量程和区域1的精度将自动做相应变化；</a:t>
             </a:r>
-            <a:endParaRPr lang="zh-CN" altLang="en-US" sz="1200">
-              <a:latin typeface="微软雅黑" panose="020B0503020204020204" charset="-122"/>
-              <a:ea typeface="微软雅黑" panose="020B0503020204020204" charset="-122"/>
-              <a:sym typeface="宋体" panose="02010600030101010101" pitchFamily="2" charset="-122"/>
-            </a:endParaRPr>
           </a:p>
           <a:p>
             <a:pPr>
@@ -12577,11 +12497,6 @@
               </a:rPr>
               <a:t>e.启动输出后，区域4显示设置负载值，区域3实时显示输出电压电流。</a:t>
             </a:r>
-            <a:endParaRPr lang="zh-CN" altLang="en-US" sz="1200">
-              <a:latin typeface="微软雅黑" panose="020B0503020204020204" charset="-122"/>
-              <a:ea typeface="微软雅黑" panose="020B0503020204020204" charset="-122"/>
-              <a:sym typeface="宋体" panose="02010600030101010101" pitchFamily="2" charset="-122"/>
-            </a:endParaRPr>
           </a:p>
         </p:txBody>
       </p:sp>
@@ -12623,13 +12538,6 @@
               </a:rPr>
               <a:t>2.3 操作步骤</a:t>
             </a:r>
-            <a:endParaRPr lang="zh-CN" altLang="en-US" sz="1400" b="1">
-              <a:solidFill>
-                <a:srgbClr val="1B3B7C"/>
-              </a:solidFill>
-              <a:latin typeface="微软雅黑" panose="020B0503020204020204" charset="-122"/>
-              <a:ea typeface="微软雅黑" panose="020B0503020204020204" charset="-122"/>
-            </a:endParaRPr>
           </a:p>
         </p:txBody>
       </p:sp>
@@ -12691,11 +12599,6 @@
               </a:rPr>
               <a:t>所示：</a:t>
             </a:r>
-            <a:endParaRPr lang="zh-CN" altLang="en-US" sz="1200">
-              <a:latin typeface="微软雅黑" panose="020B0503020204020204" charset="-122"/>
-              <a:ea typeface="微软雅黑" panose="020B0503020204020204" charset="-122"/>
-              <a:sym typeface="宋体" panose="02010600030101010101" pitchFamily="2" charset="-122"/>
-            </a:endParaRPr>
           </a:p>
         </p:txBody>
       </p:sp>
@@ -12757,11 +12660,6 @@
               </a:rPr>
               <a:t>所示：</a:t>
             </a:r>
-            <a:endParaRPr lang="zh-CN" altLang="en-US" sz="1200">
-              <a:latin typeface="微软雅黑" panose="020B0503020204020204" charset="-122"/>
-              <a:ea typeface="微软雅黑" panose="020B0503020204020204" charset="-122"/>
-              <a:sym typeface="宋体" panose="02010600030101010101" pitchFamily="2" charset="-122"/>
-            </a:endParaRPr>
           </a:p>
         </p:txBody>
       </p:sp>
@@ -12916,10 +12814,6 @@
               </a:rPr>
               <a:t>源模式设置界面</a:t>
             </a:r>
-            <a:endParaRPr lang="zh-CN" altLang="en-US" sz="1200">
-              <a:latin typeface="微软雅黑" panose="020B0503020204020204" charset="-122"/>
-              <a:ea typeface="微软雅黑" panose="020B0503020204020204" charset="-122"/>
-            </a:endParaRPr>
           </a:p>
         </p:txBody>
       </p:sp>
@@ -12970,10 +12864,6 @@
               </a:rPr>
               <a:t>量程大小设置界面</a:t>
             </a:r>
-            <a:endParaRPr lang="zh-CN" altLang="en-US" sz="1200">
-              <a:latin typeface="微软雅黑" panose="020B0503020204020204" charset="-122"/>
-              <a:ea typeface="微软雅黑" panose="020B0503020204020204" charset="-122"/>
-            </a:endParaRPr>
           </a:p>
         </p:txBody>
       </p:sp>
@@ -13015,13 +12905,6 @@
               </a:rPr>
               <a:t>2.2 功能介绍</a:t>
             </a:r>
-            <a:endParaRPr lang="zh-CN" altLang="en-US" sz="1400" b="1">
-              <a:solidFill>
-                <a:srgbClr val="1B3B7C"/>
-              </a:solidFill>
-              <a:latin typeface="微软雅黑" panose="020B0503020204020204" charset="-122"/>
-              <a:ea typeface="微软雅黑" panose="020B0503020204020204" charset="-122"/>
-            </a:endParaRPr>
           </a:p>
         </p:txBody>
       </p:sp>
@@ -13082,6 +12965,13 @@
   <p:clrMapOvr>
     <a:masterClrMapping/>
   </p:clrMapOvr>
+  <p:timing>
+    <p:tnLst>
+      <p:par>
+        <p:cTn id="1" dur="indefinite" restart="never" nodeType="tmRoot"/>
+      </p:par>
+    </p:tnLst>
+  </p:timing>
 </p:sld>
 </file>
 
@@ -13111,7 +13001,7 @@
           <p:nvPr/>
         </p:nvPicPr>
         <p:blipFill>
-          <a:blip r:embed="rId1"/>
+          <a:blip r:embed="rId2"/>
           <a:stretch>
             <a:fillRect/>
           </a:stretch>
@@ -13139,7 +13029,7 @@
           <p:nvPr/>
         </p:nvPicPr>
         <p:blipFill>
-          <a:blip r:embed="rId2"/>
+          <a:blip r:embed="rId3"/>
           <a:stretch>
             <a:fillRect/>
           </a:stretch>
@@ -13197,6 +13087,7 @@
                 <a:ea typeface="宋体" panose="02010600030101010101" pitchFamily="2" charset="-122"/>
                 <a:cs typeface="+mn-cs"/>
               </a:rPr>
+              <a:t>7</a:t>
             </a:fld>
             <a:endParaRPr kumimoji="0" lang="zh-CN" altLang="en-US" sz="1050" b="0" i="0" u="none" strike="noStrike" kern="1200" cap="none" spc="0" normalizeH="0" baseline="0" noProof="1">
               <a:solidFill>
@@ -13267,11 +13158,6 @@
               </a:rPr>
               <a:t>所示：</a:t>
             </a:r>
-            <a:endParaRPr lang="zh-CN" altLang="en-US" sz="1200">
-              <a:latin typeface="微软雅黑" panose="020B0503020204020204" charset="-122"/>
-              <a:ea typeface="微软雅黑" panose="020B0503020204020204" charset="-122"/>
-              <a:sym typeface="宋体" panose="02010600030101010101" pitchFamily="2" charset="-122"/>
-            </a:endParaRPr>
           </a:p>
         </p:txBody>
       </p:sp>
@@ -13385,11 +13271,6 @@
               </a:rPr>
               <a:t>所示：</a:t>
             </a:r>
-            <a:endParaRPr lang="zh-CN" altLang="en-US" sz="1200">
-              <a:latin typeface="微软雅黑" panose="020B0503020204020204" charset="-122"/>
-              <a:ea typeface="微软雅黑" panose="020B0503020204020204" charset="-122"/>
-              <a:sym typeface="宋体" panose="02010600030101010101" pitchFamily="2" charset="-122"/>
-            </a:endParaRPr>
           </a:p>
         </p:txBody>
       </p:sp>
@@ -13440,10 +13321,6 @@
               </a:rPr>
               <a:t>输出状态界面</a:t>
             </a:r>
-            <a:endParaRPr lang="zh-CN" altLang="en-US" sz="1200">
-              <a:latin typeface="微软雅黑" panose="020B0503020204020204" charset="-122"/>
-              <a:ea typeface="微软雅黑" panose="020B0503020204020204" charset="-122"/>
-            </a:endParaRPr>
           </a:p>
         </p:txBody>
       </p:sp>
@@ -13494,10 +13371,6 @@
               </a:rPr>
               <a:t>测量值设置界面</a:t>
             </a:r>
-            <a:endParaRPr lang="zh-CN" altLang="en-US" sz="1200">
-              <a:latin typeface="微软雅黑" panose="020B0503020204020204" charset="-122"/>
-              <a:ea typeface="微软雅黑" panose="020B0503020204020204" charset="-122"/>
-            </a:endParaRPr>
           </a:p>
         </p:txBody>
       </p:sp>
@@ -13617,6 +13490,7 @@
                 <a:ea typeface="宋体" panose="02010600030101010101" pitchFamily="2" charset="-122"/>
                 <a:cs typeface="+mn-cs"/>
               </a:rPr>
+              <a:t>8</a:t>
             </a:fld>
             <a:endParaRPr kumimoji="0" lang="zh-CN" altLang="en-US" sz="1050" b="0" i="0" u="none" strike="noStrike" kern="1200" cap="none" spc="0" normalizeH="0" baseline="0" noProof="1">
               <a:solidFill>
@@ -13724,7 +13598,15 @@
                 <a:ea typeface="微软雅黑" panose="020B0503020204020204" charset="-122"/>
                 <a:sym typeface="宋体" panose="02010600030101010101" pitchFamily="2" charset="-122"/>
               </a:rPr>
-              <a:t>IP和通信方式</a:t>
+              <a:t>IP和通信方式设置操作页面，如图</a:t>
+            </a:r>
+            <a:r>
+              <a:rPr lang="en-US" altLang="zh-CN" sz="1200">
+                <a:latin typeface="微软雅黑" panose="020B0503020204020204" charset="-122"/>
+                <a:ea typeface="微软雅黑" panose="020B0503020204020204" charset="-122"/>
+                <a:sym typeface="宋体" panose="02010600030101010101" pitchFamily="2" charset="-122"/>
+              </a:rPr>
+              <a:t>3</a:t>
             </a:r>
             <a:r>
               <a:rPr lang="zh-CN" altLang="en-US" sz="1200">
@@ -13732,29 +13614,8 @@
                 <a:ea typeface="微软雅黑" panose="020B0503020204020204" charset="-122"/>
                 <a:sym typeface="宋体" panose="02010600030101010101" pitchFamily="2" charset="-122"/>
               </a:rPr>
-              <a:t>设置操作页面，如图</a:t>
-            </a:r>
-            <a:r>
-              <a:rPr lang="en-US" altLang="zh-CN" sz="1200">
-                <a:latin typeface="微软雅黑" panose="020B0503020204020204" charset="-122"/>
-                <a:ea typeface="微软雅黑" panose="020B0503020204020204" charset="-122"/>
-                <a:sym typeface="宋体" panose="02010600030101010101" pitchFamily="2" charset="-122"/>
-              </a:rPr>
-              <a:t>3</a:t>
-            </a:r>
-            <a:r>
-              <a:rPr lang="zh-CN" altLang="en-US" sz="1200">
-                <a:latin typeface="微软雅黑" panose="020B0503020204020204" charset="-122"/>
-                <a:ea typeface="微软雅黑" panose="020B0503020204020204" charset="-122"/>
-                <a:sym typeface="宋体" panose="02010600030101010101" pitchFamily="2" charset="-122"/>
-              </a:rPr>
               <a:t>.2所示</a:t>
             </a:r>
-            <a:endParaRPr lang="zh-CN" altLang="en-US" sz="1200">
-              <a:latin typeface="微软雅黑" panose="020B0503020204020204" charset="-122"/>
-              <a:ea typeface="微软雅黑" panose="020B0503020204020204" charset="-122"/>
-              <a:sym typeface="宋体" panose="02010600030101010101" pitchFamily="2" charset="-122"/>
-            </a:endParaRPr>
           </a:p>
         </p:txBody>
       </p:sp>
@@ -13805,10 +13666,6 @@
               </a:rPr>
               <a:t>设置主界面</a:t>
             </a:r>
-            <a:endParaRPr lang="zh-CN" altLang="en-US" sz="1200">
-              <a:latin typeface="微软雅黑" panose="020B0503020204020204" charset="-122"/>
-              <a:ea typeface="微软雅黑" panose="020B0503020204020204" charset="-122"/>
-            </a:endParaRPr>
           </a:p>
         </p:txBody>
       </p:sp>
@@ -13860,13 +13717,6 @@
               </a:rPr>
               <a:t>.1 设置主界面</a:t>
             </a:r>
-            <a:endParaRPr lang="zh-CN" altLang="en-US" sz="1400" b="1">
-              <a:solidFill>
-                <a:srgbClr val="1B3B7C"/>
-              </a:solidFill>
-              <a:latin typeface="微软雅黑" panose="020B0503020204020204" charset="-122"/>
-              <a:ea typeface="微软雅黑" panose="020B0503020204020204" charset="-122"/>
-            </a:endParaRPr>
           </a:p>
         </p:txBody>
       </p:sp>
@@ -13916,25 +13766,8 @@
                 <a:latin typeface="微软雅黑" panose="020B0503020204020204" charset="-122"/>
                 <a:ea typeface="微软雅黑" panose="020B0503020204020204" charset="-122"/>
               </a:rPr>
-              <a:t>.2 IP和通信方式</a:t>
-            </a:r>
-            <a:r>
-              <a:rPr lang="zh-CN" altLang="en-US" sz="1400" b="1">
-                <a:solidFill>
-                  <a:srgbClr val="1B3B7C"/>
-                </a:solidFill>
-                <a:latin typeface="微软雅黑" panose="020B0503020204020204" charset="-122"/>
-                <a:ea typeface="微软雅黑" panose="020B0503020204020204" charset="-122"/>
-              </a:rPr>
-              <a:t>设置</a:t>
-            </a:r>
-            <a:endParaRPr lang="zh-CN" altLang="en-US" sz="1400" b="1">
-              <a:solidFill>
-                <a:srgbClr val="1B3B7C"/>
-              </a:solidFill>
-              <a:latin typeface="微软雅黑" panose="020B0503020204020204" charset="-122"/>
-              <a:ea typeface="微软雅黑" panose="020B0503020204020204" charset="-122"/>
-            </a:endParaRPr>
+              <a:t>.2 IP和通信方式设置</a:t>
+            </a:r>
           </a:p>
         </p:txBody>
       </p:sp>
@@ -13993,40 +13826,12 @@
               </a:rPr>
               <a:t>设置界面</a:t>
             </a:r>
-            <a:endParaRPr lang="zh-CN" altLang="en-US" sz="1200">
-              <a:latin typeface="微软雅黑" panose="020B0503020204020204" charset="-122"/>
-              <a:ea typeface="微软雅黑" panose="020B0503020204020204" charset="-122"/>
-            </a:endParaRPr>
           </a:p>
         </p:txBody>
       </p:sp>
       <p:pic>
         <p:nvPicPr>
           <p:cNvPr id="3" name="图片 2"/>
-          <p:cNvPicPr>
-            <a:picLocks noChangeAspect="1"/>
-          </p:cNvPicPr>
-          <p:nvPr/>
-        </p:nvPicPr>
-        <p:blipFill>
-          <a:blip r:embed="rId1"/>
-          <a:stretch>
-            <a:fillRect/>
-          </a:stretch>
-        </p:blipFill>
-        <p:spPr>
-          <a:xfrm>
-            <a:off x="1939925" y="1993265"/>
-            <a:ext cx="3420110" cy="2002155"/>
-          </a:xfrm>
-          <a:prstGeom prst="rect">
-            <a:avLst/>
-          </a:prstGeom>
-        </p:spPr>
-      </p:pic>
-      <p:pic>
-        <p:nvPicPr>
-          <p:cNvPr id="6" name="图片 5"/>
           <p:cNvPicPr>
             <a:picLocks noChangeAspect="1"/>
           </p:cNvPicPr>
@@ -14040,6 +13845,30 @@
         </p:blipFill>
         <p:spPr>
           <a:xfrm>
+            <a:off x="1939925" y="1993265"/>
+            <a:ext cx="3420110" cy="2002155"/>
+          </a:xfrm>
+          <a:prstGeom prst="rect">
+            <a:avLst/>
+          </a:prstGeom>
+        </p:spPr>
+      </p:pic>
+      <p:pic>
+        <p:nvPicPr>
+          <p:cNvPr id="6" name="图片 5"/>
+          <p:cNvPicPr>
+            <a:picLocks noChangeAspect="1"/>
+          </p:cNvPicPr>
+          <p:nvPr/>
+        </p:nvPicPr>
+        <p:blipFill>
+          <a:blip r:embed="rId3"/>
+          <a:stretch>
+            <a:fillRect/>
+          </a:stretch>
+        </p:blipFill>
+        <p:spPr>
+          <a:xfrm>
             <a:off x="1938655" y="5764530"/>
             <a:ext cx="3420000" cy="2635444"/>
           </a:xfrm>
@@ -14053,6 +13882,13 @@
   <p:clrMapOvr>
     <a:masterClrMapping/>
   </p:clrMapOvr>
+  <p:timing>
+    <p:tnLst>
+      <p:par>
+        <p:cTn id="1" dur="indefinite" restart="never" nodeType="tmRoot"/>
+      </p:par>
+    </p:tnLst>
+  </p:timing>
 </p:sld>
 </file>
 
@@ -14065,7 +13901,14 @@
         <p:cNvGrpSpPr/>
         <p:nvPr/>
       </p:nvGrpSpPr>
-      <p:grpSpPr/>
+      <p:grpSpPr>
+        <a:xfrm>
+          <a:off x="0" y="0"/>
+          <a:ext cx="0" cy="0"/>
+          <a:chOff x="0" y="0"/>
+          <a:chExt cx="0" cy="0"/>
+        </a:xfrm>
+      </p:grpSpPr>
       <p:sp>
         <p:nvSpPr>
           <p:cNvPr id="20484" name="文本框 2"/>
@@ -14089,6 +13932,7 @@
           <a:bodyPr wrap="square" tIns="179705" anchor="t">
             <a:spAutoFit/>
           </a:bodyPr>
+          <a:lstStyle/>
           <a:p>
             <a:pPr>
               <a:buSzTx/>
@@ -14113,13 +13957,6 @@
               </a:rPr>
               <a:t>.3 输出设置</a:t>
             </a:r>
-            <a:endParaRPr lang="zh-CN" altLang="en-US" sz="1400" b="1">
-              <a:solidFill>
-                <a:srgbClr val="1B3B7C"/>
-              </a:solidFill>
-              <a:latin typeface="微软雅黑" panose="020B0503020204020204" charset="-122"/>
-              <a:ea typeface="微软雅黑" panose="020B0503020204020204" charset="-122"/>
-            </a:endParaRPr>
           </a:p>
         </p:txBody>
       </p:sp>
@@ -14146,6 +13983,7 @@
           <a:bodyPr wrap="square" lIns="179705" tIns="144145" rIns="179705" bIns="144145" anchor="t">
             <a:spAutoFit/>
           </a:bodyPr>
+          <a:lstStyle/>
           <a:p>
             <a:pPr>
               <a:lnSpc>
@@ -14196,11 +14034,6 @@
               </a:rPr>
               <a:t>所示</a:t>
             </a:r>
-            <a:endParaRPr lang="zh-CN" altLang="en-US" sz="1200">
-              <a:latin typeface="微软雅黑" panose="020B0503020204020204" charset="-122"/>
-              <a:ea typeface="微软雅黑" panose="020B0503020204020204" charset="-122"/>
-              <a:sym typeface="宋体" panose="02010600030101010101" pitchFamily="2" charset="-122"/>
-            </a:endParaRPr>
           </a:p>
         </p:txBody>
       </p:sp>
@@ -14227,6 +14060,7 @@
           <a:bodyPr wrap="square" anchor="t">
             <a:spAutoFit/>
           </a:bodyPr>
+          <a:lstStyle/>
           <a:p>
             <a:pPr algn="ctr"/>
             <a:r>
@@ -14248,19 +14082,8 @@
                 <a:latin typeface="微软雅黑" panose="020B0503020204020204" charset="-122"/>
                 <a:ea typeface="微软雅黑" panose="020B0503020204020204" charset="-122"/>
               </a:rPr>
-              <a:t>输出</a:t>
-            </a:r>
-            <a:r>
-              <a:rPr lang="zh-CN" altLang="en-US" sz="1200">
-                <a:latin typeface="微软雅黑" panose="020B0503020204020204" charset="-122"/>
-                <a:ea typeface="微软雅黑" panose="020B0503020204020204" charset="-122"/>
-              </a:rPr>
-              <a:t>设置界面</a:t>
-            </a:r>
-            <a:endParaRPr lang="zh-CN" altLang="en-US" sz="1200">
-              <a:latin typeface="微软雅黑" panose="020B0503020204020204" charset="-122"/>
-              <a:ea typeface="微软雅黑" panose="020B0503020204020204" charset="-122"/>
-            </a:endParaRPr>
+              <a:t>输出设置界面</a:t>
+            </a:r>
           </a:p>
         </p:txBody>
       </p:sp>
@@ -14277,7 +14100,7 @@
           </p:nvPr>
         </p:nvPicPr>
         <p:blipFill>
-          <a:blip r:embed="rId2"/>
+          <a:blip r:embed="rId4"/>
           <a:stretch>
             <a:fillRect/>
           </a:stretch>
@@ -14315,6 +14138,7 @@
           <a:bodyPr wrap="square" tIns="179705" anchor="t">
             <a:spAutoFit/>
           </a:bodyPr>
+          <a:lstStyle/>
           <a:p>
             <a:pPr>
               <a:buSzTx/>
@@ -14379,13 +14203,6 @@
               </a:rPr>
               <a:t>设置</a:t>
             </a:r>
-            <a:endParaRPr lang="zh-CN" altLang="en-US" sz="1400" b="1">
-              <a:solidFill>
-                <a:srgbClr val="1B3B7C"/>
-              </a:solidFill>
-              <a:latin typeface="微软雅黑" panose="020B0503020204020204" charset="-122"/>
-              <a:ea typeface="微软雅黑" panose="020B0503020204020204" charset="-122"/>
-            </a:endParaRPr>
           </a:p>
         </p:txBody>
       </p:sp>
@@ -14412,6 +14229,7 @@
           <a:bodyPr wrap="square" lIns="179705" tIns="144145" rIns="179705" bIns="144145" anchor="t">
             <a:spAutoFit/>
           </a:bodyPr>
+          <a:lstStyle/>
           <a:p>
             <a:pPr>
               <a:lnSpc>
@@ -14470,11 +14288,6 @@
               </a:rPr>
               <a:t>所示</a:t>
             </a:r>
-            <a:endParaRPr lang="zh-CN" altLang="en-US" sz="1200">
-              <a:latin typeface="微软雅黑" panose="020B0503020204020204" charset="-122"/>
-              <a:ea typeface="微软雅黑" panose="020B0503020204020204" charset="-122"/>
-              <a:sym typeface="宋体" panose="02010600030101010101" pitchFamily="2" charset="-122"/>
-            </a:endParaRPr>
           </a:p>
         </p:txBody>
       </p:sp>
@@ -14486,12 +14299,12 @@
           </p:cNvPicPr>
           <p:nvPr>
             <p:custDataLst>
-              <p:tags r:id="rId3"/>
+              <p:tags r:id="rId2"/>
             </p:custDataLst>
           </p:nvPr>
         </p:nvPicPr>
         <p:blipFill>
-          <a:blip r:embed="rId4"/>
+          <a:blip r:embed="rId5"/>
           <a:stretch>
             <a:fillRect/>
           </a:stretch>
@@ -14529,6 +14342,7 @@
           <a:bodyPr wrap="square" anchor="t">
             <a:spAutoFit/>
           </a:bodyPr>
+          <a:lstStyle/>
           <a:p>
             <a:pPr algn="ctr"/>
             <a:r>
@@ -14552,10 +14366,6 @@
               </a:rPr>
               <a:t>设置界面</a:t>
             </a:r>
-            <a:endParaRPr lang="zh-CN" altLang="en-US" sz="1200">
-              <a:latin typeface="微软雅黑" panose="020B0503020204020204" charset="-122"/>
-              <a:ea typeface="微软雅黑" panose="020B0503020204020204" charset="-122"/>
-            </a:endParaRPr>
           </a:p>
         </p:txBody>
       </p:sp>
@@ -14564,36 +14374,31 @@
   <p:clrMapOvr>
     <a:masterClrMapping/>
   </p:clrMapOvr>
+  <p:timing>
+    <p:tnLst>
+      <p:par>
+        <p:cTn id="1" dur="indefinite" restart="never" nodeType="tmRoot"/>
+      </p:par>
+    </p:tnLst>
+  </p:timing>
 </p:sld>
 </file>
 
 <file path=ppt/tags/tag1.xml><?xml version="1.0" encoding="utf-8"?>
-<p:tagLst xmlns:p="http://schemas.openxmlformats.org/presentationml/2006/main">
+<p:tagLst xmlns:a="http://schemas.openxmlformats.org/drawingml/2006/main" xmlns:r="http://schemas.openxmlformats.org/officeDocument/2006/relationships" xmlns:p="http://schemas.openxmlformats.org/presentationml/2006/main">
   <p:tag name="KSO_WM_UNIT_PLACING_PICTURE_USER_VIEWPORT" val="{&quot;height&quot;:4019,&quot;width&quot;:5373}"/>
 </p:tagLst>
 </file>
 
 <file path=ppt/tags/tag2.xml><?xml version="1.0" encoding="utf-8"?>
-<p:tagLst xmlns:p="http://schemas.openxmlformats.org/presentationml/2006/main">
+<p:tagLst xmlns:a="http://schemas.openxmlformats.org/drawingml/2006/main" xmlns:r="http://schemas.openxmlformats.org/officeDocument/2006/relationships" xmlns:p="http://schemas.openxmlformats.org/presentationml/2006/main">
   <p:tag name="KSO_WM_UNIT_PLACING_PICTURE_USER_VIEWPORT" val="{&quot;height&quot;:4150,&quot;width&quot;:5373}"/>
 </p:tagLst>
 </file>
 
 <file path=ppt/tags/tag3.xml><?xml version="1.0" encoding="utf-8"?>
-<p:tagLst xmlns:p="http://schemas.openxmlformats.org/presentationml/2006/main">
+<p:tagLst xmlns:a="http://schemas.openxmlformats.org/drawingml/2006/main" xmlns:r="http://schemas.openxmlformats.org/officeDocument/2006/relationships" xmlns:p="http://schemas.openxmlformats.org/presentationml/2006/main">
   <p:tag name="KSO_WM_UNIT_PLACING_PICTURE_USER_VIEWPORT" val="{&quot;height&quot;:5280,&quot;width&quot;:10710}"/>
-</p:tagLst>
-</file>
-
-<file path=ppt/tags/tag4.xml><?xml version="1.0" encoding="utf-8"?>
-<p:tagLst xmlns:p="http://schemas.openxmlformats.org/presentationml/2006/main">
-  <p:tag name="KSO_WM_UNIT_PLACING_PICTURE_USER_VIEWPORT" val="{&quot;height&quot;:3205,&quot;width&quot;:5387}"/>
-</p:tagLst>
-</file>
-
-<file path=ppt/tags/tag5.xml><?xml version="1.0" encoding="utf-8"?>
-<p:tagLst xmlns:p="http://schemas.openxmlformats.org/presentationml/2006/main">
-  <p:tag name="KSO_WM_UNIT_PLACING_PICTURE_USER_VIEWPORT" val="{&quot;height&quot;:3206,&quot;width&quot;:5386}"/>
 </p:tagLst>
 </file>
 
@@ -14788,6 +14593,7 @@
       </a:bgFillStyleLst>
     </a:fmtScheme>
   </a:themeElements>
+  <a:objectDefaults/>
   <a:extraClrSchemeLst>
     <a:extraClrScheme>
       <a:clrScheme name="">
@@ -15284,7 +15090,7 @@
   </a:extraClrSchemeLst>
   <a:extLst>
     <a:ext uri="{05A4C25C-085E-4340-85A3-A5531E510DB2}">
-      <thm15:themeFamily xmlns:thm15="http://schemas.microsoft.com/office/thememl/2012/main" name="Office Theme" id="{62F939B6-93AF-4DB8-9C6B-D6C7DFDC589F}" vid="{4A3C46E8-61CC-4603-A589-7422A47A8E4A}"/>
+      <thm15:themeFamily xmlns="" xmlns:thm15="http://schemas.microsoft.com/office/thememl/2012/main" name="Office Theme" id="{62F939B6-93AF-4DB8-9C6B-D6C7DFDC589F}" vid="{4A3C46E8-61CC-4603-A589-7422A47A8E4A}"/>
     </a:ext>
   </a:extLst>
 </a:theme>
